--- a/论文写作/S5+10+我国粮食生产率与农地经营规模关系的实证研究.pptx
+++ b/论文写作/S5+10+我国粮食生产率与农地经营规模关系的实证研究.pptx
@@ -31,10 +31,10 @@
     <p:sldId id="540" r:id="rId19"/>
     <p:sldId id="541" r:id="rId20"/>
     <p:sldId id="542" r:id="rId21"/>
-    <p:sldId id="569" r:id="rId22"/>
-    <p:sldId id="570" r:id="rId23"/>
-    <p:sldId id="571" r:id="rId24"/>
-    <p:sldId id="572" r:id="rId25"/>
+    <p:sldId id="570" r:id="rId22"/>
+    <p:sldId id="571" r:id="rId23"/>
+    <p:sldId id="572" r:id="rId24"/>
+    <p:sldId id="569" r:id="rId25"/>
     <p:sldId id="552" r:id="rId26"/>
     <p:sldId id="567" r:id="rId27"/>
     <p:sldId id="536" r:id="rId28"/>
@@ -185,10 +185,10 @@
             <p14:sldId id="540"/>
             <p14:sldId id="541"/>
             <p14:sldId id="542"/>
-            <p14:sldId id="569"/>
             <p14:sldId id="570"/>
             <p14:sldId id="571"/>
             <p14:sldId id="572"/>
+            <p14:sldId id="569"/>
             <p14:sldId id="552"/>
           </p14:sldIdLst>
         </p14:section>
@@ -407,7 +407,7 @@
           <a:p>
             <a:fld id="{E6D6ACD6-F780-4A47-B5D9-D292A4BD6F81}" type="datetimeFigureOut">
               <a:rPr kumimoji="1" lang="zh-CN" altLang="en-US" smtClean="0"/>
-              <a:t>2019/3/4</a:t>
+              <a:t>2019/3/5</a:t>
             </a:fld>
             <a:endParaRPr kumimoji="1" lang="zh-CN" altLang="en-US"/>
           </a:p>
@@ -1128,7 +1128,7 @@
     </p:spTree>
     <p:extLst>
       <p:ext uri="{BB962C8B-B14F-4D97-AF65-F5344CB8AC3E}">
-        <p14:creationId xmlns:p14="http://schemas.microsoft.com/office/powerpoint/2010/main" val="665645578"/>
+        <p14:creationId xmlns:p14="http://schemas.microsoft.com/office/powerpoint/2010/main" val="1967473411"/>
       </p:ext>
     </p:extLst>
   </p:cSld>
@@ -1194,7 +1194,7 @@
     </p:spTree>
     <p:extLst>
       <p:ext uri="{BB962C8B-B14F-4D97-AF65-F5344CB8AC3E}">
-        <p14:creationId xmlns:p14="http://schemas.microsoft.com/office/powerpoint/2010/main" val="1967473411"/>
+        <p14:creationId xmlns:p14="http://schemas.microsoft.com/office/powerpoint/2010/main" val="3928340863"/>
       </p:ext>
     </p:extLst>
   </p:cSld>
@@ -1260,7 +1260,7 @@
     </p:spTree>
     <p:extLst>
       <p:ext uri="{BB962C8B-B14F-4D97-AF65-F5344CB8AC3E}">
-        <p14:creationId xmlns:p14="http://schemas.microsoft.com/office/powerpoint/2010/main" val="3928340863"/>
+        <p14:creationId xmlns:p14="http://schemas.microsoft.com/office/powerpoint/2010/main" val="3519312267"/>
       </p:ext>
     </p:extLst>
   </p:cSld>
@@ -1326,7 +1326,7 @@
     </p:spTree>
     <p:extLst>
       <p:ext uri="{BB962C8B-B14F-4D97-AF65-F5344CB8AC3E}">
-        <p14:creationId xmlns:p14="http://schemas.microsoft.com/office/powerpoint/2010/main" val="3519312267"/>
+        <p14:creationId xmlns:p14="http://schemas.microsoft.com/office/powerpoint/2010/main" val="665645578"/>
       </p:ext>
     </p:extLst>
   </p:cSld>
@@ -2959,47 +2959,6 @@
       </p:grpSpPr>
       <p:sp>
         <p:nvSpPr>
-          <p:cNvPr id="20" name="TextBox 5"/>
-          <p:cNvSpPr txBox="1"/>
-          <p:nvPr/>
-        </p:nvSpPr>
-        <p:spPr>
-          <a:xfrm>
-            <a:off x="2542581" y="4067052"/>
-            <a:ext cx="1839286" cy="284693"/>
-          </a:xfrm>
-          <a:prstGeom prst="rect">
-            <a:avLst/>
-          </a:prstGeom>
-          <a:noFill/>
-        </p:spPr>
-        <p:txBody>
-          <a:bodyPr wrap="none" lIns="68580" tIns="34290" rIns="68580" bIns="34290" rtlCol="0">
-            <a:spAutoFit/>
-          </a:bodyPr>
-          <a:lstStyle/>
-          <a:p>
-            <a:r>
-              <a:rPr lang="zh-CN" altLang="en-US" b="1" dirty="0" smtClean="0">
-                <a:solidFill>
-                  <a:srgbClr val="071F65"/>
-                </a:solidFill>
-                <a:latin typeface="微软雅黑" panose="020B0503020204020204" pitchFamily="34" charset="-122"/>
-                <a:ea typeface="微软雅黑" panose="020B0503020204020204" pitchFamily="34" charset="-122"/>
-                <a:cs typeface="微软雅黑"/>
-              </a:rPr>
-              <a:t>导   师：田志宏  教授</a:t>
-            </a:r>
-            <a:endParaRPr lang="zh-CN" altLang="en-US" b="1" dirty="0">
-              <a:latin typeface="微软雅黑" panose="020B0503020204020204" pitchFamily="34" charset="-122"/>
-              <a:ea typeface="微软雅黑" panose="020B0503020204020204" pitchFamily="34" charset="-122"/>
-              <a:cs typeface="微软雅黑"/>
-            </a:endParaRPr>
-          </a:p>
-        </p:txBody>
-      </p:sp>
-      <p:sp>
-        <p:nvSpPr>
           <p:cNvPr id="22" name="矩形 21"/>
           <p:cNvSpPr/>
           <p:nvPr/>
@@ -3007,7 +2966,7 @@
         <p:spPr>
           <a:xfrm>
             <a:off x="2542581" y="3687464"/>
-            <a:ext cx="1395254" cy="284693"/>
+            <a:ext cx="2159887" cy="284693"/>
           </a:xfrm>
           <a:prstGeom prst="rect">
             <a:avLst/>
@@ -3020,6 +2979,17 @@
           <a:lstStyle/>
           <a:p>
             <a:r>
+              <a:rPr kumimoji="1" lang="zh-CN" altLang="en-US" b="1" smtClean="0">
+                <a:solidFill>
+                  <a:srgbClr val="071F65"/>
+                </a:solidFill>
+                <a:latin typeface="微软雅黑" panose="020B0503020204020204" pitchFamily="34" charset="-122"/>
+                <a:ea typeface="微软雅黑" panose="020B0503020204020204" pitchFamily="34" charset="-122"/>
+                <a:cs typeface="微软雅黑"/>
+              </a:rPr>
+              <a:t>学   号</a:t>
+            </a:r>
+            <a:r>
               <a:rPr kumimoji="1" lang="zh-CN" altLang="en-US" b="1" dirty="0" smtClean="0">
                 <a:solidFill>
                   <a:srgbClr val="071F65"/>
@@ -3028,7 +2998,18 @@
                 <a:ea typeface="微软雅黑" panose="020B0503020204020204" pitchFamily="34" charset="-122"/>
                 <a:cs typeface="微软雅黑"/>
               </a:rPr>
-              <a:t>汇报人：曾翠红</a:t>
+              <a:t>：</a:t>
+            </a:r>
+            <a:r>
+              <a:rPr kumimoji="1" lang="en-US" altLang="zh-CN" b="1" dirty="0" smtClean="0">
+                <a:solidFill>
+                  <a:srgbClr val="071F65"/>
+                </a:solidFill>
+                <a:latin typeface="微软雅黑" panose="020B0503020204020204" pitchFamily="34" charset="-122"/>
+                <a:ea typeface="微软雅黑" panose="020B0503020204020204" pitchFamily="34" charset="-122"/>
+                <a:cs typeface="微软雅黑"/>
+              </a:rPr>
+              <a:t>S20173111568</a:t>
             </a:r>
             <a:endParaRPr kumimoji="1" lang="en-US" altLang="zh-CN" b="1" dirty="0">
               <a:latin typeface="微软雅黑" panose="020B0503020204020204" pitchFamily="34" charset="-122"/>
@@ -3866,7 +3847,7 @@
         </p:nvSpPr>
         <p:spPr>
           <a:xfrm>
-            <a:off x="2542581" y="4425633"/>
+            <a:off x="2542580" y="4071156"/>
             <a:ext cx="1913024" cy="284693"/>
           </a:xfrm>
           <a:prstGeom prst="rect">
@@ -3913,10 +3894,10 @@
   </p:clrMapOvr>
   <mc:AlternateContent xmlns:mc="http://schemas.openxmlformats.org/markup-compatibility/2006" xmlns:p14="http://schemas.microsoft.com/office/powerpoint/2010/main">
     <mc:Choice Requires="p14">
-      <p:transition p14:dur="10" advTm="0"/>
+      <p:transition p14:dur="10"/>
     </mc:Choice>
     <mc:Fallback xmlns="">
-      <p:transition advTm="0"/>
+      <p:transition/>
     </mc:Fallback>
   </mc:AlternateContent>
   <p:timing>
@@ -3967,7 +3948,7 @@
           </a:bodyPr>
           <a:lstStyle/>
           <a:p>
-            <a:pPr>
+            <a:pPr algn="just">
               <a:spcBef>
                 <a:spcPts val="1200"/>
               </a:spcBef>
@@ -3993,7 +3974,7 @@
             </a:endParaRPr>
           </a:p>
           <a:p>
-            <a:pPr>
+            <a:pPr algn="just">
               <a:spcBef>
                 <a:spcPts val="600"/>
               </a:spcBef>
@@ -4043,7 +4024,7 @@
             </a:endParaRPr>
           </a:p>
           <a:p>
-            <a:pPr marL="285750" indent="285750">
+            <a:pPr marL="285750" indent="285750" algn="just">
               <a:spcBef>
                 <a:spcPts val="600"/>
               </a:spcBef>
@@ -4079,7 +4060,7 @@
             </a:endParaRPr>
           </a:p>
           <a:p>
-            <a:pPr>
+            <a:pPr algn="just">
               <a:spcBef>
                 <a:spcPts val="600"/>
               </a:spcBef>
@@ -4129,7 +4110,7 @@
             </a:endParaRPr>
           </a:p>
           <a:p>
-            <a:pPr marL="285750" indent="285750">
+            <a:pPr marL="285750" indent="285750" algn="just">
               <a:spcBef>
                 <a:spcPts val="600"/>
               </a:spcBef>
@@ -4165,7 +4146,7 @@
             </a:endParaRPr>
           </a:p>
           <a:p>
-            <a:pPr marL="285750" indent="285750">
+            <a:pPr marL="285750" indent="285750" algn="just">
               <a:spcBef>
                 <a:spcPts val="600"/>
               </a:spcBef>
@@ -4209,7 +4190,7 @@
             </a:endParaRPr>
           </a:p>
           <a:p>
-            <a:pPr marL="285750" indent="285750">
+            <a:pPr marL="285750" indent="285750" algn="just">
               <a:spcBef>
                 <a:spcPts val="600"/>
               </a:spcBef>
@@ -4277,7 +4258,7 @@
             </a:endParaRPr>
           </a:p>
           <a:p>
-            <a:pPr marL="285750" indent="285750">
+            <a:pPr marL="285750" indent="285750" algn="just">
               <a:lnSpc>
                 <a:spcPts val="3000"/>
               </a:lnSpc>
@@ -4785,10 +4766,10 @@
   </p:clrMapOvr>
   <mc:AlternateContent xmlns:mc="http://schemas.openxmlformats.org/markup-compatibility/2006" xmlns:p14="http://schemas.microsoft.com/office/powerpoint/2010/main">
     <mc:Choice Requires="p14">
-      <p:transition p14:dur="0" advTm="0"/>
+      <p:transition p14:dur="0"/>
     </mc:Choice>
     <mc:Fallback xmlns="">
-      <p:transition advTm="0"/>
+      <p:transition/>
     </mc:Fallback>
   </mc:AlternateContent>
   <p:timing>
@@ -7041,10 +7022,10 @@
   </p:clrMapOvr>
   <mc:AlternateContent xmlns:mc="http://schemas.openxmlformats.org/markup-compatibility/2006" xmlns:p14="http://schemas.microsoft.com/office/powerpoint/2010/main">
     <mc:Choice Requires="p14">
-      <p:transition p14:dur="0" advTm="0"/>
+      <p:transition p14:dur="0"/>
     </mc:Choice>
     <mc:Fallback xmlns="">
-      <p:transition advTm="0"/>
+      <p:transition/>
     </mc:Fallback>
   </mc:AlternateContent>
   <p:timing>
@@ -7097,7 +7078,7 @@
               </a:bodyPr>
               <a:lstStyle/>
               <a:p>
-                <a:pPr>
+                <a:pPr algn="just">
                   <a:spcBef>
                     <a:spcPts val="1200"/>
                   </a:spcBef>
@@ -7123,7 +7104,7 @@
                 </a:endParaRPr>
               </a:p>
               <a:p>
-                <a:pPr indent="457200">
+                <a:pPr indent="457200" algn="just">
                   <a:spcBef>
                     <a:spcPts val="600"/>
                   </a:spcBef>
@@ -7157,7 +7138,7 @@
                 </a:endParaRPr>
               </a:p>
               <a:p>
-                <a:pPr>
+                <a:pPr algn="just">
                   <a:spcBef>
                     <a:spcPts val="2400"/>
                   </a:spcBef>
@@ -7449,7 +7430,7 @@
                 </a:endParaRPr>
               </a:p>
               <a:p>
-                <a:pPr indent="457200">
+                <a:pPr indent="457200" algn="just">
                   <a:spcBef>
                     <a:spcPts val="600"/>
                   </a:spcBef>
@@ -7520,7 +7501,7 @@
                 </a:endParaRPr>
               </a:p>
               <a:p>
-                <a:pPr>
+                <a:pPr algn="just">
                   <a:spcBef>
                     <a:spcPts val="2400"/>
                   </a:spcBef>
@@ -8123,7 +8104,7 @@
                 </a:endParaRPr>
               </a:p>
               <a:p>
-                <a:pPr>
+                <a:pPr algn="just">
                   <a:spcBef>
                     <a:spcPts val="1200"/>
                   </a:spcBef>
@@ -8168,7 +8149,7 @@
               <a:blipFill>
                 <a:blip r:embed="rId3"/>
                 <a:stretch>
-                  <a:fillRect l="-673" t="-745" r="-606"/>
+                  <a:fillRect l="-673" t="-745" r="-741"/>
                 </a:stretch>
               </a:blipFill>
             </p:spPr>
@@ -8671,10 +8652,10 @@
   </p:clrMapOvr>
   <mc:AlternateContent xmlns:mc="http://schemas.openxmlformats.org/markup-compatibility/2006" xmlns:p14="http://schemas.microsoft.com/office/powerpoint/2010/main">
     <mc:Choice Requires="p14">
-      <p:transition p14:dur="0" advTm="0"/>
+      <p:transition p14:dur="0"/>
     </mc:Choice>
     <mc:Fallback xmlns="">
-      <p:transition advTm="0"/>
+      <p:transition/>
     </mc:Fallback>
   </mc:AlternateContent>
   <p:timing>
@@ -9078,12 +9059,12 @@
   </p:clrMapOvr>
   <mc:AlternateContent xmlns:mc="http://schemas.openxmlformats.org/markup-compatibility/2006" xmlns:p14="http://schemas.microsoft.com/office/powerpoint/2010/main">
     <mc:Choice Requires="p14">
-      <p:transition spd="med" p14:dur="700" advTm="0">
+      <p:transition spd="med" p14:dur="700">
         <p:fade/>
       </p:transition>
     </mc:Choice>
     <mc:Fallback xmlns="">
-      <p:transition spd="med" advTm="0">
+      <p:transition spd="med">
         <p:fade/>
       </p:transition>
     </mc:Fallback>
@@ -9126,7 +9107,7 @@
             <p:spPr>
               <a:xfrm>
                 <a:off x="92596" y="1048409"/>
-                <a:ext cx="9051403" cy="4708981"/>
+                <a:ext cx="9051403" cy="6093976"/>
               </a:xfrm>
               <a:prstGeom prst="rect">
                 <a:avLst/>
@@ -9138,7 +9119,7 @@
               </a:bodyPr>
               <a:lstStyle/>
               <a:p>
-                <a:pPr>
+                <a:pPr algn="just">
                   <a:spcBef>
                     <a:spcPts val="1200"/>
                   </a:spcBef>
@@ -9166,13 +9147,71 @@
                   <a:t>方案</a:t>
                 </a:r>
                 <a:endParaRPr lang="en-US" altLang="zh-CN" sz="2000" b="1" dirty="0" smtClean="0">
+                  <a:latin typeface="微软雅黑" panose="020B0503020204020204" pitchFamily="34" charset="-122"/>
+                  <a:ea typeface="微软雅黑" panose="020B0503020204020204" pitchFamily="34" charset="-122"/>
+                  <a:cs typeface="Times New Roman" panose="02020603050405020304" pitchFamily="18" charset="0"/>
+                </a:endParaRPr>
+              </a:p>
+              <a:p>
+                <a:pPr indent="457200" algn="just">
+                  <a:spcBef>
+                    <a:spcPts val="600"/>
+                  </a:spcBef>
+                  <a:spcAft>
+                    <a:spcPts val="600"/>
+                  </a:spcAft>
+                  <a:buClr>
+                    <a:srgbClr val="071F65"/>
+                  </a:buClr>
+                </a:pPr>
+                <a:r>
+                  <a:rPr lang="zh-CN" altLang="en-US" sz="2000" dirty="0" smtClean="0">
+                    <a:latin typeface="华文楷体" panose="02010600040101010101" pitchFamily="2" charset="-122"/>
+                    <a:ea typeface="华文楷体" panose="02010600040101010101" pitchFamily="2" charset="-122"/>
+                    <a:cs typeface="Times New Roman" panose="02020603050405020304" pitchFamily="18" charset="0"/>
+                  </a:rPr>
+                  <a:t>考虑到样本信息的稳定性，本研究选取的农户数据来自于</a:t>
+                </a:r>
+                <a:r>
+                  <a:rPr lang="en-US" altLang="zh-CN" sz="2000" dirty="0" smtClean="0">
+                    <a:latin typeface="华文楷体" panose="02010600040101010101" pitchFamily="2" charset="-122"/>
+                    <a:ea typeface="华文楷体" panose="02010600040101010101" pitchFamily="2" charset="-122"/>
+                    <a:cs typeface="Times New Roman" panose="02020603050405020304" pitchFamily="18" charset="0"/>
+                  </a:rPr>
+                  <a:t>2011-2015</a:t>
+                </a:r>
+                <a:r>
+                  <a:rPr lang="zh-CN" altLang="en-US" sz="2000" dirty="0" smtClean="0">
+                    <a:latin typeface="华文楷体" panose="02010600040101010101" pitchFamily="2" charset="-122"/>
+                    <a:ea typeface="华文楷体" panose="02010600040101010101" pitchFamily="2" charset="-122"/>
+                    <a:cs typeface="Times New Roman" panose="02020603050405020304" pitchFamily="18" charset="0"/>
+                  </a:rPr>
+                  <a:t>年全国</a:t>
+                </a:r>
+                <a:r>
+                  <a:rPr lang="zh-CN" altLang="en-US" sz="2000" dirty="0">
+                    <a:latin typeface="华文楷体" panose="02010600040101010101" pitchFamily="2" charset="-122"/>
+                    <a:ea typeface="华文楷体" panose="02010600040101010101" pitchFamily="2" charset="-122"/>
+                    <a:cs typeface="Times New Roman" panose="02020603050405020304" pitchFamily="18" charset="0"/>
+                  </a:rPr>
+                  <a:t>农村固定</a:t>
+                </a:r>
+                <a:r>
+                  <a:rPr lang="zh-CN" altLang="en-US" sz="2000" dirty="0" smtClean="0">
+                    <a:latin typeface="华文楷体" panose="02010600040101010101" pitchFamily="2" charset="-122"/>
+                    <a:ea typeface="华文楷体" panose="02010600040101010101" pitchFamily="2" charset="-122"/>
+                    <a:cs typeface="Times New Roman" panose="02020603050405020304" pitchFamily="18" charset="0"/>
+                  </a:rPr>
+                  <a:t>观察点的数据，种植制度和粮食播种面积数据分别来自于中科院资源环境数据中心和国家统计局。</a:t>
+                </a:r>
+                <a:endParaRPr lang="en-US" altLang="zh-CN" sz="2000" b="1" dirty="0" smtClean="0">
                   <a:latin typeface="华文楷体" panose="02010600040101010101" pitchFamily="2" charset="-122"/>
                   <a:ea typeface="华文楷体" panose="02010600040101010101" pitchFamily="2" charset="-122"/>
                   <a:cs typeface="Times New Roman" panose="02020603050405020304" pitchFamily="18" charset="0"/>
                 </a:endParaRPr>
               </a:p>
               <a:p>
-                <a:pPr>
+                <a:pPr algn="just">
                   <a:spcBef>
                     <a:spcPts val="600"/>
                   </a:spcBef>
@@ -9230,59 +9269,7 @@
                 </a:endParaRPr>
               </a:p>
               <a:p>
-                <a:pPr marL="342900" indent="342900">
-                  <a:spcBef>
-                    <a:spcPts val="600"/>
-                  </a:spcBef>
-                  <a:spcAft>
-                    <a:spcPts val="600"/>
-                  </a:spcAft>
-                  <a:buClr>
-                    <a:srgbClr val="071F65"/>
-                  </a:buClr>
-                  <a:buFont typeface="Arial" panose="020B0604020202020204" pitchFamily="34" charset="0"/>
-                  <a:buChar char="•"/>
-                </a:pPr>
-                <a:r>
-                  <a:rPr lang="zh-CN" altLang="en-US" sz="2000" dirty="0">
-                    <a:latin typeface="华文楷体" panose="02010600040101010101" pitchFamily="2" charset="-122"/>
-                    <a:ea typeface="华文楷体" panose="02010600040101010101" pitchFamily="2" charset="-122"/>
-                    <a:cs typeface="Times New Roman" panose="02020603050405020304" pitchFamily="18" charset="0"/>
-                  </a:rPr>
-                  <a:t>基于全国农村固定观察点</a:t>
-                </a:r>
-                <a:r>
-                  <a:rPr lang="en-US" altLang="zh-CN" sz="2000" dirty="0">
-                    <a:latin typeface="华文楷体" panose="02010600040101010101" pitchFamily="2" charset="-122"/>
-                    <a:ea typeface="华文楷体" panose="02010600040101010101" pitchFamily="2" charset="-122"/>
-                    <a:cs typeface="Times New Roman" panose="02020603050405020304" pitchFamily="18" charset="0"/>
-                  </a:rPr>
-                  <a:t>2011-2015</a:t>
-                </a:r>
-                <a:r>
-                  <a:rPr lang="zh-CN" altLang="en-US" sz="2000" dirty="0">
-                    <a:latin typeface="华文楷体" panose="02010600040101010101" pitchFamily="2" charset="-122"/>
-                    <a:ea typeface="华文楷体" panose="02010600040101010101" pitchFamily="2" charset="-122"/>
-                    <a:cs typeface="Times New Roman" panose="02020603050405020304" pitchFamily="18" charset="0"/>
-                  </a:rPr>
-                  <a:t>年的农户</a:t>
-                </a:r>
-                <a:r>
-                  <a:rPr lang="zh-CN" altLang="en-US" sz="2000" dirty="0" smtClean="0">
-                    <a:latin typeface="华文楷体" panose="02010600040101010101" pitchFamily="2" charset="-122"/>
-                    <a:ea typeface="华文楷体" panose="02010600040101010101" pitchFamily="2" charset="-122"/>
-                    <a:cs typeface="Times New Roman" panose="02020603050405020304" pitchFamily="18" charset="0"/>
-                  </a:rPr>
-                  <a:t>数据。</a:t>
-                </a:r>
-                <a:endParaRPr lang="en-US" altLang="zh-CN" sz="2000" dirty="0">
-                  <a:latin typeface="华文楷体" panose="02010600040101010101" pitchFamily="2" charset="-122"/>
-                  <a:ea typeface="华文楷体" panose="02010600040101010101" pitchFamily="2" charset="-122"/>
-                  <a:cs typeface="Times New Roman" panose="02020603050405020304" pitchFamily="18" charset="0"/>
-                </a:endParaRPr>
-              </a:p>
-              <a:p>
-                <a:pPr marL="342900" indent="342900">
+                <a:pPr marL="342900" indent="342900" algn="just">
                   <a:spcBef>
                     <a:spcPts val="600"/>
                   </a:spcBef>
@@ -9311,7 +9298,7 @@
                 </a:endParaRPr>
               </a:p>
               <a:p>
-                <a:pPr marL="342900" indent="342900">
+                <a:pPr marL="342900" indent="342900" algn="just">
                   <a:spcBef>
                     <a:spcPts val="600"/>
                   </a:spcBef>
@@ -9351,7 +9338,7 @@
                 <a:endParaRPr lang="en-US" altLang="zh-CN" sz="2000" i="1" dirty="0"/>
               </a:p>
               <a:p>
-                <a:pPr>
+                <a:pPr algn="just">
                   <a:spcBef>
                     <a:spcPts val="600"/>
                   </a:spcBef>
@@ -9386,14 +9373,136 @@
                   </a:rPr>
                   <a:t>）规模变量引入形式构建</a:t>
                 </a:r>
-                <a:endParaRPr lang="en-US" altLang="zh-CN" sz="2000" b="1" dirty="0">
+                <a:endParaRPr lang="en-US" altLang="zh-CN" sz="2000" b="1" dirty="0" smtClean="0">
                   <a:latin typeface="华文楷体" panose="02010600040101010101" pitchFamily="2" charset="-122"/>
                   <a:ea typeface="华文楷体" panose="02010600040101010101" pitchFamily="2" charset="-122"/>
                   <a:cs typeface="Times New Roman" panose="02020603050405020304" pitchFamily="18" charset="0"/>
                 </a:endParaRPr>
               </a:p>
               <a:p>
-                <a:pPr algn="ctr" latinLnBrk="1">
+                <a:pPr indent="457200" algn="just">
+                  <a:spcBef>
+                    <a:spcPts val="600"/>
+                  </a:spcBef>
+                  <a:spcAft>
+                    <a:spcPts val="600"/>
+                  </a:spcAft>
+                  <a:buClr>
+                    <a:srgbClr val="071F65"/>
+                  </a:buClr>
+                </a:pPr>
+                <a:r>
+                  <a:rPr lang="zh-CN" altLang="en-US" sz="2000" dirty="0" smtClean="0">
+                    <a:latin typeface="华文楷体" panose="02010600040101010101" pitchFamily="2" charset="-122"/>
+                    <a:ea typeface="华文楷体" panose="02010600040101010101" pitchFamily="2" charset="-122"/>
+                    <a:cs typeface="Times New Roman" panose="02020603050405020304" pitchFamily="18" charset="0"/>
+                  </a:rPr>
+                  <a:t>将</a:t>
+                </a:r>
+                <a:r>
+                  <a:rPr lang="zh-CN" altLang="en-US" sz="2000" dirty="0">
+                    <a:latin typeface="华文楷体" panose="02010600040101010101" pitchFamily="2" charset="-122"/>
+                    <a:ea typeface="华文楷体" panose="02010600040101010101" pitchFamily="2" charset="-122"/>
+                    <a:cs typeface="Times New Roman" panose="02020603050405020304" pitchFamily="18" charset="0"/>
+                  </a:rPr>
+                  <a:t>面积变量</a:t>
+                </a:r>
+                <a:r>
+                  <a:rPr lang="zh-CN" altLang="en-US" sz="2000" dirty="0" smtClean="0">
+                    <a:latin typeface="华文楷体" panose="02010600040101010101" pitchFamily="2" charset="-122"/>
+                    <a:ea typeface="华文楷体" panose="02010600040101010101" pitchFamily="2" charset="-122"/>
+                    <a:cs typeface="Times New Roman" panose="02020603050405020304" pitchFamily="18" charset="0"/>
+                  </a:rPr>
+                  <a:t>以对数</a:t>
+                </a:r>
+                <a:r>
+                  <a:rPr lang="en-US" altLang="zh-CN" sz="2000" dirty="0" smtClean="0">
+                    <a:latin typeface="华文楷体" panose="02010600040101010101" pitchFamily="2" charset="-122"/>
+                    <a:ea typeface="华文楷体" panose="02010600040101010101" pitchFamily="2" charset="-122"/>
+                    <a:cs typeface="Times New Roman" panose="02020603050405020304" pitchFamily="18" charset="0"/>
+                  </a:rPr>
+                  <a:t>-</a:t>
+                </a:r>
+                <a:r>
+                  <a:rPr lang="zh-CN" altLang="en-US" sz="2000" dirty="0" smtClean="0">
+                    <a:latin typeface="华文楷体" panose="02010600040101010101" pitchFamily="2" charset="-122"/>
+                    <a:ea typeface="华文楷体" panose="02010600040101010101" pitchFamily="2" charset="-122"/>
+                    <a:cs typeface="Times New Roman" panose="02020603050405020304" pitchFamily="18" charset="0"/>
+                  </a:rPr>
+                  <a:t>线性的</a:t>
+                </a:r>
+                <a:r>
+                  <a:rPr lang="zh-CN" altLang="en-US" sz="2000" dirty="0">
+                    <a:latin typeface="华文楷体" panose="02010600040101010101" pitchFamily="2" charset="-122"/>
+                    <a:ea typeface="华文楷体" panose="02010600040101010101" pitchFamily="2" charset="-122"/>
+                    <a:cs typeface="Times New Roman" panose="02020603050405020304" pitchFamily="18" charset="0"/>
+                  </a:rPr>
+                  <a:t>形式</a:t>
+                </a:r>
+                <a:r>
+                  <a:rPr lang="zh-CN" altLang="en-US" sz="2000" dirty="0" smtClean="0">
+                    <a:latin typeface="华文楷体" panose="02010600040101010101" pitchFamily="2" charset="-122"/>
+                    <a:ea typeface="华文楷体" panose="02010600040101010101" pitchFamily="2" charset="-122"/>
+                    <a:cs typeface="Times New Roman" panose="02020603050405020304" pitchFamily="18" charset="0"/>
+                  </a:rPr>
+                  <a:t>引入，</a:t>
+                </a:r>
+                <a:r>
+                  <a:rPr lang="zh-CN" altLang="en-US" sz="2000" dirty="0">
+                    <a:latin typeface="华文楷体" panose="02010600040101010101" pitchFamily="2" charset="-122"/>
+                    <a:ea typeface="华文楷体" panose="02010600040101010101" pitchFamily="2" charset="-122"/>
+                    <a:cs typeface="Times New Roman" panose="02020603050405020304" pitchFamily="18" charset="0"/>
+                  </a:rPr>
+                  <a:t>得到包含农地经营规模变量的农业生产函数</a:t>
+                </a:r>
+                <a:r>
+                  <a:rPr lang="zh-CN" altLang="en-US" sz="2000" dirty="0" smtClean="0">
+                    <a:latin typeface="华文楷体" panose="02010600040101010101" pitchFamily="2" charset="-122"/>
+                    <a:ea typeface="华文楷体" panose="02010600040101010101" pitchFamily="2" charset="-122"/>
+                    <a:cs typeface="Times New Roman" panose="02020603050405020304" pitchFamily="18" charset="0"/>
+                  </a:rPr>
+                  <a:t>。对数</a:t>
+                </a:r>
+                <a:r>
+                  <a:rPr lang="en-US" altLang="zh-CN" sz="2000" dirty="0">
+                    <a:latin typeface="华文楷体" panose="02010600040101010101" pitchFamily="2" charset="-122"/>
+                    <a:ea typeface="华文楷体" panose="02010600040101010101" pitchFamily="2" charset="-122"/>
+                    <a:cs typeface="Times New Roman" panose="02020603050405020304" pitchFamily="18" charset="0"/>
+                  </a:rPr>
+                  <a:t>-</a:t>
+                </a:r>
+                <a:r>
+                  <a:rPr lang="zh-CN" altLang="en-US" sz="2000" dirty="0">
+                    <a:latin typeface="华文楷体" panose="02010600040101010101" pitchFamily="2" charset="-122"/>
+                    <a:ea typeface="华文楷体" panose="02010600040101010101" pitchFamily="2" charset="-122"/>
+                    <a:cs typeface="Times New Roman" panose="02020603050405020304" pitchFamily="18" charset="0"/>
+                  </a:rPr>
+                  <a:t>线性组合能够模拟非对称</a:t>
+                </a:r>
+                <a:r>
+                  <a:rPr lang="zh-CN" altLang="en-US" sz="2000" dirty="0" smtClean="0">
+                    <a:latin typeface="华文楷体" panose="02010600040101010101" pitchFamily="2" charset="-122"/>
+                    <a:ea typeface="华文楷体" panose="02010600040101010101" pitchFamily="2" charset="-122"/>
+                    <a:cs typeface="Times New Roman" panose="02020603050405020304" pitchFamily="18" charset="0"/>
+                  </a:rPr>
+                  <a:t>的曲线关系，规模弹性更加灵活</a:t>
+                </a:r>
+                <a:r>
+                  <a:rPr lang="zh-CN" altLang="en-US" sz="2000" dirty="0">
+                    <a:latin typeface="华文楷体" panose="02010600040101010101" pitchFamily="2" charset="-122"/>
+                    <a:ea typeface="华文楷体" panose="02010600040101010101" pitchFamily="2" charset="-122"/>
+                    <a:cs typeface="Times New Roman" panose="02020603050405020304" pitchFamily="18" charset="0"/>
+                  </a:rPr>
+                  <a:t>。</a:t>
+                </a:r>
+                <a:endParaRPr lang="en-US" altLang="zh-CN" sz="2000" dirty="0">
+                  <a:latin typeface="华文楷体" panose="02010600040101010101" pitchFamily="2" charset="-122"/>
+                  <a:ea typeface="华文楷体" panose="02010600040101010101" pitchFamily="2" charset="-122"/>
+                  <a:cs typeface="Times New Roman" panose="02020603050405020304" pitchFamily="18" charset="0"/>
+                </a:endParaRPr>
+              </a:p>
+              <a:p>
+                <a:pPr algn="just" latinLnBrk="1">
                   <a:spcBef>
                     <a:spcPts val="1200"/>
                   </a:spcBef>
@@ -9723,7 +9832,7 @@
                 </a:r>
               </a:p>
               <a:p>
-                <a:pPr indent="457200" latinLnBrk="1">
+                <a:pPr indent="457200" algn="just" latinLnBrk="1">
                   <a:spcBef>
                     <a:spcPts val="600"/>
                   </a:spcBef>
@@ -9740,7 +9849,7 @@
                 <a:endParaRPr lang="en-US" altLang="zh-CN" sz="2000" i="1" dirty="0"/>
               </a:p>
               <a:p>
-                <a:pPr>
+                <a:pPr algn="just">
                   <a:spcBef>
                     <a:spcPts val="600"/>
                   </a:spcBef>
@@ -9772,7 +9881,7 @@
             <p:spPr>
               <a:xfrm>
                 <a:off x="92596" y="1048409"/>
-                <a:ext cx="9051403" cy="4708981"/>
+                <a:ext cx="9051403" cy="6093976"/>
               </a:xfrm>
               <a:prstGeom prst="rect">
                 <a:avLst/>
@@ -9780,7 +9889,7 @@
               <a:blipFill>
                 <a:blip r:embed="rId4"/>
                 <a:stretch>
-                  <a:fillRect l="-673" t="-907"/>
+                  <a:fillRect l="-673" t="-600" r="-741"/>
                 </a:stretch>
               </a:blipFill>
             </p:spPr>
@@ -10327,10 +10436,10 @@
   </p:clrMapOvr>
   <mc:AlternateContent xmlns:mc="http://schemas.openxmlformats.org/markup-compatibility/2006" xmlns:p14="http://schemas.microsoft.com/office/powerpoint/2010/main">
     <mc:Choice Requires="p14">
-      <p:transition p14:dur="0" advTm="0"/>
+      <p:transition p14:dur="0"/>
     </mc:Choice>
     <mc:Fallback xmlns="">
-      <p:transition advTm="0"/>
+      <p:transition/>
     </mc:Fallback>
   </mc:AlternateContent>
   <p:timing>
@@ -10483,12 +10592,12 @@
   </p:clrMapOvr>
   <mc:AlternateContent xmlns:mc="http://schemas.openxmlformats.org/markup-compatibility/2006" xmlns:p14="http://schemas.microsoft.com/office/powerpoint/2010/main">
     <mc:Choice Requires="p14">
-      <p:transition spd="med" p14:dur="700" advTm="0">
+      <p:transition spd="med" p14:dur="700">
         <p:fade/>
       </p:transition>
     </mc:Choice>
     <mc:Fallback xmlns="">
-      <p:transition spd="med" advTm="0">
+      <p:transition spd="med">
         <p:fade/>
       </p:transition>
     </mc:Fallback>
@@ -13704,10 +13813,10 @@
   </p:clrMapOvr>
   <mc:AlternateContent xmlns:mc="http://schemas.openxmlformats.org/markup-compatibility/2006" xmlns:p14="http://schemas.microsoft.com/office/powerpoint/2010/main">
     <mc:Choice Requires="p14">
-      <p:transition p14:dur="0" advTm="0"/>
+      <p:transition p14:dur="0"/>
     </mc:Choice>
     <mc:Fallback xmlns="">
-      <p:transition advTm="0"/>
+      <p:transition/>
     </mc:Fallback>
   </mc:AlternateContent>
   <p:timing>
@@ -13746,7 +13855,7 @@
         <p:spPr>
           <a:xfrm>
             <a:off x="92596" y="1048409"/>
-            <a:ext cx="9051403" cy="4862870"/>
+            <a:ext cx="9051403" cy="4478149"/>
           </a:xfrm>
           <a:prstGeom prst="rect">
             <a:avLst/>
@@ -13758,7 +13867,7 @@
           </a:bodyPr>
           <a:lstStyle/>
           <a:p>
-            <a:pPr>
+            <a:pPr algn="just">
               <a:spcBef>
                 <a:spcPts val="1200"/>
               </a:spcBef>
@@ -13784,10 +13893,13 @@
             </a:endParaRPr>
           </a:p>
           <a:p>
-            <a:pPr indent="457200" latinLnBrk="1">
+            <a:pPr indent="457200" algn="just" latinLnBrk="1">
               <a:spcBef>
                 <a:spcPts val="600"/>
               </a:spcBef>
+              <a:spcAft>
+                <a:spcPts val="600"/>
+              </a:spcAft>
               <a:tabLst>
                 <a:tab pos="0" algn="l"/>
                 <a:tab pos="4320000" algn="ctr"/>
@@ -13824,7 +13936,55 @@
                 <a:ea typeface="华文楷体" panose="02010600040101010101" pitchFamily="2" charset="-122"/>
                 <a:cs typeface="Times New Roman" panose="02020603050405020304" pitchFamily="18" charset="0"/>
               </a:rPr>
-              <a:t>不同规模农户耕地细碎化水平、兼业水平和外部环境指标农业补贴水变量在显著差异</a:t>
+              <a:t>不同规模农户耕地细碎</a:t>
+            </a:r>
+            <a:r>
+              <a:rPr lang="zh-CN" altLang="zh-CN" sz="2000" dirty="0" smtClean="0">
+                <a:latin typeface="华文楷体" panose="02010600040101010101" pitchFamily="2" charset="-122"/>
+                <a:ea typeface="华文楷体" panose="02010600040101010101" pitchFamily="2" charset="-122"/>
+                <a:cs typeface="Times New Roman" panose="02020603050405020304" pitchFamily="18" charset="0"/>
+              </a:rPr>
+              <a:t>化、</a:t>
+            </a:r>
+            <a:r>
+              <a:rPr lang="zh-CN" altLang="zh-CN" sz="2000" dirty="0">
+                <a:latin typeface="华文楷体" panose="02010600040101010101" pitchFamily="2" charset="-122"/>
+                <a:ea typeface="华文楷体" panose="02010600040101010101" pitchFamily="2" charset="-122"/>
+                <a:cs typeface="Times New Roman" panose="02020603050405020304" pitchFamily="18" charset="0"/>
+              </a:rPr>
+              <a:t>兼业水平和外部环境指标农业</a:t>
+            </a:r>
+            <a:r>
+              <a:rPr lang="zh-CN" altLang="zh-CN" sz="2000" dirty="0" smtClean="0">
+                <a:latin typeface="华文楷体" panose="02010600040101010101" pitchFamily="2" charset="-122"/>
+                <a:ea typeface="华文楷体" panose="02010600040101010101" pitchFamily="2" charset="-122"/>
+                <a:cs typeface="Times New Roman" panose="02020603050405020304" pitchFamily="18" charset="0"/>
+              </a:rPr>
+              <a:t>补贴</a:t>
+            </a:r>
+            <a:r>
+              <a:rPr lang="zh-CN" altLang="en-US" sz="2000" dirty="0">
+                <a:latin typeface="华文楷体" panose="02010600040101010101" pitchFamily="2" charset="-122"/>
+                <a:ea typeface="华文楷体" panose="02010600040101010101" pitchFamily="2" charset="-122"/>
+                <a:cs typeface="Times New Roman" panose="02020603050405020304" pitchFamily="18" charset="0"/>
+              </a:rPr>
+              <a:t>水平</a:t>
+            </a:r>
+            <a:r>
+              <a:rPr lang="zh-CN" altLang="zh-CN" sz="2000" dirty="0" smtClean="0">
+                <a:latin typeface="华文楷体" panose="02010600040101010101" pitchFamily="2" charset="-122"/>
+                <a:ea typeface="华文楷体" panose="02010600040101010101" pitchFamily="2" charset="-122"/>
+                <a:cs typeface="Times New Roman" panose="02020603050405020304" pitchFamily="18" charset="0"/>
+              </a:rPr>
+              <a:t>变量</a:t>
+            </a:r>
+            <a:r>
+              <a:rPr lang="zh-CN" altLang="zh-CN" sz="2000" dirty="0">
+                <a:latin typeface="华文楷体" panose="02010600040101010101" pitchFamily="2" charset="-122"/>
+                <a:ea typeface="华文楷体" panose="02010600040101010101" pitchFamily="2" charset="-122"/>
+                <a:cs typeface="Times New Roman" panose="02020603050405020304" pitchFamily="18" charset="0"/>
+              </a:rPr>
+              <a:t>在显著差异</a:t>
             </a:r>
             <a:r>
               <a:rPr lang="zh-CN" altLang="zh-CN" sz="2000" dirty="0" smtClean="0">
@@ -13905,10 +14065,13 @@
             </a:endParaRPr>
           </a:p>
           <a:p>
-            <a:pPr indent="457200" latinLnBrk="1">
+            <a:pPr indent="457200" algn="just" latinLnBrk="1">
               <a:spcBef>
                 <a:spcPts val="600"/>
               </a:spcBef>
+              <a:spcAft>
+                <a:spcPts val="600"/>
+              </a:spcAft>
               <a:tabLst>
                 <a:tab pos="0" algn="l"/>
                 <a:tab pos="4320000" algn="ctr"/>
@@ -13957,10 +14120,13 @@
             </a:r>
           </a:p>
           <a:p>
-            <a:pPr indent="457200" latinLnBrk="1">
+            <a:pPr indent="457200" algn="just" latinLnBrk="1">
               <a:spcBef>
                 <a:spcPts val="600"/>
               </a:spcBef>
+              <a:spcAft>
+                <a:spcPts val="600"/>
+              </a:spcAft>
               <a:tabLst>
                 <a:tab pos="0" algn="l"/>
                 <a:tab pos="4320000" algn="ctr"/>
@@ -14045,14 +14211,49 @@
                 <a:ea typeface="华文楷体" panose="02010600040101010101" pitchFamily="2" charset="-122"/>
                 <a:cs typeface="Times New Roman" panose="02020603050405020304" pitchFamily="18" charset="0"/>
               </a:rPr>
-              <a:t>。整体规律为劳动力随着规模的扩大显著下降，小农户亩均劳动力投入大大高于中大型规模农户的劳动力投入水平。肥料、机械和其他农资也随着规模的扩大而降低，但降低的速度远远小于劳动力缩减的速度。</a:t>
+              <a:t>。整体规律为劳动力随着规模的扩大显著</a:t>
+            </a:r>
+            <a:r>
+              <a:rPr lang="zh-CN" altLang="zh-CN" sz="2000" dirty="0" smtClean="0">
+                <a:latin typeface="华文楷体" panose="02010600040101010101" pitchFamily="2" charset="-122"/>
+                <a:ea typeface="华文楷体" panose="02010600040101010101" pitchFamily="2" charset="-122"/>
+                <a:cs typeface="Times New Roman" panose="02020603050405020304" pitchFamily="18" charset="0"/>
+              </a:rPr>
+              <a:t>下降。肥料</a:t>
+            </a:r>
+            <a:r>
+              <a:rPr lang="zh-CN" altLang="en-US" sz="2000" dirty="0" smtClean="0">
+                <a:latin typeface="华文楷体" panose="02010600040101010101" pitchFamily="2" charset="-122"/>
+                <a:ea typeface="华文楷体" panose="02010600040101010101" pitchFamily="2" charset="-122"/>
+                <a:cs typeface="Times New Roman" panose="02020603050405020304" pitchFamily="18" charset="0"/>
+              </a:rPr>
+              <a:t>和</a:t>
+            </a:r>
+            <a:r>
+              <a:rPr lang="zh-CN" altLang="zh-CN" sz="2000" dirty="0" smtClean="0">
+                <a:latin typeface="华文楷体" panose="02010600040101010101" pitchFamily="2" charset="-122"/>
+                <a:ea typeface="华文楷体" panose="02010600040101010101" pitchFamily="2" charset="-122"/>
+                <a:cs typeface="Times New Roman" panose="02020603050405020304" pitchFamily="18" charset="0"/>
+              </a:rPr>
+              <a:t>机械也</a:t>
+            </a:r>
+            <a:r>
+              <a:rPr lang="zh-CN" altLang="zh-CN" sz="2000" dirty="0">
+                <a:latin typeface="华文楷体" panose="02010600040101010101" pitchFamily="2" charset="-122"/>
+                <a:ea typeface="华文楷体" panose="02010600040101010101" pitchFamily="2" charset="-122"/>
+                <a:cs typeface="Times New Roman" panose="02020603050405020304" pitchFamily="18" charset="0"/>
+              </a:rPr>
+              <a:t>随着规模的扩大而降低，但降低的速度远远小于劳动力缩减的速度。</a:t>
             </a:r>
           </a:p>
           <a:p>
-            <a:pPr indent="457200" latinLnBrk="1">
+            <a:pPr indent="457200" algn="just" latinLnBrk="1">
               <a:spcBef>
                 <a:spcPts val="600"/>
               </a:spcBef>
+              <a:spcAft>
+                <a:spcPts val="600"/>
+              </a:spcAft>
               <a:tabLst>
                 <a:tab pos="0" algn="l"/>
                 <a:tab pos="4320000" algn="ctr"/>
@@ -14105,7 +14306,31 @@
                 <a:ea typeface="华文楷体" panose="02010600040101010101" pitchFamily="2" charset="-122"/>
                 <a:cs typeface="Times New Roman" panose="02020603050405020304" pitchFamily="18" charset="0"/>
               </a:rPr>
-              <a:t>型”关系，两熟玉米和小麦的单产与规模大规模农户太少，但中型规模农户的单产水平均高于小农户。水稻单产与规模关系与玉米、小麦略有不同，表现为单产和规模的“</a:t>
+              <a:t>型”关系，两熟玉米和小麦的单产与规模大规模农户太少，但中型规模农户的单产水平均高于小农户。水稻单产与</a:t>
+            </a:r>
+            <a:r>
+              <a:rPr lang="zh-CN" altLang="zh-CN" sz="2000" dirty="0" smtClean="0">
+                <a:latin typeface="华文楷体" panose="02010600040101010101" pitchFamily="2" charset="-122"/>
+                <a:ea typeface="华文楷体" panose="02010600040101010101" pitchFamily="2" charset="-122"/>
+                <a:cs typeface="Times New Roman" panose="02020603050405020304" pitchFamily="18" charset="0"/>
+              </a:rPr>
+              <a:t>规模</a:t>
+            </a:r>
+            <a:r>
+              <a:rPr lang="zh-CN" altLang="en-US" sz="2000" dirty="0" smtClean="0">
+                <a:latin typeface="华文楷体" panose="02010600040101010101" pitchFamily="2" charset="-122"/>
+                <a:ea typeface="华文楷体" panose="02010600040101010101" pitchFamily="2" charset="-122"/>
+                <a:cs typeface="Times New Roman" panose="02020603050405020304" pitchFamily="18" charset="0"/>
+              </a:rPr>
+              <a:t>呈</a:t>
+            </a:r>
+            <a:r>
+              <a:rPr lang="zh-CN" altLang="zh-CN" sz="2000" dirty="0" smtClean="0">
+                <a:latin typeface="华文楷体" panose="02010600040101010101" pitchFamily="2" charset="-122"/>
+                <a:ea typeface="华文楷体" panose="02010600040101010101" pitchFamily="2" charset="-122"/>
+                <a:cs typeface="Times New Roman" panose="02020603050405020304" pitchFamily="18" charset="0"/>
+              </a:rPr>
+              <a:t>“</a:t>
             </a:r>
             <a:r>
               <a:rPr lang="en-US" altLang="zh-CN" sz="2000" dirty="0">
@@ -14615,10 +14840,10 @@
   </p:clrMapOvr>
   <mc:AlternateContent xmlns:mc="http://schemas.openxmlformats.org/markup-compatibility/2006" xmlns:p14="http://schemas.microsoft.com/office/powerpoint/2010/main">
     <mc:Choice Requires="p14">
-      <p:transition p14:dur="0" advTm="0"/>
+      <p:transition p14:dur="0"/>
     </mc:Choice>
     <mc:Fallback xmlns="">
-      <p:transition advTm="0"/>
+      <p:transition/>
     </mc:Fallback>
   </mc:AlternateContent>
   <p:timing>
@@ -16652,10 +16877,10 @@
   </p:clrMapOvr>
   <mc:AlternateContent xmlns:mc="http://schemas.openxmlformats.org/markup-compatibility/2006" xmlns:p14="http://schemas.microsoft.com/office/powerpoint/2010/main">
     <mc:Choice Requires="p14">
-      <p:transition p14:dur="0" advTm="0"/>
+      <p:transition p14:dur="0"/>
     </mc:Choice>
     <mc:Fallback xmlns="">
-      <p:transition advTm="0"/>
+      <p:transition/>
     </mc:Fallback>
   </mc:AlternateContent>
   <p:timing>
@@ -21819,10 +22044,10 @@
   </p:clrMapOvr>
   <mc:AlternateContent xmlns:mc="http://schemas.openxmlformats.org/markup-compatibility/2006" xmlns:p14="http://schemas.microsoft.com/office/powerpoint/2010/main">
     <mc:Choice Requires="p14">
-      <p:transition p14:dur="0" advTm="0"/>
+      <p:transition p14:dur="0"/>
     </mc:Choice>
     <mc:Fallback xmlns="">
-      <p:transition advTm="0"/>
+      <p:transition/>
     </mc:Fallback>
   </mc:AlternateContent>
   <p:timing>
@@ -23521,12 +23746,12 @@
   </p:clrMapOvr>
   <mc:AlternateContent xmlns:mc="http://schemas.openxmlformats.org/markup-compatibility/2006" xmlns:p14="http://schemas.microsoft.com/office/powerpoint/2010/main">
     <mc:Choice Requires="p14">
-      <p:transition spd="med" p14:dur="700" advTm="0">
+      <p:transition spd="med" p14:dur="700">
         <p:fade/>
       </p:transition>
     </mc:Choice>
     <mc:Fallback xmlns="">
-      <p:transition spd="med" advTm="0">
+      <p:transition spd="med">
         <p:fade/>
       </p:transition>
     </mc:Fallback>
@@ -23891,10 +24116,10 @@
   </p:clrMapOvr>
   <mc:AlternateContent xmlns:mc="http://schemas.openxmlformats.org/markup-compatibility/2006" xmlns:p14="http://schemas.microsoft.com/office/powerpoint/2010/main">
     <mc:Choice Requires="p14">
-      <p:transition p14:dur="0" advTm="0"/>
+      <p:transition p14:dur="0"/>
     </mc:Choice>
     <mc:Fallback xmlns="">
-      <p:transition advTm="0"/>
+      <p:transition/>
     </mc:Fallback>
   </mc:AlternateContent>
   <p:timing>
@@ -23908,6 +24133,2277 @@
 </file>
 
 <file path=ppt/slides/slide21.xml><?xml version="1.0" encoding="utf-8"?>
+<p:sld xmlns:a="http://schemas.openxmlformats.org/drawingml/2006/main" xmlns:r="http://schemas.openxmlformats.org/officeDocument/2006/relationships" xmlns:p="http://schemas.openxmlformats.org/presentationml/2006/main">
+  <p:cSld>
+    <p:spTree>
+      <p:nvGrpSpPr>
+        <p:cNvPr id="1" name=""/>
+        <p:cNvGrpSpPr/>
+        <p:nvPr/>
+      </p:nvGrpSpPr>
+      <p:grpSpPr>
+        <a:xfrm>
+          <a:off x="0" y="0"/>
+          <a:ext cx="0" cy="0"/>
+          <a:chOff x="0" y="0"/>
+          <a:chExt cx="0" cy="0"/>
+        </a:xfrm>
+      </p:grpSpPr>
+      <p:sp>
+        <p:nvSpPr>
+          <p:cNvPr id="96" name="矩形 95"/>
+          <p:cNvSpPr/>
+          <p:nvPr/>
+        </p:nvSpPr>
+        <p:spPr>
+          <a:xfrm>
+            <a:off x="92596" y="1048409"/>
+            <a:ext cx="9051403" cy="938719"/>
+          </a:xfrm>
+          <a:prstGeom prst="rect">
+            <a:avLst/>
+          </a:prstGeom>
+        </p:spPr>
+        <p:txBody>
+          <a:bodyPr wrap="square">
+            <a:spAutoFit/>
+          </a:bodyPr>
+          <a:lstStyle/>
+          <a:p>
+            <a:pPr>
+              <a:spcBef>
+                <a:spcPts val="1200"/>
+              </a:spcBef>
+              <a:spcAft>
+                <a:spcPts val="1200"/>
+              </a:spcAft>
+              <a:buClr>
+                <a:srgbClr val="071F65"/>
+              </a:buClr>
+            </a:pPr>
+            <a:r>
+              <a:rPr lang="zh-CN" altLang="en-US" sz="2000" b="1" dirty="0">
+                <a:latin typeface="微软雅黑" panose="020B0503020204020204" pitchFamily="34" charset="-122"/>
+                <a:ea typeface="微软雅黑" panose="020B0503020204020204" pitchFamily="34" charset="-122"/>
+                <a:cs typeface="Times New Roman" panose="02020603050405020304" pitchFamily="18" charset="0"/>
+              </a:rPr>
+              <a:t>（三）水稻、两熟小麦、两熟玉米和单一玉米的实证分析</a:t>
+            </a:r>
+            <a:endParaRPr lang="en-US" altLang="zh-CN" sz="2000" b="1" dirty="0">
+              <a:latin typeface="微软雅黑" panose="020B0503020204020204" pitchFamily="34" charset="-122"/>
+              <a:ea typeface="微软雅黑" panose="020B0503020204020204" pitchFamily="34" charset="-122"/>
+              <a:cs typeface="Times New Roman" panose="02020603050405020304" pitchFamily="18" charset="0"/>
+            </a:endParaRPr>
+          </a:p>
+          <a:p>
+            <a:pPr>
+              <a:spcBef>
+                <a:spcPts val="600"/>
+              </a:spcBef>
+              <a:spcAft>
+                <a:spcPts val="600"/>
+              </a:spcAft>
+              <a:buClr>
+                <a:srgbClr val="071F65"/>
+              </a:buClr>
+            </a:pPr>
+            <a:r>
+              <a:rPr lang="zh-CN" altLang="en-US" sz="2000" b="1" dirty="0" smtClean="0">
+                <a:latin typeface="华文楷体" panose="02010600040101010101" pitchFamily="2" charset="-122"/>
+                <a:ea typeface="华文楷体" panose="02010600040101010101" pitchFamily="2" charset="-122"/>
+                <a:cs typeface="Times New Roman" panose="02020603050405020304" pitchFamily="18" charset="0"/>
+              </a:rPr>
+              <a:t>（</a:t>
+            </a:r>
+            <a:r>
+              <a:rPr lang="en-US" altLang="zh-CN" sz="2000" b="1" dirty="0" smtClean="0">
+                <a:latin typeface="华文楷体" panose="02010600040101010101" pitchFamily="2" charset="-122"/>
+                <a:ea typeface="华文楷体" panose="02010600040101010101" pitchFamily="2" charset="-122"/>
+                <a:cs typeface="Times New Roman" panose="02020603050405020304" pitchFamily="18" charset="0"/>
+              </a:rPr>
+              <a:t>5</a:t>
+            </a:r>
+            <a:r>
+              <a:rPr lang="zh-CN" altLang="en-US" sz="2000" b="1" dirty="0" smtClean="0">
+                <a:latin typeface="华文楷体" panose="02010600040101010101" pitchFamily="2" charset="-122"/>
+                <a:ea typeface="华文楷体" panose="02010600040101010101" pitchFamily="2" charset="-122"/>
+                <a:cs typeface="Times New Roman" panose="02020603050405020304" pitchFamily="18" charset="0"/>
+              </a:rPr>
+              <a:t>）规模与生产要素亩均投入的回归分析</a:t>
+            </a:r>
+            <a:endParaRPr lang="en-US" altLang="zh-CN" sz="2000" b="1" dirty="0" smtClean="0">
+              <a:latin typeface="华文楷体" panose="02010600040101010101" pitchFamily="2" charset="-122"/>
+              <a:ea typeface="华文楷体" panose="02010600040101010101" pitchFamily="2" charset="-122"/>
+              <a:cs typeface="Times New Roman" panose="02020603050405020304" pitchFamily="18" charset="0"/>
+            </a:endParaRPr>
+          </a:p>
+        </p:txBody>
+      </p:sp>
+      <p:pic>
+        <p:nvPicPr>
+          <p:cNvPr id="8" name="图片 7"/>
+          <p:cNvPicPr>
+            <a:picLocks noChangeAspect="1"/>
+          </p:cNvPicPr>
+          <p:nvPr/>
+        </p:nvPicPr>
+        <p:blipFill>
+          <a:blip r:embed="rId3"/>
+          <a:stretch>
+            <a:fillRect/>
+          </a:stretch>
+        </p:blipFill>
+        <p:spPr>
+          <a:xfrm>
+            <a:off x="779873" y="4167936"/>
+            <a:ext cx="3810613" cy="2286368"/>
+          </a:xfrm>
+          <a:prstGeom prst="rect">
+            <a:avLst/>
+          </a:prstGeom>
+        </p:spPr>
+      </p:pic>
+      <p:pic>
+        <p:nvPicPr>
+          <p:cNvPr id="9" name="图片 8"/>
+          <p:cNvPicPr>
+            <a:picLocks noChangeAspect="1"/>
+          </p:cNvPicPr>
+          <p:nvPr/>
+        </p:nvPicPr>
+        <p:blipFill>
+          <a:blip r:embed="rId4"/>
+          <a:stretch>
+            <a:fillRect/>
+          </a:stretch>
+        </p:blipFill>
+        <p:spPr>
+          <a:xfrm>
+            <a:off x="4590483" y="1882741"/>
+            <a:ext cx="3810613" cy="2286368"/>
+          </a:xfrm>
+          <a:prstGeom prst="rect">
+            <a:avLst/>
+          </a:prstGeom>
+        </p:spPr>
+      </p:pic>
+      <p:pic>
+        <p:nvPicPr>
+          <p:cNvPr id="12" name="图片 11"/>
+          <p:cNvPicPr>
+            <a:picLocks noChangeAspect="1"/>
+          </p:cNvPicPr>
+          <p:nvPr/>
+        </p:nvPicPr>
+        <p:blipFill>
+          <a:blip r:embed="rId5"/>
+          <a:stretch>
+            <a:fillRect/>
+          </a:stretch>
+        </p:blipFill>
+        <p:spPr>
+          <a:xfrm>
+            <a:off x="779873" y="1882741"/>
+            <a:ext cx="3810613" cy="2286368"/>
+          </a:xfrm>
+          <a:prstGeom prst="rect">
+            <a:avLst/>
+          </a:prstGeom>
+        </p:spPr>
+      </p:pic>
+      <p:pic>
+        <p:nvPicPr>
+          <p:cNvPr id="13" name="图片 12"/>
+          <p:cNvPicPr>
+            <a:picLocks noChangeAspect="1"/>
+          </p:cNvPicPr>
+          <p:nvPr/>
+        </p:nvPicPr>
+        <p:blipFill>
+          <a:blip r:embed="rId6"/>
+          <a:stretch>
+            <a:fillRect/>
+          </a:stretch>
+        </p:blipFill>
+        <p:spPr>
+          <a:xfrm>
+            <a:off x="4590484" y="4167936"/>
+            <a:ext cx="3810613" cy="2286368"/>
+          </a:xfrm>
+          <a:prstGeom prst="rect">
+            <a:avLst/>
+          </a:prstGeom>
+        </p:spPr>
+      </p:pic>
+      <p:sp>
+        <p:nvSpPr>
+          <p:cNvPr id="14" name="文本框 13"/>
+          <p:cNvSpPr txBox="1"/>
+          <p:nvPr/>
+        </p:nvSpPr>
+        <p:spPr>
+          <a:xfrm>
+            <a:off x="3079471" y="6349917"/>
+            <a:ext cx="3416320" cy="452432"/>
+          </a:xfrm>
+          <a:prstGeom prst="rect">
+            <a:avLst/>
+          </a:prstGeom>
+          <a:noFill/>
+        </p:spPr>
+        <p:txBody>
+          <a:bodyPr wrap="none" rtlCol="0">
+            <a:spAutoFit/>
+          </a:bodyPr>
+          <a:lstStyle/>
+          <a:p>
+            <a:pPr>
+              <a:lnSpc>
+                <a:spcPct val="130000"/>
+              </a:lnSpc>
+            </a:pPr>
+            <a:r>
+              <a:rPr lang="zh-CN" altLang="en-US" sz="1800" b="1" dirty="0" smtClean="0">
+                <a:latin typeface="华文楷体" panose="02010600040101010101" pitchFamily="2" charset="-122"/>
+                <a:ea typeface="华文楷体" panose="02010600040101010101" pitchFamily="2" charset="-122"/>
+              </a:rPr>
+              <a:t>不同种植制度粮食</a:t>
+            </a:r>
+            <a:r>
+              <a:rPr lang="zh-CN" altLang="en-US" sz="1800" b="1" dirty="0" smtClean="0">
+                <a:solidFill>
+                  <a:srgbClr val="FF0000"/>
+                </a:solidFill>
+                <a:latin typeface="华文楷体" panose="02010600040101010101" pitchFamily="2" charset="-122"/>
+                <a:ea typeface="华文楷体" panose="02010600040101010101" pitchFamily="2" charset="-122"/>
+              </a:rPr>
+              <a:t>亩均劳动</a:t>
+            </a:r>
+            <a:r>
+              <a:rPr lang="zh-CN" altLang="en-US" sz="1800" b="1" dirty="0" smtClean="0">
+                <a:latin typeface="华文楷体" panose="02010600040101010101" pitchFamily="2" charset="-122"/>
+                <a:ea typeface="华文楷体" panose="02010600040101010101" pitchFamily="2" charset="-122"/>
+              </a:rPr>
+              <a:t>投入</a:t>
+            </a:r>
+          </a:p>
+        </p:txBody>
+      </p:sp>
+      <p:sp>
+        <p:nvSpPr>
+          <p:cNvPr id="2" name="灯片编号占位符 1"/>
+          <p:cNvSpPr>
+            <a:spLocks noGrp="1"/>
+          </p:cNvSpPr>
+          <p:nvPr>
+            <p:ph type="sldNum" sz="quarter" idx="4"/>
+          </p:nvPr>
+        </p:nvSpPr>
+        <p:spPr/>
+        <p:txBody>
+          <a:bodyPr/>
+          <a:lstStyle/>
+          <a:p>
+            <a:r>
+              <a:rPr lang="en-US" altLang="zh-CN" dirty="0" smtClean="0"/>
+              <a:t>11</a:t>
+            </a:r>
+            <a:endParaRPr lang="zh-CN" altLang="en-US" dirty="0"/>
+          </a:p>
+        </p:txBody>
+      </p:sp>
+      <p:sp>
+        <p:nvSpPr>
+          <p:cNvPr id="15" name="矩形 14"/>
+          <p:cNvSpPr/>
+          <p:nvPr/>
+        </p:nvSpPr>
+        <p:spPr>
+          <a:xfrm>
+            <a:off x="0" y="0"/>
+            <a:ext cx="9144000" cy="772347"/>
+          </a:xfrm>
+          <a:prstGeom prst="rect">
+            <a:avLst/>
+          </a:prstGeom>
+          <a:solidFill>
+            <a:srgbClr val="071F65"/>
+          </a:solidFill>
+          <a:ln w="5" cap="flat">
+            <a:solidFill>
+              <a:srgbClr val="24211D"/>
+            </a:solidFill>
+            <a:prstDash val="solid"/>
+            <a:miter lim="800000"/>
+            <a:headEnd/>
+            <a:tailEnd/>
+          </a:ln>
+        </p:spPr>
+        <p:txBody>
+          <a:bodyPr vert="horz" wrap="square" lIns="91440" tIns="45720" rIns="91440" bIns="45720" numCol="1" anchor="t" anchorCtr="0" compatLnSpc="1">
+            <a:prstTxWarp prst="textNoShape">
+              <a:avLst/>
+            </a:prstTxWarp>
+          </a:bodyPr>
+          <a:lstStyle/>
+          <a:p>
+            <a:endParaRPr lang="zh-CN" altLang="en-US">
+              <a:solidFill>
+                <a:schemeClr val="tx1"/>
+              </a:solidFill>
+            </a:endParaRPr>
+          </a:p>
+        </p:txBody>
+      </p:sp>
+      <p:graphicFrame>
+        <p:nvGraphicFramePr>
+          <p:cNvPr id="16" name="表格 15"/>
+          <p:cNvGraphicFramePr>
+            <a:graphicFrameLocks noGrp="1"/>
+          </p:cNvGraphicFramePr>
+          <p:nvPr>
+            <p:extLst>
+              <p:ext uri="{D42A27DB-BD31-4B8C-83A1-F6EECF244321}">
+                <p14:modId xmlns:p14="http://schemas.microsoft.com/office/powerpoint/2010/main" val="399365204"/>
+              </p:ext>
+            </p:extLst>
+          </p:nvPr>
+        </p:nvGraphicFramePr>
+        <p:xfrm>
+          <a:off x="0" y="199598"/>
+          <a:ext cx="9144000" cy="458243"/>
+        </p:xfrm>
+        <a:graphic>
+          <a:graphicData uri="http://schemas.openxmlformats.org/drawingml/2006/table">
+            <a:tbl>
+              <a:tblPr firstRow="1" bandRow="1">
+                <a:tableStyleId>{5C22544A-7EE6-4342-B048-85BDC9FD1C3A}</a:tableStyleId>
+              </a:tblPr>
+              <a:tblGrid>
+                <a:gridCol w="1331089">
+                  <a:extLst>
+                    <a:ext uri="{9D8B030D-6E8A-4147-A177-3AD203B41FA5}">
+                      <a16:colId xmlns:a16="http://schemas.microsoft.com/office/drawing/2014/main" val="2316111577"/>
+                    </a:ext>
+                  </a:extLst>
+                </a:gridCol>
+                <a:gridCol w="1099595">
+                  <a:extLst>
+                    <a:ext uri="{9D8B030D-6E8A-4147-A177-3AD203B41FA5}">
+                      <a16:colId xmlns:a16="http://schemas.microsoft.com/office/drawing/2014/main" val="204147406"/>
+                    </a:ext>
+                  </a:extLst>
+                </a:gridCol>
+                <a:gridCol w="2152891">
+                  <a:extLst>
+                    <a:ext uri="{9D8B030D-6E8A-4147-A177-3AD203B41FA5}">
+                      <a16:colId xmlns:a16="http://schemas.microsoft.com/office/drawing/2014/main" val="2603586595"/>
+                    </a:ext>
+                  </a:extLst>
+                </a:gridCol>
+                <a:gridCol w="1898248">
+                  <a:extLst>
+                    <a:ext uri="{9D8B030D-6E8A-4147-A177-3AD203B41FA5}">
+                      <a16:colId xmlns:a16="http://schemas.microsoft.com/office/drawing/2014/main" val="2745346112"/>
+                    </a:ext>
+                  </a:extLst>
+                </a:gridCol>
+                <a:gridCol w="1342663">
+                  <a:extLst>
+                    <a:ext uri="{9D8B030D-6E8A-4147-A177-3AD203B41FA5}">
+                      <a16:colId xmlns:a16="http://schemas.microsoft.com/office/drawing/2014/main" val="2906165216"/>
+                    </a:ext>
+                  </a:extLst>
+                </a:gridCol>
+                <a:gridCol w="1319514">
+                  <a:extLst>
+                    <a:ext uri="{9D8B030D-6E8A-4147-A177-3AD203B41FA5}">
+                      <a16:colId xmlns:a16="http://schemas.microsoft.com/office/drawing/2014/main" val="2785191733"/>
+                    </a:ext>
+                  </a:extLst>
+                </a:gridCol>
+              </a:tblGrid>
+              <a:tr h="458243">
+                <a:tc>
+                  <a:txBody>
+                    <a:bodyPr/>
+                    <a:lstStyle/>
+                    <a:p>
+                      <a:pPr algn="ctr"/>
+                      <a:r>
+                        <a:rPr lang="zh-CN" altLang="en-US" sz="1700" dirty="0" smtClean="0">
+                          <a:solidFill>
+                            <a:schemeClr val="bg1">
+                              <a:lumMod val="75000"/>
+                            </a:schemeClr>
+                          </a:solidFill>
+                        </a:rPr>
+                        <a:t>问题的提出</a:t>
+                      </a:r>
+                      <a:endParaRPr lang="zh-CN" altLang="en-US" sz="1700" dirty="0">
+                        <a:solidFill>
+                          <a:schemeClr val="bg1">
+                            <a:lumMod val="75000"/>
+                          </a:schemeClr>
+                        </a:solidFill>
+                      </a:endParaRPr>
+                    </a:p>
+                  </a:txBody>
+                  <a:tcPr anchor="ctr">
+                    <a:lnL w="12700" cmpd="sng">
+                      <a:noFill/>
+                    </a:lnL>
+                    <a:lnR w="12700" cmpd="sng">
+                      <a:noFill/>
+                    </a:lnR>
+                    <a:lnT w="12700" cmpd="sng">
+                      <a:noFill/>
+                    </a:lnT>
+                    <a:lnB w="38100" cmpd="sng">
+                      <a:noFill/>
+                    </a:lnB>
+                    <a:lnTlToBr w="12700" cmpd="sng">
+                      <a:noFill/>
+                      <a:prstDash val="solid"/>
+                    </a:lnTlToBr>
+                    <a:lnBlToTr w="12700" cmpd="sng">
+                      <a:noFill/>
+                      <a:prstDash val="solid"/>
+                    </a:lnBlToTr>
+                  </a:tcPr>
+                </a:tc>
+                <a:tc>
+                  <a:txBody>
+                    <a:bodyPr/>
+                    <a:lstStyle/>
+                    <a:p>
+                      <a:pPr algn="ctr"/>
+                      <a:r>
+                        <a:rPr lang="zh-CN" altLang="en-US" sz="1700" dirty="0" smtClean="0">
+                          <a:solidFill>
+                            <a:schemeClr val="bg1">
+                              <a:lumMod val="75000"/>
+                            </a:schemeClr>
+                          </a:solidFill>
+                        </a:rPr>
+                        <a:t>文献评述</a:t>
+                      </a:r>
+                      <a:endParaRPr lang="zh-CN" altLang="en-US" sz="1700" dirty="0">
+                        <a:solidFill>
+                          <a:schemeClr val="bg1">
+                            <a:lumMod val="75000"/>
+                          </a:schemeClr>
+                        </a:solidFill>
+                      </a:endParaRPr>
+                    </a:p>
+                  </a:txBody>
+                  <a:tcPr anchor="ctr">
+                    <a:lnL w="12700" cmpd="sng">
+                      <a:noFill/>
+                    </a:lnL>
+                    <a:lnR w="12700" cmpd="sng">
+                      <a:noFill/>
+                    </a:lnR>
+                    <a:lnT w="12700" cmpd="sng">
+                      <a:noFill/>
+                    </a:lnT>
+                    <a:lnB w="38100" cmpd="sng">
+                      <a:noFill/>
+                    </a:lnB>
+                    <a:lnTlToBr w="12700" cmpd="sng">
+                      <a:noFill/>
+                      <a:prstDash val="solid"/>
+                    </a:lnTlToBr>
+                    <a:lnBlToTr w="12700" cmpd="sng">
+                      <a:noFill/>
+                      <a:prstDash val="solid"/>
+                    </a:lnBlToTr>
+                  </a:tcPr>
+                </a:tc>
+                <a:tc>
+                  <a:txBody>
+                    <a:bodyPr/>
+                    <a:lstStyle/>
+                    <a:p>
+                      <a:pPr algn="ctr"/>
+                      <a:r>
+                        <a:rPr lang="zh-CN" altLang="en-US" sz="1700" dirty="0" smtClean="0">
+                          <a:solidFill>
+                            <a:schemeClr val="bg1">
+                              <a:lumMod val="75000"/>
+                            </a:schemeClr>
+                          </a:solidFill>
+                        </a:rPr>
+                        <a:t>研究目标与技术路线</a:t>
+                      </a:r>
+                      <a:endParaRPr lang="zh-CN" altLang="en-US" sz="1700" dirty="0">
+                        <a:solidFill>
+                          <a:schemeClr val="bg1">
+                            <a:lumMod val="75000"/>
+                          </a:schemeClr>
+                        </a:solidFill>
+                      </a:endParaRPr>
+                    </a:p>
+                  </a:txBody>
+                  <a:tcPr anchor="ctr">
+                    <a:lnL w="12700" cmpd="sng">
+                      <a:noFill/>
+                    </a:lnL>
+                    <a:lnR w="12700" cmpd="sng">
+                      <a:noFill/>
+                    </a:lnR>
+                    <a:lnT w="12700" cmpd="sng">
+                      <a:noFill/>
+                    </a:lnT>
+                    <a:lnB w="38100" cmpd="sng">
+                      <a:noFill/>
+                    </a:lnB>
+                    <a:lnTlToBr w="12700" cmpd="sng">
+                      <a:noFill/>
+                      <a:prstDash val="solid"/>
+                    </a:lnTlToBr>
+                    <a:lnBlToTr w="12700" cmpd="sng">
+                      <a:noFill/>
+                      <a:prstDash val="solid"/>
+                    </a:lnBlToTr>
+                  </a:tcPr>
+                </a:tc>
+                <a:tc>
+                  <a:txBody>
+                    <a:bodyPr/>
+                    <a:lstStyle/>
+                    <a:p>
+                      <a:pPr algn="ctr"/>
+                      <a:r>
+                        <a:rPr lang="zh-CN" altLang="en-US" sz="1800" dirty="0" smtClean="0">
+                          <a:solidFill>
+                            <a:schemeClr val="bg1"/>
+                          </a:solidFill>
+                        </a:rPr>
+                        <a:t>研究内容与结果</a:t>
+                      </a:r>
+                      <a:endParaRPr lang="zh-CN" altLang="en-US" sz="1800" dirty="0">
+                        <a:solidFill>
+                          <a:schemeClr val="bg1"/>
+                        </a:solidFill>
+                      </a:endParaRPr>
+                    </a:p>
+                  </a:txBody>
+                  <a:tcPr anchor="ctr">
+                    <a:lnL w="12700" cmpd="sng">
+                      <a:noFill/>
+                    </a:lnL>
+                    <a:lnR w="12700" cmpd="sng">
+                      <a:noFill/>
+                    </a:lnR>
+                    <a:lnT w="12700" cmpd="sng">
+                      <a:noFill/>
+                    </a:lnT>
+                    <a:lnB w="38100" cmpd="sng">
+                      <a:noFill/>
+                    </a:lnB>
+                    <a:lnTlToBr w="12700" cmpd="sng">
+                      <a:noFill/>
+                      <a:prstDash val="solid"/>
+                    </a:lnTlToBr>
+                    <a:lnBlToTr w="12700" cmpd="sng">
+                      <a:noFill/>
+                      <a:prstDash val="solid"/>
+                    </a:lnBlToTr>
+                  </a:tcPr>
+                </a:tc>
+                <a:tc>
+                  <a:txBody>
+                    <a:bodyPr/>
+                    <a:lstStyle/>
+                    <a:p>
+                      <a:pPr algn="ctr"/>
+                      <a:r>
+                        <a:rPr lang="zh-CN" altLang="en-US" sz="1700" dirty="0" smtClean="0">
+                          <a:solidFill>
+                            <a:schemeClr val="bg1">
+                              <a:lumMod val="75000"/>
+                            </a:schemeClr>
+                          </a:solidFill>
+                        </a:rPr>
+                        <a:t>结论与建议</a:t>
+                      </a:r>
+                      <a:endParaRPr lang="zh-CN" altLang="en-US" sz="1700" dirty="0">
+                        <a:solidFill>
+                          <a:schemeClr val="bg1">
+                            <a:lumMod val="75000"/>
+                          </a:schemeClr>
+                        </a:solidFill>
+                      </a:endParaRPr>
+                    </a:p>
+                  </a:txBody>
+                  <a:tcPr anchor="ctr">
+                    <a:lnL w="12700" cmpd="sng">
+                      <a:noFill/>
+                    </a:lnL>
+                    <a:lnR w="12700" cmpd="sng">
+                      <a:noFill/>
+                    </a:lnR>
+                    <a:lnT w="12700" cmpd="sng">
+                      <a:noFill/>
+                    </a:lnT>
+                    <a:lnB w="38100" cmpd="sng">
+                      <a:noFill/>
+                    </a:lnB>
+                    <a:lnTlToBr w="12700" cmpd="sng">
+                      <a:noFill/>
+                      <a:prstDash val="solid"/>
+                    </a:lnTlToBr>
+                    <a:lnBlToTr w="12700" cmpd="sng">
+                      <a:noFill/>
+                      <a:prstDash val="solid"/>
+                    </a:lnBlToTr>
+                  </a:tcPr>
+                </a:tc>
+                <a:tc>
+                  <a:txBody>
+                    <a:bodyPr/>
+                    <a:lstStyle/>
+                    <a:p>
+                      <a:pPr algn="ctr"/>
+                      <a:r>
+                        <a:rPr lang="zh-CN" altLang="en-US" sz="1700" dirty="0" smtClean="0">
+                          <a:solidFill>
+                            <a:schemeClr val="bg1">
+                              <a:lumMod val="75000"/>
+                            </a:schemeClr>
+                          </a:solidFill>
+                        </a:rPr>
+                        <a:t>可能的不足</a:t>
+                      </a:r>
+                      <a:endParaRPr lang="zh-CN" altLang="en-US" sz="1700" dirty="0">
+                        <a:solidFill>
+                          <a:schemeClr val="bg1">
+                            <a:lumMod val="75000"/>
+                          </a:schemeClr>
+                        </a:solidFill>
+                      </a:endParaRPr>
+                    </a:p>
+                  </a:txBody>
+                  <a:tcPr anchor="ctr">
+                    <a:lnL w="12700" cmpd="sng">
+                      <a:noFill/>
+                    </a:lnL>
+                    <a:lnR w="12700" cmpd="sng">
+                      <a:noFill/>
+                    </a:lnR>
+                    <a:lnT w="12700" cmpd="sng">
+                      <a:noFill/>
+                    </a:lnT>
+                    <a:lnB w="38100" cmpd="sng">
+                      <a:noFill/>
+                    </a:lnB>
+                    <a:lnTlToBr w="12700" cmpd="sng">
+                      <a:noFill/>
+                      <a:prstDash val="solid"/>
+                    </a:lnTlToBr>
+                    <a:lnBlToTr w="12700" cmpd="sng">
+                      <a:noFill/>
+                      <a:prstDash val="solid"/>
+                    </a:lnBlToTr>
+                  </a:tcPr>
+                </a:tc>
+                <a:extLst>
+                  <a:ext uri="{0D108BD9-81ED-4DB2-BD59-A6C34878D82A}">
+                    <a16:rowId xmlns:a16="http://schemas.microsoft.com/office/drawing/2014/main" val="3362077269"/>
+                  </a:ext>
+                </a:extLst>
+              </a:tr>
+            </a:tbl>
+          </a:graphicData>
+        </a:graphic>
+      </p:graphicFrame>
+      <p:sp>
+        <p:nvSpPr>
+          <p:cNvPr id="17" name="流程图: 合并 16"/>
+          <p:cNvSpPr/>
+          <p:nvPr/>
+        </p:nvSpPr>
+        <p:spPr>
+          <a:xfrm>
+            <a:off x="5294936" y="760772"/>
+            <a:ext cx="380588" cy="176777"/>
+          </a:xfrm>
+          <a:prstGeom prst="flowChartMerge">
+            <a:avLst/>
+          </a:prstGeom>
+          <a:ln>
+            <a:noFill/>
+          </a:ln>
+        </p:spPr>
+        <p:style>
+          <a:lnRef idx="2">
+            <a:schemeClr val="accent1">
+              <a:shade val="50000"/>
+            </a:schemeClr>
+          </a:lnRef>
+          <a:fillRef idx="1">
+            <a:schemeClr val="accent1"/>
+          </a:fillRef>
+          <a:effectRef idx="0">
+            <a:schemeClr val="accent1"/>
+          </a:effectRef>
+          <a:fontRef idx="minor">
+            <a:schemeClr val="lt1"/>
+          </a:fontRef>
+        </p:style>
+        <p:txBody>
+          <a:bodyPr rtlCol="0" anchor="ctr"/>
+          <a:lstStyle/>
+          <a:p>
+            <a:pPr algn="ctr"/>
+            <a:endParaRPr lang="zh-CN" altLang="en-US"/>
+          </a:p>
+        </p:txBody>
+      </p:sp>
+    </p:spTree>
+    <p:extLst>
+      <p:ext uri="{BB962C8B-B14F-4D97-AF65-F5344CB8AC3E}">
+        <p14:creationId xmlns:p14="http://schemas.microsoft.com/office/powerpoint/2010/main" val="2597668542"/>
+      </p:ext>
+    </p:extLst>
+  </p:cSld>
+  <p:clrMapOvr>
+    <a:masterClrMapping/>
+  </p:clrMapOvr>
+  <mc:AlternateContent xmlns:mc="http://schemas.openxmlformats.org/markup-compatibility/2006" xmlns:p14="http://schemas.microsoft.com/office/powerpoint/2010/main">
+    <mc:Choice Requires="p14">
+      <p:transition p14:dur="0"/>
+    </mc:Choice>
+    <mc:Fallback xmlns="">
+      <p:transition/>
+    </mc:Fallback>
+  </mc:AlternateContent>
+  <p:timing>
+    <p:tnLst>
+      <p:par>
+        <p:cTn id="1" dur="indefinite" restart="never" nodeType="tmRoot"/>
+      </p:par>
+    </p:tnLst>
+  </p:timing>
+</p:sld>
+</file>
+
+<file path=ppt/slides/slide22.xml><?xml version="1.0" encoding="utf-8"?>
+<p:sld xmlns:a="http://schemas.openxmlformats.org/drawingml/2006/main" xmlns:r="http://schemas.openxmlformats.org/officeDocument/2006/relationships" xmlns:p="http://schemas.openxmlformats.org/presentationml/2006/main">
+  <p:cSld>
+    <p:spTree>
+      <p:nvGrpSpPr>
+        <p:cNvPr id="1" name=""/>
+        <p:cNvGrpSpPr/>
+        <p:nvPr/>
+      </p:nvGrpSpPr>
+      <p:grpSpPr>
+        <a:xfrm>
+          <a:off x="0" y="0"/>
+          <a:ext cx="0" cy="0"/>
+          <a:chOff x="0" y="0"/>
+          <a:chExt cx="0" cy="0"/>
+        </a:xfrm>
+      </p:grpSpPr>
+      <p:sp>
+        <p:nvSpPr>
+          <p:cNvPr id="96" name="矩形 95"/>
+          <p:cNvSpPr/>
+          <p:nvPr/>
+        </p:nvSpPr>
+        <p:spPr>
+          <a:xfrm>
+            <a:off x="92596" y="1048409"/>
+            <a:ext cx="9051403" cy="938719"/>
+          </a:xfrm>
+          <a:prstGeom prst="rect">
+            <a:avLst/>
+          </a:prstGeom>
+        </p:spPr>
+        <p:txBody>
+          <a:bodyPr wrap="square">
+            <a:spAutoFit/>
+          </a:bodyPr>
+          <a:lstStyle/>
+          <a:p>
+            <a:pPr>
+              <a:spcBef>
+                <a:spcPts val="1200"/>
+              </a:spcBef>
+              <a:spcAft>
+                <a:spcPts val="1200"/>
+              </a:spcAft>
+              <a:buClr>
+                <a:srgbClr val="071F65"/>
+              </a:buClr>
+            </a:pPr>
+            <a:r>
+              <a:rPr lang="zh-CN" altLang="en-US" sz="2000" b="1" dirty="0">
+                <a:latin typeface="微软雅黑" panose="020B0503020204020204" pitchFamily="34" charset="-122"/>
+                <a:ea typeface="微软雅黑" panose="020B0503020204020204" pitchFamily="34" charset="-122"/>
+                <a:cs typeface="Times New Roman" panose="02020603050405020304" pitchFamily="18" charset="0"/>
+              </a:rPr>
+              <a:t>（三）水稻、两熟小麦、两熟玉米和单一玉米的实证分析</a:t>
+            </a:r>
+            <a:endParaRPr lang="en-US" altLang="zh-CN" sz="2000" b="1" dirty="0">
+              <a:latin typeface="微软雅黑" panose="020B0503020204020204" pitchFamily="34" charset="-122"/>
+              <a:ea typeface="微软雅黑" panose="020B0503020204020204" pitchFamily="34" charset="-122"/>
+              <a:cs typeface="Times New Roman" panose="02020603050405020304" pitchFamily="18" charset="0"/>
+            </a:endParaRPr>
+          </a:p>
+          <a:p>
+            <a:pPr>
+              <a:spcBef>
+                <a:spcPts val="600"/>
+              </a:spcBef>
+              <a:spcAft>
+                <a:spcPts val="600"/>
+              </a:spcAft>
+              <a:buClr>
+                <a:srgbClr val="071F65"/>
+              </a:buClr>
+            </a:pPr>
+            <a:r>
+              <a:rPr lang="zh-CN" altLang="en-US" sz="2000" b="1" dirty="0" smtClean="0">
+                <a:latin typeface="华文楷体" panose="02010600040101010101" pitchFamily="2" charset="-122"/>
+                <a:ea typeface="华文楷体" panose="02010600040101010101" pitchFamily="2" charset="-122"/>
+                <a:cs typeface="Times New Roman" panose="02020603050405020304" pitchFamily="18" charset="0"/>
+              </a:rPr>
+              <a:t>（</a:t>
+            </a:r>
+            <a:r>
+              <a:rPr lang="en-US" altLang="zh-CN" sz="2000" b="1" dirty="0" smtClean="0">
+                <a:latin typeface="华文楷体" panose="02010600040101010101" pitchFamily="2" charset="-122"/>
+                <a:ea typeface="华文楷体" panose="02010600040101010101" pitchFamily="2" charset="-122"/>
+                <a:cs typeface="Times New Roman" panose="02020603050405020304" pitchFamily="18" charset="0"/>
+              </a:rPr>
+              <a:t>5</a:t>
+            </a:r>
+            <a:r>
+              <a:rPr lang="zh-CN" altLang="en-US" sz="2000" b="1" dirty="0" smtClean="0">
+                <a:latin typeface="华文楷体" panose="02010600040101010101" pitchFamily="2" charset="-122"/>
+                <a:ea typeface="华文楷体" panose="02010600040101010101" pitchFamily="2" charset="-122"/>
+                <a:cs typeface="Times New Roman" panose="02020603050405020304" pitchFamily="18" charset="0"/>
+              </a:rPr>
+              <a:t>）规模与生产要素亩均投入的回归分析</a:t>
+            </a:r>
+            <a:endParaRPr lang="en-US" altLang="zh-CN" sz="2000" b="1" dirty="0" smtClean="0">
+              <a:latin typeface="华文楷体" panose="02010600040101010101" pitchFamily="2" charset="-122"/>
+              <a:ea typeface="华文楷体" panose="02010600040101010101" pitchFamily="2" charset="-122"/>
+              <a:cs typeface="Times New Roman" panose="02020603050405020304" pitchFamily="18" charset="0"/>
+            </a:endParaRPr>
+          </a:p>
+        </p:txBody>
+      </p:sp>
+      <p:sp>
+        <p:nvSpPr>
+          <p:cNvPr id="14" name="文本框 13"/>
+          <p:cNvSpPr txBox="1"/>
+          <p:nvPr/>
+        </p:nvSpPr>
+        <p:spPr>
+          <a:xfrm>
+            <a:off x="3079471" y="6349917"/>
+            <a:ext cx="3416320" cy="426720"/>
+          </a:xfrm>
+          <a:prstGeom prst="rect">
+            <a:avLst/>
+          </a:prstGeom>
+          <a:noFill/>
+        </p:spPr>
+        <p:txBody>
+          <a:bodyPr wrap="none" rtlCol="0">
+            <a:spAutoFit/>
+          </a:bodyPr>
+          <a:lstStyle/>
+          <a:p>
+            <a:pPr>
+              <a:lnSpc>
+                <a:spcPct val="130000"/>
+              </a:lnSpc>
+            </a:pPr>
+            <a:r>
+              <a:rPr lang="zh-CN" altLang="en-US" sz="1800" b="1" dirty="0" smtClean="0">
+                <a:latin typeface="华文楷体" panose="02010600040101010101" pitchFamily="2" charset="-122"/>
+                <a:ea typeface="华文楷体" panose="02010600040101010101" pitchFamily="2" charset="-122"/>
+              </a:rPr>
+              <a:t>不同种植制度粮食</a:t>
+            </a:r>
+            <a:r>
+              <a:rPr lang="zh-CN" altLang="en-US" sz="1800" b="1" dirty="0" smtClean="0">
+                <a:solidFill>
+                  <a:srgbClr val="FF0000"/>
+                </a:solidFill>
+                <a:latin typeface="华文楷体" panose="02010600040101010101" pitchFamily="2" charset="-122"/>
+                <a:ea typeface="华文楷体" panose="02010600040101010101" pitchFamily="2" charset="-122"/>
+              </a:rPr>
+              <a:t>亩均化肥</a:t>
+            </a:r>
+            <a:r>
+              <a:rPr lang="zh-CN" altLang="en-US" sz="1800" b="1" dirty="0" smtClean="0">
+                <a:latin typeface="华文楷体" panose="02010600040101010101" pitchFamily="2" charset="-122"/>
+                <a:ea typeface="华文楷体" panose="02010600040101010101" pitchFamily="2" charset="-122"/>
+              </a:rPr>
+              <a:t>投入</a:t>
+            </a:r>
+          </a:p>
+        </p:txBody>
+      </p:sp>
+      <p:pic>
+        <p:nvPicPr>
+          <p:cNvPr id="15" name="图片 14"/>
+          <p:cNvPicPr>
+            <a:picLocks noChangeAspect="1"/>
+          </p:cNvPicPr>
+          <p:nvPr/>
+        </p:nvPicPr>
+        <p:blipFill>
+          <a:blip r:embed="rId3"/>
+          <a:stretch>
+            <a:fillRect/>
+          </a:stretch>
+        </p:blipFill>
+        <p:spPr>
+          <a:xfrm>
+            <a:off x="910360" y="1915487"/>
+            <a:ext cx="3755060" cy="2253036"/>
+          </a:xfrm>
+          <a:prstGeom prst="rect">
+            <a:avLst/>
+          </a:prstGeom>
+        </p:spPr>
+      </p:pic>
+      <p:pic>
+        <p:nvPicPr>
+          <p:cNvPr id="16" name="图片 15"/>
+          <p:cNvPicPr>
+            <a:picLocks noChangeAspect="1"/>
+          </p:cNvPicPr>
+          <p:nvPr/>
+        </p:nvPicPr>
+        <p:blipFill>
+          <a:blip r:embed="rId4"/>
+          <a:stretch>
+            <a:fillRect/>
+          </a:stretch>
+        </p:blipFill>
+        <p:spPr>
+          <a:xfrm>
+            <a:off x="4665420" y="1915486"/>
+            <a:ext cx="3755060" cy="2253036"/>
+          </a:xfrm>
+          <a:prstGeom prst="rect">
+            <a:avLst/>
+          </a:prstGeom>
+        </p:spPr>
+      </p:pic>
+      <p:pic>
+        <p:nvPicPr>
+          <p:cNvPr id="17" name="图片 16"/>
+          <p:cNvPicPr>
+            <a:picLocks noChangeAspect="1"/>
+          </p:cNvPicPr>
+          <p:nvPr/>
+        </p:nvPicPr>
+        <p:blipFill>
+          <a:blip r:embed="rId5"/>
+          <a:stretch>
+            <a:fillRect/>
+          </a:stretch>
+        </p:blipFill>
+        <p:spPr>
+          <a:xfrm>
+            <a:off x="910360" y="4168523"/>
+            <a:ext cx="3755060" cy="2253036"/>
+          </a:xfrm>
+          <a:prstGeom prst="rect">
+            <a:avLst/>
+          </a:prstGeom>
+        </p:spPr>
+      </p:pic>
+      <p:pic>
+        <p:nvPicPr>
+          <p:cNvPr id="18" name="图片 17"/>
+          <p:cNvPicPr>
+            <a:picLocks noChangeAspect="1"/>
+          </p:cNvPicPr>
+          <p:nvPr/>
+        </p:nvPicPr>
+        <p:blipFill>
+          <a:blip r:embed="rId6"/>
+          <a:stretch>
+            <a:fillRect/>
+          </a:stretch>
+        </p:blipFill>
+        <p:spPr>
+          <a:xfrm>
+            <a:off x="4665420" y="4168523"/>
+            <a:ext cx="3755060" cy="2253036"/>
+          </a:xfrm>
+          <a:prstGeom prst="rect">
+            <a:avLst/>
+          </a:prstGeom>
+        </p:spPr>
+      </p:pic>
+      <p:sp>
+        <p:nvSpPr>
+          <p:cNvPr id="2" name="灯片编号占位符 1"/>
+          <p:cNvSpPr>
+            <a:spLocks noGrp="1"/>
+          </p:cNvSpPr>
+          <p:nvPr>
+            <p:ph type="sldNum" sz="quarter" idx="4"/>
+          </p:nvPr>
+        </p:nvSpPr>
+        <p:spPr/>
+        <p:txBody>
+          <a:bodyPr/>
+          <a:lstStyle/>
+          <a:p>
+            <a:r>
+              <a:rPr lang="en-US" altLang="zh-CN" dirty="0" smtClean="0"/>
+              <a:t>15/21</a:t>
+            </a:r>
+            <a:endParaRPr lang="zh-CN" altLang="en-US" dirty="0"/>
+          </a:p>
+        </p:txBody>
+      </p:sp>
+      <p:sp>
+        <p:nvSpPr>
+          <p:cNvPr id="12" name="矩形 11"/>
+          <p:cNvSpPr/>
+          <p:nvPr/>
+        </p:nvSpPr>
+        <p:spPr>
+          <a:xfrm>
+            <a:off x="0" y="0"/>
+            <a:ext cx="9144000" cy="772347"/>
+          </a:xfrm>
+          <a:prstGeom prst="rect">
+            <a:avLst/>
+          </a:prstGeom>
+          <a:solidFill>
+            <a:srgbClr val="071F65"/>
+          </a:solidFill>
+          <a:ln w="5" cap="flat">
+            <a:solidFill>
+              <a:srgbClr val="24211D"/>
+            </a:solidFill>
+            <a:prstDash val="solid"/>
+            <a:miter lim="800000"/>
+            <a:headEnd/>
+            <a:tailEnd/>
+          </a:ln>
+        </p:spPr>
+        <p:txBody>
+          <a:bodyPr vert="horz" wrap="square" lIns="91440" tIns="45720" rIns="91440" bIns="45720" numCol="1" anchor="t" anchorCtr="0" compatLnSpc="1">
+            <a:prstTxWarp prst="textNoShape">
+              <a:avLst/>
+            </a:prstTxWarp>
+          </a:bodyPr>
+          <a:lstStyle/>
+          <a:p>
+            <a:endParaRPr lang="zh-CN" altLang="en-US">
+              <a:solidFill>
+                <a:schemeClr val="tx1"/>
+              </a:solidFill>
+            </a:endParaRPr>
+          </a:p>
+        </p:txBody>
+      </p:sp>
+      <p:graphicFrame>
+        <p:nvGraphicFramePr>
+          <p:cNvPr id="13" name="表格 12"/>
+          <p:cNvGraphicFramePr>
+            <a:graphicFrameLocks noGrp="1"/>
+          </p:cNvGraphicFramePr>
+          <p:nvPr>
+            <p:extLst>
+              <p:ext uri="{D42A27DB-BD31-4B8C-83A1-F6EECF244321}">
+                <p14:modId xmlns:p14="http://schemas.microsoft.com/office/powerpoint/2010/main" val="399365204"/>
+              </p:ext>
+            </p:extLst>
+          </p:nvPr>
+        </p:nvGraphicFramePr>
+        <p:xfrm>
+          <a:off x="0" y="199598"/>
+          <a:ext cx="9144000" cy="458243"/>
+        </p:xfrm>
+        <a:graphic>
+          <a:graphicData uri="http://schemas.openxmlformats.org/drawingml/2006/table">
+            <a:tbl>
+              <a:tblPr firstRow="1" bandRow="1">
+                <a:tableStyleId>{5C22544A-7EE6-4342-B048-85BDC9FD1C3A}</a:tableStyleId>
+              </a:tblPr>
+              <a:tblGrid>
+                <a:gridCol w="1331089">
+                  <a:extLst>
+                    <a:ext uri="{9D8B030D-6E8A-4147-A177-3AD203B41FA5}">
+                      <a16:colId xmlns:a16="http://schemas.microsoft.com/office/drawing/2014/main" val="2316111577"/>
+                    </a:ext>
+                  </a:extLst>
+                </a:gridCol>
+                <a:gridCol w="1099595">
+                  <a:extLst>
+                    <a:ext uri="{9D8B030D-6E8A-4147-A177-3AD203B41FA5}">
+                      <a16:colId xmlns:a16="http://schemas.microsoft.com/office/drawing/2014/main" val="204147406"/>
+                    </a:ext>
+                  </a:extLst>
+                </a:gridCol>
+                <a:gridCol w="2152891">
+                  <a:extLst>
+                    <a:ext uri="{9D8B030D-6E8A-4147-A177-3AD203B41FA5}">
+                      <a16:colId xmlns:a16="http://schemas.microsoft.com/office/drawing/2014/main" val="2603586595"/>
+                    </a:ext>
+                  </a:extLst>
+                </a:gridCol>
+                <a:gridCol w="1898248">
+                  <a:extLst>
+                    <a:ext uri="{9D8B030D-6E8A-4147-A177-3AD203B41FA5}">
+                      <a16:colId xmlns:a16="http://schemas.microsoft.com/office/drawing/2014/main" val="2745346112"/>
+                    </a:ext>
+                  </a:extLst>
+                </a:gridCol>
+                <a:gridCol w="1342663">
+                  <a:extLst>
+                    <a:ext uri="{9D8B030D-6E8A-4147-A177-3AD203B41FA5}">
+                      <a16:colId xmlns:a16="http://schemas.microsoft.com/office/drawing/2014/main" val="2906165216"/>
+                    </a:ext>
+                  </a:extLst>
+                </a:gridCol>
+                <a:gridCol w="1319514">
+                  <a:extLst>
+                    <a:ext uri="{9D8B030D-6E8A-4147-A177-3AD203B41FA5}">
+                      <a16:colId xmlns:a16="http://schemas.microsoft.com/office/drawing/2014/main" val="2785191733"/>
+                    </a:ext>
+                  </a:extLst>
+                </a:gridCol>
+              </a:tblGrid>
+              <a:tr h="458243">
+                <a:tc>
+                  <a:txBody>
+                    <a:bodyPr/>
+                    <a:lstStyle/>
+                    <a:p>
+                      <a:pPr algn="ctr"/>
+                      <a:r>
+                        <a:rPr lang="zh-CN" altLang="en-US" sz="1700" dirty="0" smtClean="0">
+                          <a:solidFill>
+                            <a:schemeClr val="bg1">
+                              <a:lumMod val="75000"/>
+                            </a:schemeClr>
+                          </a:solidFill>
+                        </a:rPr>
+                        <a:t>问题的提出</a:t>
+                      </a:r>
+                      <a:endParaRPr lang="zh-CN" altLang="en-US" sz="1700" dirty="0">
+                        <a:solidFill>
+                          <a:schemeClr val="bg1">
+                            <a:lumMod val="75000"/>
+                          </a:schemeClr>
+                        </a:solidFill>
+                      </a:endParaRPr>
+                    </a:p>
+                  </a:txBody>
+                  <a:tcPr anchor="ctr">
+                    <a:lnL w="12700" cmpd="sng">
+                      <a:noFill/>
+                    </a:lnL>
+                    <a:lnR w="12700" cmpd="sng">
+                      <a:noFill/>
+                    </a:lnR>
+                    <a:lnT w="12700" cmpd="sng">
+                      <a:noFill/>
+                    </a:lnT>
+                    <a:lnB w="38100" cmpd="sng">
+                      <a:noFill/>
+                    </a:lnB>
+                    <a:lnTlToBr w="12700" cmpd="sng">
+                      <a:noFill/>
+                      <a:prstDash val="solid"/>
+                    </a:lnTlToBr>
+                    <a:lnBlToTr w="12700" cmpd="sng">
+                      <a:noFill/>
+                      <a:prstDash val="solid"/>
+                    </a:lnBlToTr>
+                  </a:tcPr>
+                </a:tc>
+                <a:tc>
+                  <a:txBody>
+                    <a:bodyPr/>
+                    <a:lstStyle/>
+                    <a:p>
+                      <a:pPr algn="ctr"/>
+                      <a:r>
+                        <a:rPr lang="zh-CN" altLang="en-US" sz="1700" dirty="0" smtClean="0">
+                          <a:solidFill>
+                            <a:schemeClr val="bg1">
+                              <a:lumMod val="75000"/>
+                            </a:schemeClr>
+                          </a:solidFill>
+                        </a:rPr>
+                        <a:t>文献评述</a:t>
+                      </a:r>
+                      <a:endParaRPr lang="zh-CN" altLang="en-US" sz="1700" dirty="0">
+                        <a:solidFill>
+                          <a:schemeClr val="bg1">
+                            <a:lumMod val="75000"/>
+                          </a:schemeClr>
+                        </a:solidFill>
+                      </a:endParaRPr>
+                    </a:p>
+                  </a:txBody>
+                  <a:tcPr anchor="ctr">
+                    <a:lnL w="12700" cmpd="sng">
+                      <a:noFill/>
+                    </a:lnL>
+                    <a:lnR w="12700" cmpd="sng">
+                      <a:noFill/>
+                    </a:lnR>
+                    <a:lnT w="12700" cmpd="sng">
+                      <a:noFill/>
+                    </a:lnT>
+                    <a:lnB w="38100" cmpd="sng">
+                      <a:noFill/>
+                    </a:lnB>
+                    <a:lnTlToBr w="12700" cmpd="sng">
+                      <a:noFill/>
+                      <a:prstDash val="solid"/>
+                    </a:lnTlToBr>
+                    <a:lnBlToTr w="12700" cmpd="sng">
+                      <a:noFill/>
+                      <a:prstDash val="solid"/>
+                    </a:lnBlToTr>
+                  </a:tcPr>
+                </a:tc>
+                <a:tc>
+                  <a:txBody>
+                    <a:bodyPr/>
+                    <a:lstStyle/>
+                    <a:p>
+                      <a:pPr algn="ctr"/>
+                      <a:r>
+                        <a:rPr lang="zh-CN" altLang="en-US" sz="1700" dirty="0" smtClean="0">
+                          <a:solidFill>
+                            <a:schemeClr val="bg1">
+                              <a:lumMod val="75000"/>
+                            </a:schemeClr>
+                          </a:solidFill>
+                        </a:rPr>
+                        <a:t>研究目标与技术路线</a:t>
+                      </a:r>
+                      <a:endParaRPr lang="zh-CN" altLang="en-US" sz="1700" dirty="0">
+                        <a:solidFill>
+                          <a:schemeClr val="bg1">
+                            <a:lumMod val="75000"/>
+                          </a:schemeClr>
+                        </a:solidFill>
+                      </a:endParaRPr>
+                    </a:p>
+                  </a:txBody>
+                  <a:tcPr anchor="ctr">
+                    <a:lnL w="12700" cmpd="sng">
+                      <a:noFill/>
+                    </a:lnL>
+                    <a:lnR w="12700" cmpd="sng">
+                      <a:noFill/>
+                    </a:lnR>
+                    <a:lnT w="12700" cmpd="sng">
+                      <a:noFill/>
+                    </a:lnT>
+                    <a:lnB w="38100" cmpd="sng">
+                      <a:noFill/>
+                    </a:lnB>
+                    <a:lnTlToBr w="12700" cmpd="sng">
+                      <a:noFill/>
+                      <a:prstDash val="solid"/>
+                    </a:lnTlToBr>
+                    <a:lnBlToTr w="12700" cmpd="sng">
+                      <a:noFill/>
+                      <a:prstDash val="solid"/>
+                    </a:lnBlToTr>
+                  </a:tcPr>
+                </a:tc>
+                <a:tc>
+                  <a:txBody>
+                    <a:bodyPr/>
+                    <a:lstStyle/>
+                    <a:p>
+                      <a:pPr algn="ctr"/>
+                      <a:r>
+                        <a:rPr lang="zh-CN" altLang="en-US" sz="1800" dirty="0" smtClean="0">
+                          <a:solidFill>
+                            <a:schemeClr val="bg1"/>
+                          </a:solidFill>
+                        </a:rPr>
+                        <a:t>研究内容与结果</a:t>
+                      </a:r>
+                      <a:endParaRPr lang="zh-CN" altLang="en-US" sz="1800" dirty="0">
+                        <a:solidFill>
+                          <a:schemeClr val="bg1"/>
+                        </a:solidFill>
+                      </a:endParaRPr>
+                    </a:p>
+                  </a:txBody>
+                  <a:tcPr anchor="ctr">
+                    <a:lnL w="12700" cmpd="sng">
+                      <a:noFill/>
+                    </a:lnL>
+                    <a:lnR w="12700" cmpd="sng">
+                      <a:noFill/>
+                    </a:lnR>
+                    <a:lnT w="12700" cmpd="sng">
+                      <a:noFill/>
+                    </a:lnT>
+                    <a:lnB w="38100" cmpd="sng">
+                      <a:noFill/>
+                    </a:lnB>
+                    <a:lnTlToBr w="12700" cmpd="sng">
+                      <a:noFill/>
+                      <a:prstDash val="solid"/>
+                    </a:lnTlToBr>
+                    <a:lnBlToTr w="12700" cmpd="sng">
+                      <a:noFill/>
+                      <a:prstDash val="solid"/>
+                    </a:lnBlToTr>
+                  </a:tcPr>
+                </a:tc>
+                <a:tc>
+                  <a:txBody>
+                    <a:bodyPr/>
+                    <a:lstStyle/>
+                    <a:p>
+                      <a:pPr algn="ctr"/>
+                      <a:r>
+                        <a:rPr lang="zh-CN" altLang="en-US" sz="1700" dirty="0" smtClean="0">
+                          <a:solidFill>
+                            <a:schemeClr val="bg1">
+                              <a:lumMod val="75000"/>
+                            </a:schemeClr>
+                          </a:solidFill>
+                        </a:rPr>
+                        <a:t>结论与建议</a:t>
+                      </a:r>
+                      <a:endParaRPr lang="zh-CN" altLang="en-US" sz="1700" dirty="0">
+                        <a:solidFill>
+                          <a:schemeClr val="bg1">
+                            <a:lumMod val="75000"/>
+                          </a:schemeClr>
+                        </a:solidFill>
+                      </a:endParaRPr>
+                    </a:p>
+                  </a:txBody>
+                  <a:tcPr anchor="ctr">
+                    <a:lnL w="12700" cmpd="sng">
+                      <a:noFill/>
+                    </a:lnL>
+                    <a:lnR w="12700" cmpd="sng">
+                      <a:noFill/>
+                    </a:lnR>
+                    <a:lnT w="12700" cmpd="sng">
+                      <a:noFill/>
+                    </a:lnT>
+                    <a:lnB w="38100" cmpd="sng">
+                      <a:noFill/>
+                    </a:lnB>
+                    <a:lnTlToBr w="12700" cmpd="sng">
+                      <a:noFill/>
+                      <a:prstDash val="solid"/>
+                    </a:lnTlToBr>
+                    <a:lnBlToTr w="12700" cmpd="sng">
+                      <a:noFill/>
+                      <a:prstDash val="solid"/>
+                    </a:lnBlToTr>
+                  </a:tcPr>
+                </a:tc>
+                <a:tc>
+                  <a:txBody>
+                    <a:bodyPr/>
+                    <a:lstStyle/>
+                    <a:p>
+                      <a:pPr algn="ctr"/>
+                      <a:r>
+                        <a:rPr lang="zh-CN" altLang="en-US" sz="1700" dirty="0" smtClean="0">
+                          <a:solidFill>
+                            <a:schemeClr val="bg1">
+                              <a:lumMod val="75000"/>
+                            </a:schemeClr>
+                          </a:solidFill>
+                        </a:rPr>
+                        <a:t>可能的不足</a:t>
+                      </a:r>
+                      <a:endParaRPr lang="zh-CN" altLang="en-US" sz="1700" dirty="0">
+                        <a:solidFill>
+                          <a:schemeClr val="bg1">
+                            <a:lumMod val="75000"/>
+                          </a:schemeClr>
+                        </a:solidFill>
+                      </a:endParaRPr>
+                    </a:p>
+                  </a:txBody>
+                  <a:tcPr anchor="ctr">
+                    <a:lnL w="12700" cmpd="sng">
+                      <a:noFill/>
+                    </a:lnL>
+                    <a:lnR w="12700" cmpd="sng">
+                      <a:noFill/>
+                    </a:lnR>
+                    <a:lnT w="12700" cmpd="sng">
+                      <a:noFill/>
+                    </a:lnT>
+                    <a:lnB w="38100" cmpd="sng">
+                      <a:noFill/>
+                    </a:lnB>
+                    <a:lnTlToBr w="12700" cmpd="sng">
+                      <a:noFill/>
+                      <a:prstDash val="solid"/>
+                    </a:lnTlToBr>
+                    <a:lnBlToTr w="12700" cmpd="sng">
+                      <a:noFill/>
+                      <a:prstDash val="solid"/>
+                    </a:lnBlToTr>
+                  </a:tcPr>
+                </a:tc>
+                <a:extLst>
+                  <a:ext uri="{0D108BD9-81ED-4DB2-BD59-A6C34878D82A}">
+                    <a16:rowId xmlns:a16="http://schemas.microsoft.com/office/drawing/2014/main" val="3362077269"/>
+                  </a:ext>
+                </a:extLst>
+              </a:tr>
+            </a:tbl>
+          </a:graphicData>
+        </a:graphic>
+      </p:graphicFrame>
+      <p:sp>
+        <p:nvSpPr>
+          <p:cNvPr id="19" name="流程图: 合并 18"/>
+          <p:cNvSpPr/>
+          <p:nvPr/>
+        </p:nvSpPr>
+        <p:spPr>
+          <a:xfrm>
+            <a:off x="5294936" y="760772"/>
+            <a:ext cx="380588" cy="176777"/>
+          </a:xfrm>
+          <a:prstGeom prst="flowChartMerge">
+            <a:avLst/>
+          </a:prstGeom>
+          <a:ln>
+            <a:noFill/>
+          </a:ln>
+        </p:spPr>
+        <p:style>
+          <a:lnRef idx="2">
+            <a:schemeClr val="accent1">
+              <a:shade val="50000"/>
+            </a:schemeClr>
+          </a:lnRef>
+          <a:fillRef idx="1">
+            <a:schemeClr val="accent1"/>
+          </a:fillRef>
+          <a:effectRef idx="0">
+            <a:schemeClr val="accent1"/>
+          </a:effectRef>
+          <a:fontRef idx="minor">
+            <a:schemeClr val="lt1"/>
+          </a:fontRef>
+        </p:style>
+        <p:txBody>
+          <a:bodyPr rtlCol="0" anchor="ctr"/>
+          <a:lstStyle/>
+          <a:p>
+            <a:pPr algn="ctr"/>
+            <a:endParaRPr lang="zh-CN" altLang="en-US"/>
+          </a:p>
+        </p:txBody>
+      </p:sp>
+    </p:spTree>
+    <p:extLst>
+      <p:ext uri="{BB962C8B-B14F-4D97-AF65-F5344CB8AC3E}">
+        <p14:creationId xmlns:p14="http://schemas.microsoft.com/office/powerpoint/2010/main" val="1134255420"/>
+      </p:ext>
+    </p:extLst>
+  </p:cSld>
+  <p:clrMapOvr>
+    <a:masterClrMapping/>
+  </p:clrMapOvr>
+  <mc:AlternateContent xmlns:mc="http://schemas.openxmlformats.org/markup-compatibility/2006" xmlns:p14="http://schemas.microsoft.com/office/powerpoint/2010/main">
+    <mc:Choice Requires="p14">
+      <p:transition p14:dur="0"/>
+    </mc:Choice>
+    <mc:Fallback xmlns="">
+      <p:transition/>
+    </mc:Fallback>
+  </mc:AlternateContent>
+  <p:timing>
+    <p:tnLst>
+      <p:par>
+        <p:cTn id="1" dur="indefinite" restart="never" nodeType="tmRoot"/>
+      </p:par>
+    </p:tnLst>
+  </p:timing>
+</p:sld>
+</file>
+
+<file path=ppt/slides/slide23.xml><?xml version="1.0" encoding="utf-8"?>
+<p:sld xmlns:a="http://schemas.openxmlformats.org/drawingml/2006/main" xmlns:r="http://schemas.openxmlformats.org/officeDocument/2006/relationships" xmlns:p="http://schemas.openxmlformats.org/presentationml/2006/main">
+  <p:cSld>
+    <p:spTree>
+      <p:nvGrpSpPr>
+        <p:cNvPr id="1" name=""/>
+        <p:cNvGrpSpPr/>
+        <p:nvPr/>
+      </p:nvGrpSpPr>
+      <p:grpSpPr>
+        <a:xfrm>
+          <a:off x="0" y="0"/>
+          <a:ext cx="0" cy="0"/>
+          <a:chOff x="0" y="0"/>
+          <a:chExt cx="0" cy="0"/>
+        </a:xfrm>
+      </p:grpSpPr>
+      <p:sp>
+        <p:nvSpPr>
+          <p:cNvPr id="96" name="矩形 95"/>
+          <p:cNvSpPr/>
+          <p:nvPr/>
+        </p:nvSpPr>
+        <p:spPr>
+          <a:xfrm>
+            <a:off x="92596" y="1048409"/>
+            <a:ext cx="9051403" cy="938719"/>
+          </a:xfrm>
+          <a:prstGeom prst="rect">
+            <a:avLst/>
+          </a:prstGeom>
+        </p:spPr>
+        <p:txBody>
+          <a:bodyPr wrap="square">
+            <a:spAutoFit/>
+          </a:bodyPr>
+          <a:lstStyle/>
+          <a:p>
+            <a:pPr>
+              <a:spcBef>
+                <a:spcPts val="1200"/>
+              </a:spcBef>
+              <a:spcAft>
+                <a:spcPts val="1200"/>
+              </a:spcAft>
+              <a:buClr>
+                <a:srgbClr val="071F65"/>
+              </a:buClr>
+            </a:pPr>
+            <a:r>
+              <a:rPr lang="zh-CN" altLang="en-US" sz="2000" b="1" dirty="0">
+                <a:latin typeface="微软雅黑" panose="020B0503020204020204" pitchFamily="34" charset="-122"/>
+                <a:ea typeface="微软雅黑" panose="020B0503020204020204" pitchFamily="34" charset="-122"/>
+                <a:cs typeface="Times New Roman" panose="02020603050405020304" pitchFamily="18" charset="0"/>
+              </a:rPr>
+              <a:t>（三）水稻、两熟小麦、两熟玉米和单一玉米的实证分析</a:t>
+            </a:r>
+            <a:endParaRPr lang="en-US" altLang="zh-CN" sz="2000" b="1" dirty="0">
+              <a:latin typeface="微软雅黑" panose="020B0503020204020204" pitchFamily="34" charset="-122"/>
+              <a:ea typeface="微软雅黑" panose="020B0503020204020204" pitchFamily="34" charset="-122"/>
+              <a:cs typeface="Times New Roman" panose="02020603050405020304" pitchFamily="18" charset="0"/>
+            </a:endParaRPr>
+          </a:p>
+          <a:p>
+            <a:pPr>
+              <a:spcBef>
+                <a:spcPts val="600"/>
+              </a:spcBef>
+              <a:spcAft>
+                <a:spcPts val="600"/>
+              </a:spcAft>
+              <a:buClr>
+                <a:srgbClr val="071F65"/>
+              </a:buClr>
+            </a:pPr>
+            <a:r>
+              <a:rPr lang="zh-CN" altLang="en-US" sz="2000" b="1" dirty="0" smtClean="0">
+                <a:latin typeface="华文楷体" panose="02010600040101010101" pitchFamily="2" charset="-122"/>
+                <a:ea typeface="华文楷体" panose="02010600040101010101" pitchFamily="2" charset="-122"/>
+                <a:cs typeface="Times New Roman" panose="02020603050405020304" pitchFamily="18" charset="0"/>
+              </a:rPr>
+              <a:t>（</a:t>
+            </a:r>
+            <a:r>
+              <a:rPr lang="en-US" altLang="zh-CN" sz="2000" b="1" dirty="0" smtClean="0">
+                <a:latin typeface="华文楷体" panose="02010600040101010101" pitchFamily="2" charset="-122"/>
+                <a:ea typeface="华文楷体" panose="02010600040101010101" pitchFamily="2" charset="-122"/>
+                <a:cs typeface="Times New Roman" panose="02020603050405020304" pitchFamily="18" charset="0"/>
+              </a:rPr>
+              <a:t>5</a:t>
+            </a:r>
+            <a:r>
+              <a:rPr lang="zh-CN" altLang="en-US" sz="2000" b="1" dirty="0" smtClean="0">
+                <a:latin typeface="华文楷体" panose="02010600040101010101" pitchFamily="2" charset="-122"/>
+                <a:ea typeface="华文楷体" panose="02010600040101010101" pitchFamily="2" charset="-122"/>
+                <a:cs typeface="Times New Roman" panose="02020603050405020304" pitchFamily="18" charset="0"/>
+              </a:rPr>
+              <a:t>）规模与生产要素亩均投入的回归分析</a:t>
+            </a:r>
+            <a:endParaRPr lang="en-US" altLang="zh-CN" sz="2000" b="1" dirty="0" smtClean="0">
+              <a:latin typeface="华文楷体" panose="02010600040101010101" pitchFamily="2" charset="-122"/>
+              <a:ea typeface="华文楷体" panose="02010600040101010101" pitchFamily="2" charset="-122"/>
+              <a:cs typeface="Times New Roman" panose="02020603050405020304" pitchFamily="18" charset="0"/>
+            </a:endParaRPr>
+          </a:p>
+        </p:txBody>
+      </p:sp>
+      <p:sp>
+        <p:nvSpPr>
+          <p:cNvPr id="14" name="文本框 13"/>
+          <p:cNvSpPr txBox="1"/>
+          <p:nvPr/>
+        </p:nvSpPr>
+        <p:spPr>
+          <a:xfrm>
+            <a:off x="3079471" y="6349917"/>
+            <a:ext cx="3416320" cy="426720"/>
+          </a:xfrm>
+          <a:prstGeom prst="rect">
+            <a:avLst/>
+          </a:prstGeom>
+          <a:noFill/>
+        </p:spPr>
+        <p:txBody>
+          <a:bodyPr wrap="none" rtlCol="0">
+            <a:spAutoFit/>
+          </a:bodyPr>
+          <a:lstStyle/>
+          <a:p>
+            <a:pPr>
+              <a:lnSpc>
+                <a:spcPct val="130000"/>
+              </a:lnSpc>
+            </a:pPr>
+            <a:r>
+              <a:rPr lang="zh-CN" altLang="en-US" sz="1800" b="1" dirty="0" smtClean="0">
+                <a:latin typeface="华文楷体" panose="02010600040101010101" pitchFamily="2" charset="-122"/>
+                <a:ea typeface="华文楷体" panose="02010600040101010101" pitchFamily="2" charset="-122"/>
+              </a:rPr>
+              <a:t>不同种植制度粮食</a:t>
+            </a:r>
+            <a:r>
+              <a:rPr lang="zh-CN" altLang="en-US" sz="1800" b="1" dirty="0" smtClean="0">
+                <a:solidFill>
+                  <a:srgbClr val="FF0000"/>
+                </a:solidFill>
+                <a:latin typeface="华文楷体" panose="02010600040101010101" pitchFamily="2" charset="-122"/>
+                <a:ea typeface="华文楷体" panose="02010600040101010101" pitchFamily="2" charset="-122"/>
+              </a:rPr>
+              <a:t>亩均化肥</a:t>
+            </a:r>
+            <a:r>
+              <a:rPr lang="zh-CN" altLang="en-US" sz="1800" b="1" dirty="0" smtClean="0">
+                <a:latin typeface="华文楷体" panose="02010600040101010101" pitchFamily="2" charset="-122"/>
+                <a:ea typeface="华文楷体" panose="02010600040101010101" pitchFamily="2" charset="-122"/>
+              </a:rPr>
+              <a:t>投入</a:t>
+            </a:r>
+          </a:p>
+        </p:txBody>
+      </p:sp>
+      <p:pic>
+        <p:nvPicPr>
+          <p:cNvPr id="12" name="图片 11"/>
+          <p:cNvPicPr>
+            <a:picLocks noChangeAspect="1"/>
+          </p:cNvPicPr>
+          <p:nvPr/>
+        </p:nvPicPr>
+        <p:blipFill>
+          <a:blip r:embed="rId3"/>
+          <a:stretch>
+            <a:fillRect/>
+          </a:stretch>
+        </p:blipFill>
+        <p:spPr>
+          <a:xfrm>
+            <a:off x="1169043" y="1974212"/>
+            <a:ext cx="3646421" cy="2187853"/>
+          </a:xfrm>
+          <a:prstGeom prst="rect">
+            <a:avLst/>
+          </a:prstGeom>
+        </p:spPr>
+      </p:pic>
+      <p:pic>
+        <p:nvPicPr>
+          <p:cNvPr id="13" name="图片 12"/>
+          <p:cNvPicPr>
+            <a:picLocks noChangeAspect="1"/>
+          </p:cNvPicPr>
+          <p:nvPr/>
+        </p:nvPicPr>
+        <p:blipFill>
+          <a:blip r:embed="rId4"/>
+          <a:stretch>
+            <a:fillRect/>
+          </a:stretch>
+        </p:blipFill>
+        <p:spPr>
+          <a:xfrm>
+            <a:off x="4815463" y="1974212"/>
+            <a:ext cx="3646421" cy="2187853"/>
+          </a:xfrm>
+          <a:prstGeom prst="rect">
+            <a:avLst/>
+          </a:prstGeom>
+        </p:spPr>
+      </p:pic>
+      <p:pic>
+        <p:nvPicPr>
+          <p:cNvPr id="19" name="图片 18"/>
+          <p:cNvPicPr>
+            <a:picLocks noChangeAspect="1"/>
+          </p:cNvPicPr>
+          <p:nvPr/>
+        </p:nvPicPr>
+        <p:blipFill>
+          <a:blip r:embed="rId5"/>
+          <a:stretch>
+            <a:fillRect/>
+          </a:stretch>
+        </p:blipFill>
+        <p:spPr>
+          <a:xfrm>
+            <a:off x="1169043" y="4162065"/>
+            <a:ext cx="3646421" cy="2187853"/>
+          </a:xfrm>
+          <a:prstGeom prst="rect">
+            <a:avLst/>
+          </a:prstGeom>
+        </p:spPr>
+      </p:pic>
+      <p:pic>
+        <p:nvPicPr>
+          <p:cNvPr id="20" name="图片 19"/>
+          <p:cNvPicPr>
+            <a:picLocks noChangeAspect="1"/>
+          </p:cNvPicPr>
+          <p:nvPr/>
+        </p:nvPicPr>
+        <p:blipFill>
+          <a:blip r:embed="rId6"/>
+          <a:stretch>
+            <a:fillRect/>
+          </a:stretch>
+        </p:blipFill>
+        <p:spPr>
+          <a:xfrm>
+            <a:off x="4815464" y="4162064"/>
+            <a:ext cx="3646421" cy="2187853"/>
+          </a:xfrm>
+          <a:prstGeom prst="rect">
+            <a:avLst/>
+          </a:prstGeom>
+        </p:spPr>
+      </p:pic>
+      <p:sp>
+        <p:nvSpPr>
+          <p:cNvPr id="2" name="灯片编号占位符 1"/>
+          <p:cNvSpPr>
+            <a:spLocks noGrp="1"/>
+          </p:cNvSpPr>
+          <p:nvPr>
+            <p:ph type="sldNum" sz="quarter" idx="4"/>
+          </p:nvPr>
+        </p:nvSpPr>
+        <p:spPr/>
+        <p:txBody>
+          <a:bodyPr/>
+          <a:lstStyle/>
+          <a:p>
+            <a:r>
+              <a:rPr lang="en-US" altLang="zh-CN" dirty="0" smtClean="0"/>
+              <a:t>16/21</a:t>
+            </a:r>
+            <a:endParaRPr lang="zh-CN" altLang="en-US" dirty="0"/>
+          </a:p>
+        </p:txBody>
+      </p:sp>
+      <p:sp>
+        <p:nvSpPr>
+          <p:cNvPr id="15" name="矩形 14"/>
+          <p:cNvSpPr/>
+          <p:nvPr/>
+        </p:nvSpPr>
+        <p:spPr>
+          <a:xfrm>
+            <a:off x="0" y="0"/>
+            <a:ext cx="9144000" cy="772347"/>
+          </a:xfrm>
+          <a:prstGeom prst="rect">
+            <a:avLst/>
+          </a:prstGeom>
+          <a:solidFill>
+            <a:srgbClr val="071F65"/>
+          </a:solidFill>
+          <a:ln w="5" cap="flat">
+            <a:solidFill>
+              <a:srgbClr val="24211D"/>
+            </a:solidFill>
+            <a:prstDash val="solid"/>
+            <a:miter lim="800000"/>
+            <a:headEnd/>
+            <a:tailEnd/>
+          </a:ln>
+        </p:spPr>
+        <p:txBody>
+          <a:bodyPr vert="horz" wrap="square" lIns="91440" tIns="45720" rIns="91440" bIns="45720" numCol="1" anchor="t" anchorCtr="0" compatLnSpc="1">
+            <a:prstTxWarp prst="textNoShape">
+              <a:avLst/>
+            </a:prstTxWarp>
+          </a:bodyPr>
+          <a:lstStyle/>
+          <a:p>
+            <a:endParaRPr lang="zh-CN" altLang="en-US">
+              <a:solidFill>
+                <a:schemeClr val="tx1"/>
+              </a:solidFill>
+            </a:endParaRPr>
+          </a:p>
+        </p:txBody>
+      </p:sp>
+      <p:graphicFrame>
+        <p:nvGraphicFramePr>
+          <p:cNvPr id="16" name="表格 15"/>
+          <p:cNvGraphicFramePr>
+            <a:graphicFrameLocks noGrp="1"/>
+          </p:cNvGraphicFramePr>
+          <p:nvPr>
+            <p:extLst>
+              <p:ext uri="{D42A27DB-BD31-4B8C-83A1-F6EECF244321}">
+                <p14:modId xmlns:p14="http://schemas.microsoft.com/office/powerpoint/2010/main" val="399365204"/>
+              </p:ext>
+            </p:extLst>
+          </p:nvPr>
+        </p:nvGraphicFramePr>
+        <p:xfrm>
+          <a:off x="0" y="199598"/>
+          <a:ext cx="9144000" cy="458243"/>
+        </p:xfrm>
+        <a:graphic>
+          <a:graphicData uri="http://schemas.openxmlformats.org/drawingml/2006/table">
+            <a:tbl>
+              <a:tblPr firstRow="1" bandRow="1">
+                <a:tableStyleId>{5C22544A-7EE6-4342-B048-85BDC9FD1C3A}</a:tableStyleId>
+              </a:tblPr>
+              <a:tblGrid>
+                <a:gridCol w="1331089">
+                  <a:extLst>
+                    <a:ext uri="{9D8B030D-6E8A-4147-A177-3AD203B41FA5}">
+                      <a16:colId xmlns:a16="http://schemas.microsoft.com/office/drawing/2014/main" val="2316111577"/>
+                    </a:ext>
+                  </a:extLst>
+                </a:gridCol>
+                <a:gridCol w="1099595">
+                  <a:extLst>
+                    <a:ext uri="{9D8B030D-6E8A-4147-A177-3AD203B41FA5}">
+                      <a16:colId xmlns:a16="http://schemas.microsoft.com/office/drawing/2014/main" val="204147406"/>
+                    </a:ext>
+                  </a:extLst>
+                </a:gridCol>
+                <a:gridCol w="2152891">
+                  <a:extLst>
+                    <a:ext uri="{9D8B030D-6E8A-4147-A177-3AD203B41FA5}">
+                      <a16:colId xmlns:a16="http://schemas.microsoft.com/office/drawing/2014/main" val="2603586595"/>
+                    </a:ext>
+                  </a:extLst>
+                </a:gridCol>
+                <a:gridCol w="1898248">
+                  <a:extLst>
+                    <a:ext uri="{9D8B030D-6E8A-4147-A177-3AD203B41FA5}">
+                      <a16:colId xmlns:a16="http://schemas.microsoft.com/office/drawing/2014/main" val="2745346112"/>
+                    </a:ext>
+                  </a:extLst>
+                </a:gridCol>
+                <a:gridCol w="1342663">
+                  <a:extLst>
+                    <a:ext uri="{9D8B030D-6E8A-4147-A177-3AD203B41FA5}">
+                      <a16:colId xmlns:a16="http://schemas.microsoft.com/office/drawing/2014/main" val="2906165216"/>
+                    </a:ext>
+                  </a:extLst>
+                </a:gridCol>
+                <a:gridCol w="1319514">
+                  <a:extLst>
+                    <a:ext uri="{9D8B030D-6E8A-4147-A177-3AD203B41FA5}">
+                      <a16:colId xmlns:a16="http://schemas.microsoft.com/office/drawing/2014/main" val="2785191733"/>
+                    </a:ext>
+                  </a:extLst>
+                </a:gridCol>
+              </a:tblGrid>
+              <a:tr h="458243">
+                <a:tc>
+                  <a:txBody>
+                    <a:bodyPr/>
+                    <a:lstStyle/>
+                    <a:p>
+                      <a:pPr algn="ctr"/>
+                      <a:r>
+                        <a:rPr lang="zh-CN" altLang="en-US" sz="1700" dirty="0" smtClean="0">
+                          <a:solidFill>
+                            <a:schemeClr val="bg1">
+                              <a:lumMod val="75000"/>
+                            </a:schemeClr>
+                          </a:solidFill>
+                        </a:rPr>
+                        <a:t>问题的提出</a:t>
+                      </a:r>
+                      <a:endParaRPr lang="zh-CN" altLang="en-US" sz="1700" dirty="0">
+                        <a:solidFill>
+                          <a:schemeClr val="bg1">
+                            <a:lumMod val="75000"/>
+                          </a:schemeClr>
+                        </a:solidFill>
+                      </a:endParaRPr>
+                    </a:p>
+                  </a:txBody>
+                  <a:tcPr anchor="ctr">
+                    <a:lnL w="12700" cmpd="sng">
+                      <a:noFill/>
+                    </a:lnL>
+                    <a:lnR w="12700" cmpd="sng">
+                      <a:noFill/>
+                    </a:lnR>
+                    <a:lnT w="12700" cmpd="sng">
+                      <a:noFill/>
+                    </a:lnT>
+                    <a:lnB w="38100" cmpd="sng">
+                      <a:noFill/>
+                    </a:lnB>
+                    <a:lnTlToBr w="12700" cmpd="sng">
+                      <a:noFill/>
+                      <a:prstDash val="solid"/>
+                    </a:lnTlToBr>
+                    <a:lnBlToTr w="12700" cmpd="sng">
+                      <a:noFill/>
+                      <a:prstDash val="solid"/>
+                    </a:lnBlToTr>
+                  </a:tcPr>
+                </a:tc>
+                <a:tc>
+                  <a:txBody>
+                    <a:bodyPr/>
+                    <a:lstStyle/>
+                    <a:p>
+                      <a:pPr algn="ctr"/>
+                      <a:r>
+                        <a:rPr lang="zh-CN" altLang="en-US" sz="1700" dirty="0" smtClean="0">
+                          <a:solidFill>
+                            <a:schemeClr val="bg1">
+                              <a:lumMod val="75000"/>
+                            </a:schemeClr>
+                          </a:solidFill>
+                        </a:rPr>
+                        <a:t>文献评述</a:t>
+                      </a:r>
+                      <a:endParaRPr lang="zh-CN" altLang="en-US" sz="1700" dirty="0">
+                        <a:solidFill>
+                          <a:schemeClr val="bg1">
+                            <a:lumMod val="75000"/>
+                          </a:schemeClr>
+                        </a:solidFill>
+                      </a:endParaRPr>
+                    </a:p>
+                  </a:txBody>
+                  <a:tcPr anchor="ctr">
+                    <a:lnL w="12700" cmpd="sng">
+                      <a:noFill/>
+                    </a:lnL>
+                    <a:lnR w="12700" cmpd="sng">
+                      <a:noFill/>
+                    </a:lnR>
+                    <a:lnT w="12700" cmpd="sng">
+                      <a:noFill/>
+                    </a:lnT>
+                    <a:lnB w="38100" cmpd="sng">
+                      <a:noFill/>
+                    </a:lnB>
+                    <a:lnTlToBr w="12700" cmpd="sng">
+                      <a:noFill/>
+                      <a:prstDash val="solid"/>
+                    </a:lnTlToBr>
+                    <a:lnBlToTr w="12700" cmpd="sng">
+                      <a:noFill/>
+                      <a:prstDash val="solid"/>
+                    </a:lnBlToTr>
+                  </a:tcPr>
+                </a:tc>
+                <a:tc>
+                  <a:txBody>
+                    <a:bodyPr/>
+                    <a:lstStyle/>
+                    <a:p>
+                      <a:pPr algn="ctr"/>
+                      <a:r>
+                        <a:rPr lang="zh-CN" altLang="en-US" sz="1700" dirty="0" smtClean="0">
+                          <a:solidFill>
+                            <a:schemeClr val="bg1">
+                              <a:lumMod val="75000"/>
+                            </a:schemeClr>
+                          </a:solidFill>
+                        </a:rPr>
+                        <a:t>研究目标与技术路线</a:t>
+                      </a:r>
+                      <a:endParaRPr lang="zh-CN" altLang="en-US" sz="1700" dirty="0">
+                        <a:solidFill>
+                          <a:schemeClr val="bg1">
+                            <a:lumMod val="75000"/>
+                          </a:schemeClr>
+                        </a:solidFill>
+                      </a:endParaRPr>
+                    </a:p>
+                  </a:txBody>
+                  <a:tcPr anchor="ctr">
+                    <a:lnL w="12700" cmpd="sng">
+                      <a:noFill/>
+                    </a:lnL>
+                    <a:lnR w="12700" cmpd="sng">
+                      <a:noFill/>
+                    </a:lnR>
+                    <a:lnT w="12700" cmpd="sng">
+                      <a:noFill/>
+                    </a:lnT>
+                    <a:lnB w="38100" cmpd="sng">
+                      <a:noFill/>
+                    </a:lnB>
+                    <a:lnTlToBr w="12700" cmpd="sng">
+                      <a:noFill/>
+                      <a:prstDash val="solid"/>
+                    </a:lnTlToBr>
+                    <a:lnBlToTr w="12700" cmpd="sng">
+                      <a:noFill/>
+                      <a:prstDash val="solid"/>
+                    </a:lnBlToTr>
+                  </a:tcPr>
+                </a:tc>
+                <a:tc>
+                  <a:txBody>
+                    <a:bodyPr/>
+                    <a:lstStyle/>
+                    <a:p>
+                      <a:pPr algn="ctr"/>
+                      <a:r>
+                        <a:rPr lang="zh-CN" altLang="en-US" sz="1800" dirty="0" smtClean="0">
+                          <a:solidFill>
+                            <a:schemeClr val="bg1"/>
+                          </a:solidFill>
+                        </a:rPr>
+                        <a:t>研究内容与结果</a:t>
+                      </a:r>
+                      <a:endParaRPr lang="zh-CN" altLang="en-US" sz="1800" dirty="0">
+                        <a:solidFill>
+                          <a:schemeClr val="bg1"/>
+                        </a:solidFill>
+                      </a:endParaRPr>
+                    </a:p>
+                  </a:txBody>
+                  <a:tcPr anchor="ctr">
+                    <a:lnL w="12700" cmpd="sng">
+                      <a:noFill/>
+                    </a:lnL>
+                    <a:lnR w="12700" cmpd="sng">
+                      <a:noFill/>
+                    </a:lnR>
+                    <a:lnT w="12700" cmpd="sng">
+                      <a:noFill/>
+                    </a:lnT>
+                    <a:lnB w="38100" cmpd="sng">
+                      <a:noFill/>
+                    </a:lnB>
+                    <a:lnTlToBr w="12700" cmpd="sng">
+                      <a:noFill/>
+                      <a:prstDash val="solid"/>
+                    </a:lnTlToBr>
+                    <a:lnBlToTr w="12700" cmpd="sng">
+                      <a:noFill/>
+                      <a:prstDash val="solid"/>
+                    </a:lnBlToTr>
+                  </a:tcPr>
+                </a:tc>
+                <a:tc>
+                  <a:txBody>
+                    <a:bodyPr/>
+                    <a:lstStyle/>
+                    <a:p>
+                      <a:pPr algn="ctr"/>
+                      <a:r>
+                        <a:rPr lang="zh-CN" altLang="en-US" sz="1700" dirty="0" smtClean="0">
+                          <a:solidFill>
+                            <a:schemeClr val="bg1">
+                              <a:lumMod val="75000"/>
+                            </a:schemeClr>
+                          </a:solidFill>
+                        </a:rPr>
+                        <a:t>结论与建议</a:t>
+                      </a:r>
+                      <a:endParaRPr lang="zh-CN" altLang="en-US" sz="1700" dirty="0">
+                        <a:solidFill>
+                          <a:schemeClr val="bg1">
+                            <a:lumMod val="75000"/>
+                          </a:schemeClr>
+                        </a:solidFill>
+                      </a:endParaRPr>
+                    </a:p>
+                  </a:txBody>
+                  <a:tcPr anchor="ctr">
+                    <a:lnL w="12700" cmpd="sng">
+                      <a:noFill/>
+                    </a:lnL>
+                    <a:lnR w="12700" cmpd="sng">
+                      <a:noFill/>
+                    </a:lnR>
+                    <a:lnT w="12700" cmpd="sng">
+                      <a:noFill/>
+                    </a:lnT>
+                    <a:lnB w="38100" cmpd="sng">
+                      <a:noFill/>
+                    </a:lnB>
+                    <a:lnTlToBr w="12700" cmpd="sng">
+                      <a:noFill/>
+                      <a:prstDash val="solid"/>
+                    </a:lnTlToBr>
+                    <a:lnBlToTr w="12700" cmpd="sng">
+                      <a:noFill/>
+                      <a:prstDash val="solid"/>
+                    </a:lnBlToTr>
+                  </a:tcPr>
+                </a:tc>
+                <a:tc>
+                  <a:txBody>
+                    <a:bodyPr/>
+                    <a:lstStyle/>
+                    <a:p>
+                      <a:pPr algn="ctr"/>
+                      <a:r>
+                        <a:rPr lang="zh-CN" altLang="en-US" sz="1700" dirty="0" smtClean="0">
+                          <a:solidFill>
+                            <a:schemeClr val="bg1">
+                              <a:lumMod val="75000"/>
+                            </a:schemeClr>
+                          </a:solidFill>
+                        </a:rPr>
+                        <a:t>可能的不足</a:t>
+                      </a:r>
+                      <a:endParaRPr lang="zh-CN" altLang="en-US" sz="1700" dirty="0">
+                        <a:solidFill>
+                          <a:schemeClr val="bg1">
+                            <a:lumMod val="75000"/>
+                          </a:schemeClr>
+                        </a:solidFill>
+                      </a:endParaRPr>
+                    </a:p>
+                  </a:txBody>
+                  <a:tcPr anchor="ctr">
+                    <a:lnL w="12700" cmpd="sng">
+                      <a:noFill/>
+                    </a:lnL>
+                    <a:lnR w="12700" cmpd="sng">
+                      <a:noFill/>
+                    </a:lnR>
+                    <a:lnT w="12700" cmpd="sng">
+                      <a:noFill/>
+                    </a:lnT>
+                    <a:lnB w="38100" cmpd="sng">
+                      <a:noFill/>
+                    </a:lnB>
+                    <a:lnTlToBr w="12700" cmpd="sng">
+                      <a:noFill/>
+                      <a:prstDash val="solid"/>
+                    </a:lnTlToBr>
+                    <a:lnBlToTr w="12700" cmpd="sng">
+                      <a:noFill/>
+                      <a:prstDash val="solid"/>
+                    </a:lnBlToTr>
+                  </a:tcPr>
+                </a:tc>
+                <a:extLst>
+                  <a:ext uri="{0D108BD9-81ED-4DB2-BD59-A6C34878D82A}">
+                    <a16:rowId xmlns:a16="http://schemas.microsoft.com/office/drawing/2014/main" val="3362077269"/>
+                  </a:ext>
+                </a:extLst>
+              </a:tr>
+            </a:tbl>
+          </a:graphicData>
+        </a:graphic>
+      </p:graphicFrame>
+      <p:sp>
+        <p:nvSpPr>
+          <p:cNvPr id="17" name="流程图: 合并 16"/>
+          <p:cNvSpPr/>
+          <p:nvPr/>
+        </p:nvSpPr>
+        <p:spPr>
+          <a:xfrm>
+            <a:off x="5294936" y="760772"/>
+            <a:ext cx="380588" cy="176777"/>
+          </a:xfrm>
+          <a:prstGeom prst="flowChartMerge">
+            <a:avLst/>
+          </a:prstGeom>
+          <a:ln>
+            <a:noFill/>
+          </a:ln>
+        </p:spPr>
+        <p:style>
+          <a:lnRef idx="2">
+            <a:schemeClr val="accent1">
+              <a:shade val="50000"/>
+            </a:schemeClr>
+          </a:lnRef>
+          <a:fillRef idx="1">
+            <a:schemeClr val="accent1"/>
+          </a:fillRef>
+          <a:effectRef idx="0">
+            <a:schemeClr val="accent1"/>
+          </a:effectRef>
+          <a:fontRef idx="minor">
+            <a:schemeClr val="lt1"/>
+          </a:fontRef>
+        </p:style>
+        <p:txBody>
+          <a:bodyPr rtlCol="0" anchor="ctr"/>
+          <a:lstStyle/>
+          <a:p>
+            <a:pPr algn="ctr"/>
+            <a:endParaRPr lang="zh-CN" altLang="en-US"/>
+          </a:p>
+        </p:txBody>
+      </p:sp>
+    </p:spTree>
+    <p:extLst>
+      <p:ext uri="{BB962C8B-B14F-4D97-AF65-F5344CB8AC3E}">
+        <p14:creationId xmlns:p14="http://schemas.microsoft.com/office/powerpoint/2010/main" val="2362904434"/>
+      </p:ext>
+    </p:extLst>
+  </p:cSld>
+  <p:clrMapOvr>
+    <a:masterClrMapping/>
+  </p:clrMapOvr>
+  <mc:AlternateContent xmlns:mc="http://schemas.openxmlformats.org/markup-compatibility/2006" xmlns:p14="http://schemas.microsoft.com/office/powerpoint/2010/main">
+    <mc:Choice Requires="p14">
+      <p:transition p14:dur="0"/>
+    </mc:Choice>
+    <mc:Fallback xmlns="">
+      <p:transition/>
+    </mc:Fallback>
+  </mc:AlternateContent>
+  <p:timing>
+    <p:tnLst>
+      <p:par>
+        <p:cTn id="1" dur="indefinite" restart="never" nodeType="tmRoot"/>
+      </p:par>
+    </p:tnLst>
+  </p:timing>
+</p:sld>
+</file>
+
+<file path=ppt/slides/slide24.xml><?xml version="1.0" encoding="utf-8"?>
 <p:sld xmlns:a="http://schemas.openxmlformats.org/drawingml/2006/main" xmlns:r="http://schemas.openxmlformats.org/officeDocument/2006/relationships" xmlns:p="http://schemas.openxmlformats.org/presentationml/2006/main">
   <p:cSld>
     <p:spTree>
@@ -23996,7 +26492,7 @@
                 <a:ea typeface="华文楷体" panose="02010600040101010101" pitchFamily="2" charset="-122"/>
                 <a:cs typeface="Times New Roman" panose="02020603050405020304" pitchFamily="18" charset="0"/>
               </a:rPr>
-              <a:t>5</a:t>
+              <a:t>6</a:t>
             </a:r>
             <a:r>
               <a:rPr lang="zh-CN" altLang="en-US" sz="2000" b="1" dirty="0" smtClean="0">
@@ -28597,2281 +31093,10 @@
   </p:clrMapOvr>
   <mc:AlternateContent xmlns:mc="http://schemas.openxmlformats.org/markup-compatibility/2006" xmlns:p14="http://schemas.microsoft.com/office/powerpoint/2010/main">
     <mc:Choice Requires="p14">
-      <p:transition p14:dur="0" advTm="0"/>
+      <p:transition p14:dur="0"/>
     </mc:Choice>
     <mc:Fallback xmlns="">
-      <p:transition advTm="0"/>
-    </mc:Fallback>
-  </mc:AlternateContent>
-  <p:timing>
-    <p:tnLst>
-      <p:par>
-        <p:cTn id="1" dur="indefinite" restart="never" nodeType="tmRoot"/>
-      </p:par>
-    </p:tnLst>
-  </p:timing>
-</p:sld>
-</file>
-
-<file path=ppt/slides/slide22.xml><?xml version="1.0" encoding="utf-8"?>
-<p:sld xmlns:a="http://schemas.openxmlformats.org/drawingml/2006/main" xmlns:r="http://schemas.openxmlformats.org/officeDocument/2006/relationships" xmlns:p="http://schemas.openxmlformats.org/presentationml/2006/main">
-  <p:cSld>
-    <p:spTree>
-      <p:nvGrpSpPr>
-        <p:cNvPr id="1" name=""/>
-        <p:cNvGrpSpPr/>
-        <p:nvPr/>
-      </p:nvGrpSpPr>
-      <p:grpSpPr>
-        <a:xfrm>
-          <a:off x="0" y="0"/>
-          <a:ext cx="0" cy="0"/>
-          <a:chOff x="0" y="0"/>
-          <a:chExt cx="0" cy="0"/>
-        </a:xfrm>
-      </p:grpSpPr>
-      <p:sp>
-        <p:nvSpPr>
-          <p:cNvPr id="96" name="矩形 95"/>
-          <p:cNvSpPr/>
-          <p:nvPr/>
-        </p:nvSpPr>
-        <p:spPr>
-          <a:xfrm>
-            <a:off x="92596" y="1048409"/>
-            <a:ext cx="9051403" cy="938719"/>
-          </a:xfrm>
-          <a:prstGeom prst="rect">
-            <a:avLst/>
-          </a:prstGeom>
-        </p:spPr>
-        <p:txBody>
-          <a:bodyPr wrap="square">
-            <a:spAutoFit/>
-          </a:bodyPr>
-          <a:lstStyle/>
-          <a:p>
-            <a:pPr>
-              <a:spcBef>
-                <a:spcPts val="1200"/>
-              </a:spcBef>
-              <a:spcAft>
-                <a:spcPts val="1200"/>
-              </a:spcAft>
-              <a:buClr>
-                <a:srgbClr val="071F65"/>
-              </a:buClr>
-            </a:pPr>
-            <a:r>
-              <a:rPr lang="zh-CN" altLang="en-US" sz="2000" b="1" dirty="0">
-                <a:latin typeface="微软雅黑" panose="020B0503020204020204" pitchFamily="34" charset="-122"/>
-                <a:ea typeface="微软雅黑" panose="020B0503020204020204" pitchFamily="34" charset="-122"/>
-                <a:cs typeface="Times New Roman" panose="02020603050405020304" pitchFamily="18" charset="0"/>
-              </a:rPr>
-              <a:t>（三）水稻、两熟小麦、两熟玉米和单一玉米的实证分析</a:t>
-            </a:r>
-            <a:endParaRPr lang="en-US" altLang="zh-CN" sz="2000" b="1" dirty="0">
-              <a:latin typeface="微软雅黑" panose="020B0503020204020204" pitchFamily="34" charset="-122"/>
-              <a:ea typeface="微软雅黑" panose="020B0503020204020204" pitchFamily="34" charset="-122"/>
-              <a:cs typeface="Times New Roman" panose="02020603050405020304" pitchFamily="18" charset="0"/>
-            </a:endParaRPr>
-          </a:p>
-          <a:p>
-            <a:pPr>
-              <a:spcBef>
-                <a:spcPts val="600"/>
-              </a:spcBef>
-              <a:spcAft>
-                <a:spcPts val="600"/>
-              </a:spcAft>
-              <a:buClr>
-                <a:srgbClr val="071F65"/>
-              </a:buClr>
-            </a:pPr>
-            <a:r>
-              <a:rPr lang="zh-CN" altLang="en-US" sz="2000" b="1" dirty="0" smtClean="0">
-                <a:latin typeface="华文楷体" panose="02010600040101010101" pitchFamily="2" charset="-122"/>
-                <a:ea typeface="华文楷体" panose="02010600040101010101" pitchFamily="2" charset="-122"/>
-                <a:cs typeface="Times New Roman" panose="02020603050405020304" pitchFamily="18" charset="0"/>
-              </a:rPr>
-              <a:t>（</a:t>
-            </a:r>
-            <a:r>
-              <a:rPr lang="en-US" altLang="zh-CN" sz="2000" b="1" dirty="0" smtClean="0">
-                <a:latin typeface="华文楷体" panose="02010600040101010101" pitchFamily="2" charset="-122"/>
-                <a:ea typeface="华文楷体" panose="02010600040101010101" pitchFamily="2" charset="-122"/>
-                <a:cs typeface="Times New Roman" panose="02020603050405020304" pitchFamily="18" charset="0"/>
-              </a:rPr>
-              <a:t>6</a:t>
-            </a:r>
-            <a:r>
-              <a:rPr lang="zh-CN" altLang="en-US" sz="2000" b="1" dirty="0" smtClean="0">
-                <a:latin typeface="华文楷体" panose="02010600040101010101" pitchFamily="2" charset="-122"/>
-                <a:ea typeface="华文楷体" panose="02010600040101010101" pitchFamily="2" charset="-122"/>
-                <a:cs typeface="Times New Roman" panose="02020603050405020304" pitchFamily="18" charset="0"/>
-              </a:rPr>
-              <a:t>）规模与生产要素亩均投入的回归分析</a:t>
-            </a:r>
-            <a:endParaRPr lang="en-US" altLang="zh-CN" sz="2000" b="1" dirty="0" smtClean="0">
-              <a:latin typeface="华文楷体" panose="02010600040101010101" pitchFamily="2" charset="-122"/>
-              <a:ea typeface="华文楷体" panose="02010600040101010101" pitchFamily="2" charset="-122"/>
-              <a:cs typeface="Times New Roman" panose="02020603050405020304" pitchFamily="18" charset="0"/>
-            </a:endParaRPr>
-          </a:p>
-        </p:txBody>
-      </p:sp>
-      <p:pic>
-        <p:nvPicPr>
-          <p:cNvPr id="8" name="图片 7"/>
-          <p:cNvPicPr>
-            <a:picLocks noChangeAspect="1"/>
-          </p:cNvPicPr>
-          <p:nvPr/>
-        </p:nvPicPr>
-        <p:blipFill>
-          <a:blip r:embed="rId3"/>
-          <a:stretch>
-            <a:fillRect/>
-          </a:stretch>
-        </p:blipFill>
-        <p:spPr>
-          <a:xfrm>
-            <a:off x="779873" y="4167936"/>
-            <a:ext cx="3810613" cy="2286368"/>
-          </a:xfrm>
-          <a:prstGeom prst="rect">
-            <a:avLst/>
-          </a:prstGeom>
-        </p:spPr>
-      </p:pic>
-      <p:pic>
-        <p:nvPicPr>
-          <p:cNvPr id="9" name="图片 8"/>
-          <p:cNvPicPr>
-            <a:picLocks noChangeAspect="1"/>
-          </p:cNvPicPr>
-          <p:nvPr/>
-        </p:nvPicPr>
-        <p:blipFill>
-          <a:blip r:embed="rId4"/>
-          <a:stretch>
-            <a:fillRect/>
-          </a:stretch>
-        </p:blipFill>
-        <p:spPr>
-          <a:xfrm>
-            <a:off x="4590483" y="1882741"/>
-            <a:ext cx="3810613" cy="2286368"/>
-          </a:xfrm>
-          <a:prstGeom prst="rect">
-            <a:avLst/>
-          </a:prstGeom>
-        </p:spPr>
-      </p:pic>
-      <p:pic>
-        <p:nvPicPr>
-          <p:cNvPr id="12" name="图片 11"/>
-          <p:cNvPicPr>
-            <a:picLocks noChangeAspect="1"/>
-          </p:cNvPicPr>
-          <p:nvPr/>
-        </p:nvPicPr>
-        <p:blipFill>
-          <a:blip r:embed="rId5"/>
-          <a:stretch>
-            <a:fillRect/>
-          </a:stretch>
-        </p:blipFill>
-        <p:spPr>
-          <a:xfrm>
-            <a:off x="779873" y="1882741"/>
-            <a:ext cx="3810613" cy="2286368"/>
-          </a:xfrm>
-          <a:prstGeom prst="rect">
-            <a:avLst/>
-          </a:prstGeom>
-        </p:spPr>
-      </p:pic>
-      <p:pic>
-        <p:nvPicPr>
-          <p:cNvPr id="13" name="图片 12"/>
-          <p:cNvPicPr>
-            <a:picLocks noChangeAspect="1"/>
-          </p:cNvPicPr>
-          <p:nvPr/>
-        </p:nvPicPr>
-        <p:blipFill>
-          <a:blip r:embed="rId6"/>
-          <a:stretch>
-            <a:fillRect/>
-          </a:stretch>
-        </p:blipFill>
-        <p:spPr>
-          <a:xfrm>
-            <a:off x="4590484" y="4167936"/>
-            <a:ext cx="3810613" cy="2286368"/>
-          </a:xfrm>
-          <a:prstGeom prst="rect">
-            <a:avLst/>
-          </a:prstGeom>
-        </p:spPr>
-      </p:pic>
-      <p:sp>
-        <p:nvSpPr>
-          <p:cNvPr id="14" name="文本框 13"/>
-          <p:cNvSpPr txBox="1"/>
-          <p:nvPr/>
-        </p:nvSpPr>
-        <p:spPr>
-          <a:xfrm>
-            <a:off x="3079471" y="6349917"/>
-            <a:ext cx="3416320" cy="452432"/>
-          </a:xfrm>
-          <a:prstGeom prst="rect">
-            <a:avLst/>
-          </a:prstGeom>
-          <a:noFill/>
-        </p:spPr>
-        <p:txBody>
-          <a:bodyPr wrap="none" rtlCol="0">
-            <a:spAutoFit/>
-          </a:bodyPr>
-          <a:lstStyle/>
-          <a:p>
-            <a:pPr>
-              <a:lnSpc>
-                <a:spcPct val="130000"/>
-              </a:lnSpc>
-            </a:pPr>
-            <a:r>
-              <a:rPr lang="zh-CN" altLang="en-US" sz="1800" b="1" dirty="0" smtClean="0">
-                <a:latin typeface="华文楷体" panose="02010600040101010101" pitchFamily="2" charset="-122"/>
-                <a:ea typeface="华文楷体" panose="02010600040101010101" pitchFamily="2" charset="-122"/>
-              </a:rPr>
-              <a:t>不同种植制度粮食</a:t>
-            </a:r>
-            <a:r>
-              <a:rPr lang="zh-CN" altLang="en-US" sz="1800" b="1" dirty="0" smtClean="0">
-                <a:solidFill>
-                  <a:srgbClr val="FF0000"/>
-                </a:solidFill>
-                <a:latin typeface="华文楷体" panose="02010600040101010101" pitchFamily="2" charset="-122"/>
-                <a:ea typeface="华文楷体" panose="02010600040101010101" pitchFamily="2" charset="-122"/>
-              </a:rPr>
-              <a:t>亩均劳动</a:t>
-            </a:r>
-            <a:r>
-              <a:rPr lang="zh-CN" altLang="en-US" sz="1800" b="1" dirty="0" smtClean="0">
-                <a:latin typeface="华文楷体" panose="02010600040101010101" pitchFamily="2" charset="-122"/>
-                <a:ea typeface="华文楷体" panose="02010600040101010101" pitchFamily="2" charset="-122"/>
-              </a:rPr>
-              <a:t>投入</a:t>
-            </a:r>
-          </a:p>
-        </p:txBody>
-      </p:sp>
-      <p:sp>
-        <p:nvSpPr>
-          <p:cNvPr id="2" name="灯片编号占位符 1"/>
-          <p:cNvSpPr>
-            <a:spLocks noGrp="1"/>
-          </p:cNvSpPr>
-          <p:nvPr>
-            <p:ph type="sldNum" sz="quarter" idx="4"/>
-          </p:nvPr>
-        </p:nvSpPr>
-        <p:spPr/>
-        <p:txBody>
-          <a:bodyPr/>
-          <a:lstStyle/>
-          <a:p>
-            <a:r>
-              <a:rPr lang="en-US" altLang="zh-CN" dirty="0" smtClean="0"/>
-              <a:t>11</a:t>
-            </a:r>
-            <a:endParaRPr lang="zh-CN" altLang="en-US" dirty="0"/>
-          </a:p>
-        </p:txBody>
-      </p:sp>
-      <p:sp>
-        <p:nvSpPr>
-          <p:cNvPr id="15" name="矩形 14"/>
-          <p:cNvSpPr/>
-          <p:nvPr/>
-        </p:nvSpPr>
-        <p:spPr>
-          <a:xfrm>
-            <a:off x="0" y="0"/>
-            <a:ext cx="9144000" cy="772347"/>
-          </a:xfrm>
-          <a:prstGeom prst="rect">
-            <a:avLst/>
-          </a:prstGeom>
-          <a:solidFill>
-            <a:srgbClr val="071F65"/>
-          </a:solidFill>
-          <a:ln w="5" cap="flat">
-            <a:solidFill>
-              <a:srgbClr val="24211D"/>
-            </a:solidFill>
-            <a:prstDash val="solid"/>
-            <a:miter lim="800000"/>
-            <a:headEnd/>
-            <a:tailEnd/>
-          </a:ln>
-        </p:spPr>
-        <p:txBody>
-          <a:bodyPr vert="horz" wrap="square" lIns="91440" tIns="45720" rIns="91440" bIns="45720" numCol="1" anchor="t" anchorCtr="0" compatLnSpc="1">
-            <a:prstTxWarp prst="textNoShape">
-              <a:avLst/>
-            </a:prstTxWarp>
-          </a:bodyPr>
-          <a:lstStyle/>
-          <a:p>
-            <a:endParaRPr lang="zh-CN" altLang="en-US">
-              <a:solidFill>
-                <a:schemeClr val="tx1"/>
-              </a:solidFill>
-            </a:endParaRPr>
-          </a:p>
-        </p:txBody>
-      </p:sp>
-      <p:graphicFrame>
-        <p:nvGraphicFramePr>
-          <p:cNvPr id="16" name="表格 15"/>
-          <p:cNvGraphicFramePr>
-            <a:graphicFrameLocks noGrp="1"/>
-          </p:cNvGraphicFramePr>
-          <p:nvPr>
-            <p:extLst>
-              <p:ext uri="{D42A27DB-BD31-4B8C-83A1-F6EECF244321}">
-                <p14:modId xmlns:p14="http://schemas.microsoft.com/office/powerpoint/2010/main" val="399365204"/>
-              </p:ext>
-            </p:extLst>
-          </p:nvPr>
-        </p:nvGraphicFramePr>
-        <p:xfrm>
-          <a:off x="0" y="199598"/>
-          <a:ext cx="9144000" cy="458243"/>
-        </p:xfrm>
-        <a:graphic>
-          <a:graphicData uri="http://schemas.openxmlformats.org/drawingml/2006/table">
-            <a:tbl>
-              <a:tblPr firstRow="1" bandRow="1">
-                <a:tableStyleId>{5C22544A-7EE6-4342-B048-85BDC9FD1C3A}</a:tableStyleId>
-              </a:tblPr>
-              <a:tblGrid>
-                <a:gridCol w="1331089">
-                  <a:extLst>
-                    <a:ext uri="{9D8B030D-6E8A-4147-A177-3AD203B41FA5}">
-                      <a16:colId xmlns:a16="http://schemas.microsoft.com/office/drawing/2014/main" val="2316111577"/>
-                    </a:ext>
-                  </a:extLst>
-                </a:gridCol>
-                <a:gridCol w="1099595">
-                  <a:extLst>
-                    <a:ext uri="{9D8B030D-6E8A-4147-A177-3AD203B41FA5}">
-                      <a16:colId xmlns:a16="http://schemas.microsoft.com/office/drawing/2014/main" val="204147406"/>
-                    </a:ext>
-                  </a:extLst>
-                </a:gridCol>
-                <a:gridCol w="2152891">
-                  <a:extLst>
-                    <a:ext uri="{9D8B030D-6E8A-4147-A177-3AD203B41FA5}">
-                      <a16:colId xmlns:a16="http://schemas.microsoft.com/office/drawing/2014/main" val="2603586595"/>
-                    </a:ext>
-                  </a:extLst>
-                </a:gridCol>
-                <a:gridCol w="1898248">
-                  <a:extLst>
-                    <a:ext uri="{9D8B030D-6E8A-4147-A177-3AD203B41FA5}">
-                      <a16:colId xmlns:a16="http://schemas.microsoft.com/office/drawing/2014/main" val="2745346112"/>
-                    </a:ext>
-                  </a:extLst>
-                </a:gridCol>
-                <a:gridCol w="1342663">
-                  <a:extLst>
-                    <a:ext uri="{9D8B030D-6E8A-4147-A177-3AD203B41FA5}">
-                      <a16:colId xmlns:a16="http://schemas.microsoft.com/office/drawing/2014/main" val="2906165216"/>
-                    </a:ext>
-                  </a:extLst>
-                </a:gridCol>
-                <a:gridCol w="1319514">
-                  <a:extLst>
-                    <a:ext uri="{9D8B030D-6E8A-4147-A177-3AD203B41FA5}">
-                      <a16:colId xmlns:a16="http://schemas.microsoft.com/office/drawing/2014/main" val="2785191733"/>
-                    </a:ext>
-                  </a:extLst>
-                </a:gridCol>
-              </a:tblGrid>
-              <a:tr h="458243">
-                <a:tc>
-                  <a:txBody>
-                    <a:bodyPr/>
-                    <a:lstStyle/>
-                    <a:p>
-                      <a:pPr algn="ctr"/>
-                      <a:r>
-                        <a:rPr lang="zh-CN" altLang="en-US" sz="1700" dirty="0" smtClean="0">
-                          <a:solidFill>
-                            <a:schemeClr val="bg1">
-                              <a:lumMod val="75000"/>
-                            </a:schemeClr>
-                          </a:solidFill>
-                        </a:rPr>
-                        <a:t>问题的提出</a:t>
-                      </a:r>
-                      <a:endParaRPr lang="zh-CN" altLang="en-US" sz="1700" dirty="0">
-                        <a:solidFill>
-                          <a:schemeClr val="bg1">
-                            <a:lumMod val="75000"/>
-                          </a:schemeClr>
-                        </a:solidFill>
-                      </a:endParaRPr>
-                    </a:p>
-                  </a:txBody>
-                  <a:tcPr anchor="ctr">
-                    <a:lnL w="12700" cmpd="sng">
-                      <a:noFill/>
-                    </a:lnL>
-                    <a:lnR w="12700" cmpd="sng">
-                      <a:noFill/>
-                    </a:lnR>
-                    <a:lnT w="12700" cmpd="sng">
-                      <a:noFill/>
-                    </a:lnT>
-                    <a:lnB w="38100" cmpd="sng">
-                      <a:noFill/>
-                    </a:lnB>
-                    <a:lnTlToBr w="12700" cmpd="sng">
-                      <a:noFill/>
-                      <a:prstDash val="solid"/>
-                    </a:lnTlToBr>
-                    <a:lnBlToTr w="12700" cmpd="sng">
-                      <a:noFill/>
-                      <a:prstDash val="solid"/>
-                    </a:lnBlToTr>
-                  </a:tcPr>
-                </a:tc>
-                <a:tc>
-                  <a:txBody>
-                    <a:bodyPr/>
-                    <a:lstStyle/>
-                    <a:p>
-                      <a:pPr algn="ctr"/>
-                      <a:r>
-                        <a:rPr lang="zh-CN" altLang="en-US" sz="1700" dirty="0" smtClean="0">
-                          <a:solidFill>
-                            <a:schemeClr val="bg1">
-                              <a:lumMod val="75000"/>
-                            </a:schemeClr>
-                          </a:solidFill>
-                        </a:rPr>
-                        <a:t>文献评述</a:t>
-                      </a:r>
-                      <a:endParaRPr lang="zh-CN" altLang="en-US" sz="1700" dirty="0">
-                        <a:solidFill>
-                          <a:schemeClr val="bg1">
-                            <a:lumMod val="75000"/>
-                          </a:schemeClr>
-                        </a:solidFill>
-                      </a:endParaRPr>
-                    </a:p>
-                  </a:txBody>
-                  <a:tcPr anchor="ctr">
-                    <a:lnL w="12700" cmpd="sng">
-                      <a:noFill/>
-                    </a:lnL>
-                    <a:lnR w="12700" cmpd="sng">
-                      <a:noFill/>
-                    </a:lnR>
-                    <a:lnT w="12700" cmpd="sng">
-                      <a:noFill/>
-                    </a:lnT>
-                    <a:lnB w="38100" cmpd="sng">
-                      <a:noFill/>
-                    </a:lnB>
-                    <a:lnTlToBr w="12700" cmpd="sng">
-                      <a:noFill/>
-                      <a:prstDash val="solid"/>
-                    </a:lnTlToBr>
-                    <a:lnBlToTr w="12700" cmpd="sng">
-                      <a:noFill/>
-                      <a:prstDash val="solid"/>
-                    </a:lnBlToTr>
-                  </a:tcPr>
-                </a:tc>
-                <a:tc>
-                  <a:txBody>
-                    <a:bodyPr/>
-                    <a:lstStyle/>
-                    <a:p>
-                      <a:pPr algn="ctr"/>
-                      <a:r>
-                        <a:rPr lang="zh-CN" altLang="en-US" sz="1700" dirty="0" smtClean="0">
-                          <a:solidFill>
-                            <a:schemeClr val="bg1">
-                              <a:lumMod val="75000"/>
-                            </a:schemeClr>
-                          </a:solidFill>
-                        </a:rPr>
-                        <a:t>研究目标与技术路线</a:t>
-                      </a:r>
-                      <a:endParaRPr lang="zh-CN" altLang="en-US" sz="1700" dirty="0">
-                        <a:solidFill>
-                          <a:schemeClr val="bg1">
-                            <a:lumMod val="75000"/>
-                          </a:schemeClr>
-                        </a:solidFill>
-                      </a:endParaRPr>
-                    </a:p>
-                  </a:txBody>
-                  <a:tcPr anchor="ctr">
-                    <a:lnL w="12700" cmpd="sng">
-                      <a:noFill/>
-                    </a:lnL>
-                    <a:lnR w="12700" cmpd="sng">
-                      <a:noFill/>
-                    </a:lnR>
-                    <a:lnT w="12700" cmpd="sng">
-                      <a:noFill/>
-                    </a:lnT>
-                    <a:lnB w="38100" cmpd="sng">
-                      <a:noFill/>
-                    </a:lnB>
-                    <a:lnTlToBr w="12700" cmpd="sng">
-                      <a:noFill/>
-                      <a:prstDash val="solid"/>
-                    </a:lnTlToBr>
-                    <a:lnBlToTr w="12700" cmpd="sng">
-                      <a:noFill/>
-                      <a:prstDash val="solid"/>
-                    </a:lnBlToTr>
-                  </a:tcPr>
-                </a:tc>
-                <a:tc>
-                  <a:txBody>
-                    <a:bodyPr/>
-                    <a:lstStyle/>
-                    <a:p>
-                      <a:pPr algn="ctr"/>
-                      <a:r>
-                        <a:rPr lang="zh-CN" altLang="en-US" sz="1800" dirty="0" smtClean="0">
-                          <a:solidFill>
-                            <a:schemeClr val="bg1"/>
-                          </a:solidFill>
-                        </a:rPr>
-                        <a:t>研究内容与结果</a:t>
-                      </a:r>
-                      <a:endParaRPr lang="zh-CN" altLang="en-US" sz="1800" dirty="0">
-                        <a:solidFill>
-                          <a:schemeClr val="bg1"/>
-                        </a:solidFill>
-                      </a:endParaRPr>
-                    </a:p>
-                  </a:txBody>
-                  <a:tcPr anchor="ctr">
-                    <a:lnL w="12700" cmpd="sng">
-                      <a:noFill/>
-                    </a:lnL>
-                    <a:lnR w="12700" cmpd="sng">
-                      <a:noFill/>
-                    </a:lnR>
-                    <a:lnT w="12700" cmpd="sng">
-                      <a:noFill/>
-                    </a:lnT>
-                    <a:lnB w="38100" cmpd="sng">
-                      <a:noFill/>
-                    </a:lnB>
-                    <a:lnTlToBr w="12700" cmpd="sng">
-                      <a:noFill/>
-                      <a:prstDash val="solid"/>
-                    </a:lnTlToBr>
-                    <a:lnBlToTr w="12700" cmpd="sng">
-                      <a:noFill/>
-                      <a:prstDash val="solid"/>
-                    </a:lnBlToTr>
-                  </a:tcPr>
-                </a:tc>
-                <a:tc>
-                  <a:txBody>
-                    <a:bodyPr/>
-                    <a:lstStyle/>
-                    <a:p>
-                      <a:pPr algn="ctr"/>
-                      <a:r>
-                        <a:rPr lang="zh-CN" altLang="en-US" sz="1700" dirty="0" smtClean="0">
-                          <a:solidFill>
-                            <a:schemeClr val="bg1">
-                              <a:lumMod val="75000"/>
-                            </a:schemeClr>
-                          </a:solidFill>
-                        </a:rPr>
-                        <a:t>结论与建议</a:t>
-                      </a:r>
-                      <a:endParaRPr lang="zh-CN" altLang="en-US" sz="1700" dirty="0">
-                        <a:solidFill>
-                          <a:schemeClr val="bg1">
-                            <a:lumMod val="75000"/>
-                          </a:schemeClr>
-                        </a:solidFill>
-                      </a:endParaRPr>
-                    </a:p>
-                  </a:txBody>
-                  <a:tcPr anchor="ctr">
-                    <a:lnL w="12700" cmpd="sng">
-                      <a:noFill/>
-                    </a:lnL>
-                    <a:lnR w="12700" cmpd="sng">
-                      <a:noFill/>
-                    </a:lnR>
-                    <a:lnT w="12700" cmpd="sng">
-                      <a:noFill/>
-                    </a:lnT>
-                    <a:lnB w="38100" cmpd="sng">
-                      <a:noFill/>
-                    </a:lnB>
-                    <a:lnTlToBr w="12700" cmpd="sng">
-                      <a:noFill/>
-                      <a:prstDash val="solid"/>
-                    </a:lnTlToBr>
-                    <a:lnBlToTr w="12700" cmpd="sng">
-                      <a:noFill/>
-                      <a:prstDash val="solid"/>
-                    </a:lnBlToTr>
-                  </a:tcPr>
-                </a:tc>
-                <a:tc>
-                  <a:txBody>
-                    <a:bodyPr/>
-                    <a:lstStyle/>
-                    <a:p>
-                      <a:pPr algn="ctr"/>
-                      <a:r>
-                        <a:rPr lang="zh-CN" altLang="en-US" sz="1700" dirty="0" smtClean="0">
-                          <a:solidFill>
-                            <a:schemeClr val="bg1">
-                              <a:lumMod val="75000"/>
-                            </a:schemeClr>
-                          </a:solidFill>
-                        </a:rPr>
-                        <a:t>可能的不足</a:t>
-                      </a:r>
-                      <a:endParaRPr lang="zh-CN" altLang="en-US" sz="1700" dirty="0">
-                        <a:solidFill>
-                          <a:schemeClr val="bg1">
-                            <a:lumMod val="75000"/>
-                          </a:schemeClr>
-                        </a:solidFill>
-                      </a:endParaRPr>
-                    </a:p>
-                  </a:txBody>
-                  <a:tcPr anchor="ctr">
-                    <a:lnL w="12700" cmpd="sng">
-                      <a:noFill/>
-                    </a:lnL>
-                    <a:lnR w="12700" cmpd="sng">
-                      <a:noFill/>
-                    </a:lnR>
-                    <a:lnT w="12700" cmpd="sng">
-                      <a:noFill/>
-                    </a:lnT>
-                    <a:lnB w="38100" cmpd="sng">
-                      <a:noFill/>
-                    </a:lnB>
-                    <a:lnTlToBr w="12700" cmpd="sng">
-                      <a:noFill/>
-                      <a:prstDash val="solid"/>
-                    </a:lnTlToBr>
-                    <a:lnBlToTr w="12700" cmpd="sng">
-                      <a:noFill/>
-                      <a:prstDash val="solid"/>
-                    </a:lnBlToTr>
-                  </a:tcPr>
-                </a:tc>
-                <a:extLst>
-                  <a:ext uri="{0D108BD9-81ED-4DB2-BD59-A6C34878D82A}">
-                    <a16:rowId xmlns:a16="http://schemas.microsoft.com/office/drawing/2014/main" val="3362077269"/>
-                  </a:ext>
-                </a:extLst>
-              </a:tr>
-            </a:tbl>
-          </a:graphicData>
-        </a:graphic>
-      </p:graphicFrame>
-      <p:sp>
-        <p:nvSpPr>
-          <p:cNvPr id="17" name="流程图: 合并 16"/>
-          <p:cNvSpPr/>
-          <p:nvPr/>
-        </p:nvSpPr>
-        <p:spPr>
-          <a:xfrm>
-            <a:off x="5294936" y="760772"/>
-            <a:ext cx="380588" cy="176777"/>
-          </a:xfrm>
-          <a:prstGeom prst="flowChartMerge">
-            <a:avLst/>
-          </a:prstGeom>
-          <a:ln>
-            <a:noFill/>
-          </a:ln>
-        </p:spPr>
-        <p:style>
-          <a:lnRef idx="2">
-            <a:schemeClr val="accent1">
-              <a:shade val="50000"/>
-            </a:schemeClr>
-          </a:lnRef>
-          <a:fillRef idx="1">
-            <a:schemeClr val="accent1"/>
-          </a:fillRef>
-          <a:effectRef idx="0">
-            <a:schemeClr val="accent1"/>
-          </a:effectRef>
-          <a:fontRef idx="minor">
-            <a:schemeClr val="lt1"/>
-          </a:fontRef>
-        </p:style>
-        <p:txBody>
-          <a:bodyPr rtlCol="0" anchor="ctr"/>
-          <a:lstStyle/>
-          <a:p>
-            <a:pPr algn="ctr"/>
-            <a:endParaRPr lang="zh-CN" altLang="en-US"/>
-          </a:p>
-        </p:txBody>
-      </p:sp>
-    </p:spTree>
-    <p:extLst>
-      <p:ext uri="{BB962C8B-B14F-4D97-AF65-F5344CB8AC3E}">
-        <p14:creationId xmlns:p14="http://schemas.microsoft.com/office/powerpoint/2010/main" val="2597668542"/>
-      </p:ext>
-    </p:extLst>
-  </p:cSld>
-  <p:clrMapOvr>
-    <a:masterClrMapping/>
-  </p:clrMapOvr>
-  <mc:AlternateContent xmlns:mc="http://schemas.openxmlformats.org/markup-compatibility/2006" xmlns:p14="http://schemas.microsoft.com/office/powerpoint/2010/main">
-    <mc:Choice Requires="p14">
-      <p:transition p14:dur="0" advTm="0"/>
-    </mc:Choice>
-    <mc:Fallback xmlns="">
-      <p:transition advTm="0"/>
-    </mc:Fallback>
-  </mc:AlternateContent>
-  <p:timing>
-    <p:tnLst>
-      <p:par>
-        <p:cTn id="1" dur="indefinite" restart="never" nodeType="tmRoot"/>
-      </p:par>
-    </p:tnLst>
-  </p:timing>
-</p:sld>
-</file>
-
-<file path=ppt/slides/slide23.xml><?xml version="1.0" encoding="utf-8"?>
-<p:sld xmlns:a="http://schemas.openxmlformats.org/drawingml/2006/main" xmlns:r="http://schemas.openxmlformats.org/officeDocument/2006/relationships" xmlns:p="http://schemas.openxmlformats.org/presentationml/2006/main">
-  <p:cSld>
-    <p:spTree>
-      <p:nvGrpSpPr>
-        <p:cNvPr id="1" name=""/>
-        <p:cNvGrpSpPr/>
-        <p:nvPr/>
-      </p:nvGrpSpPr>
-      <p:grpSpPr>
-        <a:xfrm>
-          <a:off x="0" y="0"/>
-          <a:ext cx="0" cy="0"/>
-          <a:chOff x="0" y="0"/>
-          <a:chExt cx="0" cy="0"/>
-        </a:xfrm>
-      </p:grpSpPr>
-      <p:sp>
-        <p:nvSpPr>
-          <p:cNvPr id="96" name="矩形 95"/>
-          <p:cNvSpPr/>
-          <p:nvPr/>
-        </p:nvSpPr>
-        <p:spPr>
-          <a:xfrm>
-            <a:off x="92596" y="1048409"/>
-            <a:ext cx="9051403" cy="938719"/>
-          </a:xfrm>
-          <a:prstGeom prst="rect">
-            <a:avLst/>
-          </a:prstGeom>
-        </p:spPr>
-        <p:txBody>
-          <a:bodyPr wrap="square">
-            <a:spAutoFit/>
-          </a:bodyPr>
-          <a:lstStyle/>
-          <a:p>
-            <a:pPr>
-              <a:spcBef>
-                <a:spcPts val="1200"/>
-              </a:spcBef>
-              <a:spcAft>
-                <a:spcPts val="1200"/>
-              </a:spcAft>
-              <a:buClr>
-                <a:srgbClr val="071F65"/>
-              </a:buClr>
-            </a:pPr>
-            <a:r>
-              <a:rPr lang="zh-CN" altLang="en-US" sz="2000" b="1" dirty="0">
-                <a:latin typeface="微软雅黑" panose="020B0503020204020204" pitchFamily="34" charset="-122"/>
-                <a:ea typeface="微软雅黑" panose="020B0503020204020204" pitchFamily="34" charset="-122"/>
-                <a:cs typeface="Times New Roman" panose="02020603050405020304" pitchFamily="18" charset="0"/>
-              </a:rPr>
-              <a:t>（三）水稻、两熟小麦、两熟玉米和单一玉米的实证分析</a:t>
-            </a:r>
-            <a:endParaRPr lang="en-US" altLang="zh-CN" sz="2000" b="1" dirty="0">
-              <a:latin typeface="微软雅黑" panose="020B0503020204020204" pitchFamily="34" charset="-122"/>
-              <a:ea typeface="微软雅黑" panose="020B0503020204020204" pitchFamily="34" charset="-122"/>
-              <a:cs typeface="Times New Roman" panose="02020603050405020304" pitchFamily="18" charset="0"/>
-            </a:endParaRPr>
-          </a:p>
-          <a:p>
-            <a:pPr>
-              <a:spcBef>
-                <a:spcPts val="600"/>
-              </a:spcBef>
-              <a:spcAft>
-                <a:spcPts val="600"/>
-              </a:spcAft>
-              <a:buClr>
-                <a:srgbClr val="071F65"/>
-              </a:buClr>
-            </a:pPr>
-            <a:r>
-              <a:rPr lang="zh-CN" altLang="en-US" sz="2000" b="1" dirty="0" smtClean="0">
-                <a:latin typeface="华文楷体" panose="02010600040101010101" pitchFamily="2" charset="-122"/>
-                <a:ea typeface="华文楷体" panose="02010600040101010101" pitchFamily="2" charset="-122"/>
-                <a:cs typeface="Times New Roman" panose="02020603050405020304" pitchFamily="18" charset="0"/>
-              </a:rPr>
-              <a:t>（</a:t>
-            </a:r>
-            <a:r>
-              <a:rPr lang="en-US" altLang="zh-CN" sz="2000" b="1" dirty="0" smtClean="0">
-                <a:latin typeface="华文楷体" panose="02010600040101010101" pitchFamily="2" charset="-122"/>
-                <a:ea typeface="华文楷体" panose="02010600040101010101" pitchFamily="2" charset="-122"/>
-                <a:cs typeface="Times New Roman" panose="02020603050405020304" pitchFamily="18" charset="0"/>
-              </a:rPr>
-              <a:t>6</a:t>
-            </a:r>
-            <a:r>
-              <a:rPr lang="zh-CN" altLang="en-US" sz="2000" b="1" dirty="0" smtClean="0">
-                <a:latin typeface="华文楷体" panose="02010600040101010101" pitchFamily="2" charset="-122"/>
-                <a:ea typeface="华文楷体" panose="02010600040101010101" pitchFamily="2" charset="-122"/>
-                <a:cs typeface="Times New Roman" panose="02020603050405020304" pitchFamily="18" charset="0"/>
-              </a:rPr>
-              <a:t>）规模与生产要素亩均投入的回归分析</a:t>
-            </a:r>
-            <a:endParaRPr lang="en-US" altLang="zh-CN" sz="2000" b="1" dirty="0" smtClean="0">
-              <a:latin typeface="华文楷体" panose="02010600040101010101" pitchFamily="2" charset="-122"/>
-              <a:ea typeface="华文楷体" panose="02010600040101010101" pitchFamily="2" charset="-122"/>
-              <a:cs typeface="Times New Roman" panose="02020603050405020304" pitchFamily="18" charset="0"/>
-            </a:endParaRPr>
-          </a:p>
-        </p:txBody>
-      </p:sp>
-      <p:sp>
-        <p:nvSpPr>
-          <p:cNvPr id="14" name="文本框 13"/>
-          <p:cNvSpPr txBox="1"/>
-          <p:nvPr/>
-        </p:nvSpPr>
-        <p:spPr>
-          <a:xfrm>
-            <a:off x="3079471" y="6349917"/>
-            <a:ext cx="3416320" cy="426720"/>
-          </a:xfrm>
-          <a:prstGeom prst="rect">
-            <a:avLst/>
-          </a:prstGeom>
-          <a:noFill/>
-        </p:spPr>
-        <p:txBody>
-          <a:bodyPr wrap="none" rtlCol="0">
-            <a:spAutoFit/>
-          </a:bodyPr>
-          <a:lstStyle/>
-          <a:p>
-            <a:pPr>
-              <a:lnSpc>
-                <a:spcPct val="130000"/>
-              </a:lnSpc>
-            </a:pPr>
-            <a:r>
-              <a:rPr lang="zh-CN" altLang="en-US" sz="1800" b="1" dirty="0" smtClean="0">
-                <a:latin typeface="华文楷体" panose="02010600040101010101" pitchFamily="2" charset="-122"/>
-                <a:ea typeface="华文楷体" panose="02010600040101010101" pitchFamily="2" charset="-122"/>
-              </a:rPr>
-              <a:t>不同种植制度粮食</a:t>
-            </a:r>
-            <a:r>
-              <a:rPr lang="zh-CN" altLang="en-US" sz="1800" b="1" dirty="0" smtClean="0">
-                <a:solidFill>
-                  <a:srgbClr val="FF0000"/>
-                </a:solidFill>
-                <a:latin typeface="华文楷体" panose="02010600040101010101" pitchFamily="2" charset="-122"/>
-                <a:ea typeface="华文楷体" panose="02010600040101010101" pitchFamily="2" charset="-122"/>
-              </a:rPr>
-              <a:t>亩均化肥</a:t>
-            </a:r>
-            <a:r>
-              <a:rPr lang="zh-CN" altLang="en-US" sz="1800" b="1" dirty="0" smtClean="0">
-                <a:latin typeface="华文楷体" panose="02010600040101010101" pitchFamily="2" charset="-122"/>
-                <a:ea typeface="华文楷体" panose="02010600040101010101" pitchFamily="2" charset="-122"/>
-              </a:rPr>
-              <a:t>投入</a:t>
-            </a:r>
-          </a:p>
-        </p:txBody>
-      </p:sp>
-      <p:pic>
-        <p:nvPicPr>
-          <p:cNvPr id="15" name="图片 14"/>
-          <p:cNvPicPr>
-            <a:picLocks noChangeAspect="1"/>
-          </p:cNvPicPr>
-          <p:nvPr/>
-        </p:nvPicPr>
-        <p:blipFill>
-          <a:blip r:embed="rId3"/>
-          <a:stretch>
-            <a:fillRect/>
-          </a:stretch>
-        </p:blipFill>
-        <p:spPr>
-          <a:xfrm>
-            <a:off x="910360" y="1915487"/>
-            <a:ext cx="3755060" cy="2253036"/>
-          </a:xfrm>
-          <a:prstGeom prst="rect">
-            <a:avLst/>
-          </a:prstGeom>
-        </p:spPr>
-      </p:pic>
-      <p:pic>
-        <p:nvPicPr>
-          <p:cNvPr id="16" name="图片 15"/>
-          <p:cNvPicPr>
-            <a:picLocks noChangeAspect="1"/>
-          </p:cNvPicPr>
-          <p:nvPr/>
-        </p:nvPicPr>
-        <p:blipFill>
-          <a:blip r:embed="rId4"/>
-          <a:stretch>
-            <a:fillRect/>
-          </a:stretch>
-        </p:blipFill>
-        <p:spPr>
-          <a:xfrm>
-            <a:off x="4665420" y="1915486"/>
-            <a:ext cx="3755060" cy="2253036"/>
-          </a:xfrm>
-          <a:prstGeom prst="rect">
-            <a:avLst/>
-          </a:prstGeom>
-        </p:spPr>
-      </p:pic>
-      <p:pic>
-        <p:nvPicPr>
-          <p:cNvPr id="17" name="图片 16"/>
-          <p:cNvPicPr>
-            <a:picLocks noChangeAspect="1"/>
-          </p:cNvPicPr>
-          <p:nvPr/>
-        </p:nvPicPr>
-        <p:blipFill>
-          <a:blip r:embed="rId5"/>
-          <a:stretch>
-            <a:fillRect/>
-          </a:stretch>
-        </p:blipFill>
-        <p:spPr>
-          <a:xfrm>
-            <a:off x="910360" y="4168523"/>
-            <a:ext cx="3755060" cy="2253036"/>
-          </a:xfrm>
-          <a:prstGeom prst="rect">
-            <a:avLst/>
-          </a:prstGeom>
-        </p:spPr>
-      </p:pic>
-      <p:pic>
-        <p:nvPicPr>
-          <p:cNvPr id="18" name="图片 17"/>
-          <p:cNvPicPr>
-            <a:picLocks noChangeAspect="1"/>
-          </p:cNvPicPr>
-          <p:nvPr/>
-        </p:nvPicPr>
-        <p:blipFill>
-          <a:blip r:embed="rId6"/>
-          <a:stretch>
-            <a:fillRect/>
-          </a:stretch>
-        </p:blipFill>
-        <p:spPr>
-          <a:xfrm>
-            <a:off x="4665420" y="4168523"/>
-            <a:ext cx="3755060" cy="2253036"/>
-          </a:xfrm>
-          <a:prstGeom prst="rect">
-            <a:avLst/>
-          </a:prstGeom>
-        </p:spPr>
-      </p:pic>
-      <p:sp>
-        <p:nvSpPr>
-          <p:cNvPr id="2" name="灯片编号占位符 1"/>
-          <p:cNvSpPr>
-            <a:spLocks noGrp="1"/>
-          </p:cNvSpPr>
-          <p:nvPr>
-            <p:ph type="sldNum" sz="quarter" idx="4"/>
-          </p:nvPr>
-        </p:nvSpPr>
-        <p:spPr/>
-        <p:txBody>
-          <a:bodyPr/>
-          <a:lstStyle/>
-          <a:p>
-            <a:r>
-              <a:rPr lang="en-US" altLang="zh-CN" dirty="0" smtClean="0"/>
-              <a:t>15/21</a:t>
-            </a:r>
-            <a:endParaRPr lang="zh-CN" altLang="en-US" dirty="0"/>
-          </a:p>
-        </p:txBody>
-      </p:sp>
-      <p:sp>
-        <p:nvSpPr>
-          <p:cNvPr id="12" name="矩形 11"/>
-          <p:cNvSpPr/>
-          <p:nvPr/>
-        </p:nvSpPr>
-        <p:spPr>
-          <a:xfrm>
-            <a:off x="0" y="0"/>
-            <a:ext cx="9144000" cy="772347"/>
-          </a:xfrm>
-          <a:prstGeom prst="rect">
-            <a:avLst/>
-          </a:prstGeom>
-          <a:solidFill>
-            <a:srgbClr val="071F65"/>
-          </a:solidFill>
-          <a:ln w="5" cap="flat">
-            <a:solidFill>
-              <a:srgbClr val="24211D"/>
-            </a:solidFill>
-            <a:prstDash val="solid"/>
-            <a:miter lim="800000"/>
-            <a:headEnd/>
-            <a:tailEnd/>
-          </a:ln>
-        </p:spPr>
-        <p:txBody>
-          <a:bodyPr vert="horz" wrap="square" lIns="91440" tIns="45720" rIns="91440" bIns="45720" numCol="1" anchor="t" anchorCtr="0" compatLnSpc="1">
-            <a:prstTxWarp prst="textNoShape">
-              <a:avLst/>
-            </a:prstTxWarp>
-          </a:bodyPr>
-          <a:lstStyle/>
-          <a:p>
-            <a:endParaRPr lang="zh-CN" altLang="en-US">
-              <a:solidFill>
-                <a:schemeClr val="tx1"/>
-              </a:solidFill>
-            </a:endParaRPr>
-          </a:p>
-        </p:txBody>
-      </p:sp>
-      <p:graphicFrame>
-        <p:nvGraphicFramePr>
-          <p:cNvPr id="13" name="表格 12"/>
-          <p:cNvGraphicFramePr>
-            <a:graphicFrameLocks noGrp="1"/>
-          </p:cNvGraphicFramePr>
-          <p:nvPr>
-            <p:extLst>
-              <p:ext uri="{D42A27DB-BD31-4B8C-83A1-F6EECF244321}">
-                <p14:modId xmlns:p14="http://schemas.microsoft.com/office/powerpoint/2010/main" val="399365204"/>
-              </p:ext>
-            </p:extLst>
-          </p:nvPr>
-        </p:nvGraphicFramePr>
-        <p:xfrm>
-          <a:off x="0" y="199598"/>
-          <a:ext cx="9144000" cy="458243"/>
-        </p:xfrm>
-        <a:graphic>
-          <a:graphicData uri="http://schemas.openxmlformats.org/drawingml/2006/table">
-            <a:tbl>
-              <a:tblPr firstRow="1" bandRow="1">
-                <a:tableStyleId>{5C22544A-7EE6-4342-B048-85BDC9FD1C3A}</a:tableStyleId>
-              </a:tblPr>
-              <a:tblGrid>
-                <a:gridCol w="1331089">
-                  <a:extLst>
-                    <a:ext uri="{9D8B030D-6E8A-4147-A177-3AD203B41FA5}">
-                      <a16:colId xmlns:a16="http://schemas.microsoft.com/office/drawing/2014/main" val="2316111577"/>
-                    </a:ext>
-                  </a:extLst>
-                </a:gridCol>
-                <a:gridCol w="1099595">
-                  <a:extLst>
-                    <a:ext uri="{9D8B030D-6E8A-4147-A177-3AD203B41FA5}">
-                      <a16:colId xmlns:a16="http://schemas.microsoft.com/office/drawing/2014/main" val="204147406"/>
-                    </a:ext>
-                  </a:extLst>
-                </a:gridCol>
-                <a:gridCol w="2152891">
-                  <a:extLst>
-                    <a:ext uri="{9D8B030D-6E8A-4147-A177-3AD203B41FA5}">
-                      <a16:colId xmlns:a16="http://schemas.microsoft.com/office/drawing/2014/main" val="2603586595"/>
-                    </a:ext>
-                  </a:extLst>
-                </a:gridCol>
-                <a:gridCol w="1898248">
-                  <a:extLst>
-                    <a:ext uri="{9D8B030D-6E8A-4147-A177-3AD203B41FA5}">
-                      <a16:colId xmlns:a16="http://schemas.microsoft.com/office/drawing/2014/main" val="2745346112"/>
-                    </a:ext>
-                  </a:extLst>
-                </a:gridCol>
-                <a:gridCol w="1342663">
-                  <a:extLst>
-                    <a:ext uri="{9D8B030D-6E8A-4147-A177-3AD203B41FA5}">
-                      <a16:colId xmlns:a16="http://schemas.microsoft.com/office/drawing/2014/main" val="2906165216"/>
-                    </a:ext>
-                  </a:extLst>
-                </a:gridCol>
-                <a:gridCol w="1319514">
-                  <a:extLst>
-                    <a:ext uri="{9D8B030D-6E8A-4147-A177-3AD203B41FA5}">
-                      <a16:colId xmlns:a16="http://schemas.microsoft.com/office/drawing/2014/main" val="2785191733"/>
-                    </a:ext>
-                  </a:extLst>
-                </a:gridCol>
-              </a:tblGrid>
-              <a:tr h="458243">
-                <a:tc>
-                  <a:txBody>
-                    <a:bodyPr/>
-                    <a:lstStyle/>
-                    <a:p>
-                      <a:pPr algn="ctr"/>
-                      <a:r>
-                        <a:rPr lang="zh-CN" altLang="en-US" sz="1700" dirty="0" smtClean="0">
-                          <a:solidFill>
-                            <a:schemeClr val="bg1">
-                              <a:lumMod val="75000"/>
-                            </a:schemeClr>
-                          </a:solidFill>
-                        </a:rPr>
-                        <a:t>问题的提出</a:t>
-                      </a:r>
-                      <a:endParaRPr lang="zh-CN" altLang="en-US" sz="1700" dirty="0">
-                        <a:solidFill>
-                          <a:schemeClr val="bg1">
-                            <a:lumMod val="75000"/>
-                          </a:schemeClr>
-                        </a:solidFill>
-                      </a:endParaRPr>
-                    </a:p>
-                  </a:txBody>
-                  <a:tcPr anchor="ctr">
-                    <a:lnL w="12700" cmpd="sng">
-                      <a:noFill/>
-                    </a:lnL>
-                    <a:lnR w="12700" cmpd="sng">
-                      <a:noFill/>
-                    </a:lnR>
-                    <a:lnT w="12700" cmpd="sng">
-                      <a:noFill/>
-                    </a:lnT>
-                    <a:lnB w="38100" cmpd="sng">
-                      <a:noFill/>
-                    </a:lnB>
-                    <a:lnTlToBr w="12700" cmpd="sng">
-                      <a:noFill/>
-                      <a:prstDash val="solid"/>
-                    </a:lnTlToBr>
-                    <a:lnBlToTr w="12700" cmpd="sng">
-                      <a:noFill/>
-                      <a:prstDash val="solid"/>
-                    </a:lnBlToTr>
-                  </a:tcPr>
-                </a:tc>
-                <a:tc>
-                  <a:txBody>
-                    <a:bodyPr/>
-                    <a:lstStyle/>
-                    <a:p>
-                      <a:pPr algn="ctr"/>
-                      <a:r>
-                        <a:rPr lang="zh-CN" altLang="en-US" sz="1700" dirty="0" smtClean="0">
-                          <a:solidFill>
-                            <a:schemeClr val="bg1">
-                              <a:lumMod val="75000"/>
-                            </a:schemeClr>
-                          </a:solidFill>
-                        </a:rPr>
-                        <a:t>文献评述</a:t>
-                      </a:r>
-                      <a:endParaRPr lang="zh-CN" altLang="en-US" sz="1700" dirty="0">
-                        <a:solidFill>
-                          <a:schemeClr val="bg1">
-                            <a:lumMod val="75000"/>
-                          </a:schemeClr>
-                        </a:solidFill>
-                      </a:endParaRPr>
-                    </a:p>
-                  </a:txBody>
-                  <a:tcPr anchor="ctr">
-                    <a:lnL w="12700" cmpd="sng">
-                      <a:noFill/>
-                    </a:lnL>
-                    <a:lnR w="12700" cmpd="sng">
-                      <a:noFill/>
-                    </a:lnR>
-                    <a:lnT w="12700" cmpd="sng">
-                      <a:noFill/>
-                    </a:lnT>
-                    <a:lnB w="38100" cmpd="sng">
-                      <a:noFill/>
-                    </a:lnB>
-                    <a:lnTlToBr w="12700" cmpd="sng">
-                      <a:noFill/>
-                      <a:prstDash val="solid"/>
-                    </a:lnTlToBr>
-                    <a:lnBlToTr w="12700" cmpd="sng">
-                      <a:noFill/>
-                      <a:prstDash val="solid"/>
-                    </a:lnBlToTr>
-                  </a:tcPr>
-                </a:tc>
-                <a:tc>
-                  <a:txBody>
-                    <a:bodyPr/>
-                    <a:lstStyle/>
-                    <a:p>
-                      <a:pPr algn="ctr"/>
-                      <a:r>
-                        <a:rPr lang="zh-CN" altLang="en-US" sz="1700" dirty="0" smtClean="0">
-                          <a:solidFill>
-                            <a:schemeClr val="bg1">
-                              <a:lumMod val="75000"/>
-                            </a:schemeClr>
-                          </a:solidFill>
-                        </a:rPr>
-                        <a:t>研究目标与技术路线</a:t>
-                      </a:r>
-                      <a:endParaRPr lang="zh-CN" altLang="en-US" sz="1700" dirty="0">
-                        <a:solidFill>
-                          <a:schemeClr val="bg1">
-                            <a:lumMod val="75000"/>
-                          </a:schemeClr>
-                        </a:solidFill>
-                      </a:endParaRPr>
-                    </a:p>
-                  </a:txBody>
-                  <a:tcPr anchor="ctr">
-                    <a:lnL w="12700" cmpd="sng">
-                      <a:noFill/>
-                    </a:lnL>
-                    <a:lnR w="12700" cmpd="sng">
-                      <a:noFill/>
-                    </a:lnR>
-                    <a:lnT w="12700" cmpd="sng">
-                      <a:noFill/>
-                    </a:lnT>
-                    <a:lnB w="38100" cmpd="sng">
-                      <a:noFill/>
-                    </a:lnB>
-                    <a:lnTlToBr w="12700" cmpd="sng">
-                      <a:noFill/>
-                      <a:prstDash val="solid"/>
-                    </a:lnTlToBr>
-                    <a:lnBlToTr w="12700" cmpd="sng">
-                      <a:noFill/>
-                      <a:prstDash val="solid"/>
-                    </a:lnBlToTr>
-                  </a:tcPr>
-                </a:tc>
-                <a:tc>
-                  <a:txBody>
-                    <a:bodyPr/>
-                    <a:lstStyle/>
-                    <a:p>
-                      <a:pPr algn="ctr"/>
-                      <a:r>
-                        <a:rPr lang="zh-CN" altLang="en-US" sz="1800" dirty="0" smtClean="0">
-                          <a:solidFill>
-                            <a:schemeClr val="bg1"/>
-                          </a:solidFill>
-                        </a:rPr>
-                        <a:t>研究内容与结果</a:t>
-                      </a:r>
-                      <a:endParaRPr lang="zh-CN" altLang="en-US" sz="1800" dirty="0">
-                        <a:solidFill>
-                          <a:schemeClr val="bg1"/>
-                        </a:solidFill>
-                      </a:endParaRPr>
-                    </a:p>
-                  </a:txBody>
-                  <a:tcPr anchor="ctr">
-                    <a:lnL w="12700" cmpd="sng">
-                      <a:noFill/>
-                    </a:lnL>
-                    <a:lnR w="12700" cmpd="sng">
-                      <a:noFill/>
-                    </a:lnR>
-                    <a:lnT w="12700" cmpd="sng">
-                      <a:noFill/>
-                    </a:lnT>
-                    <a:lnB w="38100" cmpd="sng">
-                      <a:noFill/>
-                    </a:lnB>
-                    <a:lnTlToBr w="12700" cmpd="sng">
-                      <a:noFill/>
-                      <a:prstDash val="solid"/>
-                    </a:lnTlToBr>
-                    <a:lnBlToTr w="12700" cmpd="sng">
-                      <a:noFill/>
-                      <a:prstDash val="solid"/>
-                    </a:lnBlToTr>
-                  </a:tcPr>
-                </a:tc>
-                <a:tc>
-                  <a:txBody>
-                    <a:bodyPr/>
-                    <a:lstStyle/>
-                    <a:p>
-                      <a:pPr algn="ctr"/>
-                      <a:r>
-                        <a:rPr lang="zh-CN" altLang="en-US" sz="1700" dirty="0" smtClean="0">
-                          <a:solidFill>
-                            <a:schemeClr val="bg1">
-                              <a:lumMod val="75000"/>
-                            </a:schemeClr>
-                          </a:solidFill>
-                        </a:rPr>
-                        <a:t>结论与建议</a:t>
-                      </a:r>
-                      <a:endParaRPr lang="zh-CN" altLang="en-US" sz="1700" dirty="0">
-                        <a:solidFill>
-                          <a:schemeClr val="bg1">
-                            <a:lumMod val="75000"/>
-                          </a:schemeClr>
-                        </a:solidFill>
-                      </a:endParaRPr>
-                    </a:p>
-                  </a:txBody>
-                  <a:tcPr anchor="ctr">
-                    <a:lnL w="12700" cmpd="sng">
-                      <a:noFill/>
-                    </a:lnL>
-                    <a:lnR w="12700" cmpd="sng">
-                      <a:noFill/>
-                    </a:lnR>
-                    <a:lnT w="12700" cmpd="sng">
-                      <a:noFill/>
-                    </a:lnT>
-                    <a:lnB w="38100" cmpd="sng">
-                      <a:noFill/>
-                    </a:lnB>
-                    <a:lnTlToBr w="12700" cmpd="sng">
-                      <a:noFill/>
-                      <a:prstDash val="solid"/>
-                    </a:lnTlToBr>
-                    <a:lnBlToTr w="12700" cmpd="sng">
-                      <a:noFill/>
-                      <a:prstDash val="solid"/>
-                    </a:lnBlToTr>
-                  </a:tcPr>
-                </a:tc>
-                <a:tc>
-                  <a:txBody>
-                    <a:bodyPr/>
-                    <a:lstStyle/>
-                    <a:p>
-                      <a:pPr algn="ctr"/>
-                      <a:r>
-                        <a:rPr lang="zh-CN" altLang="en-US" sz="1700" dirty="0" smtClean="0">
-                          <a:solidFill>
-                            <a:schemeClr val="bg1">
-                              <a:lumMod val="75000"/>
-                            </a:schemeClr>
-                          </a:solidFill>
-                        </a:rPr>
-                        <a:t>可能的不足</a:t>
-                      </a:r>
-                      <a:endParaRPr lang="zh-CN" altLang="en-US" sz="1700" dirty="0">
-                        <a:solidFill>
-                          <a:schemeClr val="bg1">
-                            <a:lumMod val="75000"/>
-                          </a:schemeClr>
-                        </a:solidFill>
-                      </a:endParaRPr>
-                    </a:p>
-                  </a:txBody>
-                  <a:tcPr anchor="ctr">
-                    <a:lnL w="12700" cmpd="sng">
-                      <a:noFill/>
-                    </a:lnL>
-                    <a:lnR w="12700" cmpd="sng">
-                      <a:noFill/>
-                    </a:lnR>
-                    <a:lnT w="12700" cmpd="sng">
-                      <a:noFill/>
-                    </a:lnT>
-                    <a:lnB w="38100" cmpd="sng">
-                      <a:noFill/>
-                    </a:lnB>
-                    <a:lnTlToBr w="12700" cmpd="sng">
-                      <a:noFill/>
-                      <a:prstDash val="solid"/>
-                    </a:lnTlToBr>
-                    <a:lnBlToTr w="12700" cmpd="sng">
-                      <a:noFill/>
-                      <a:prstDash val="solid"/>
-                    </a:lnBlToTr>
-                  </a:tcPr>
-                </a:tc>
-                <a:extLst>
-                  <a:ext uri="{0D108BD9-81ED-4DB2-BD59-A6C34878D82A}">
-                    <a16:rowId xmlns:a16="http://schemas.microsoft.com/office/drawing/2014/main" val="3362077269"/>
-                  </a:ext>
-                </a:extLst>
-              </a:tr>
-            </a:tbl>
-          </a:graphicData>
-        </a:graphic>
-      </p:graphicFrame>
-      <p:sp>
-        <p:nvSpPr>
-          <p:cNvPr id="19" name="流程图: 合并 18"/>
-          <p:cNvSpPr/>
-          <p:nvPr/>
-        </p:nvSpPr>
-        <p:spPr>
-          <a:xfrm>
-            <a:off x="5294936" y="760772"/>
-            <a:ext cx="380588" cy="176777"/>
-          </a:xfrm>
-          <a:prstGeom prst="flowChartMerge">
-            <a:avLst/>
-          </a:prstGeom>
-          <a:ln>
-            <a:noFill/>
-          </a:ln>
-        </p:spPr>
-        <p:style>
-          <a:lnRef idx="2">
-            <a:schemeClr val="accent1">
-              <a:shade val="50000"/>
-            </a:schemeClr>
-          </a:lnRef>
-          <a:fillRef idx="1">
-            <a:schemeClr val="accent1"/>
-          </a:fillRef>
-          <a:effectRef idx="0">
-            <a:schemeClr val="accent1"/>
-          </a:effectRef>
-          <a:fontRef idx="minor">
-            <a:schemeClr val="lt1"/>
-          </a:fontRef>
-        </p:style>
-        <p:txBody>
-          <a:bodyPr rtlCol="0" anchor="ctr"/>
-          <a:lstStyle/>
-          <a:p>
-            <a:pPr algn="ctr"/>
-            <a:endParaRPr lang="zh-CN" altLang="en-US"/>
-          </a:p>
-        </p:txBody>
-      </p:sp>
-    </p:spTree>
-    <p:extLst>
-      <p:ext uri="{BB962C8B-B14F-4D97-AF65-F5344CB8AC3E}">
-        <p14:creationId xmlns:p14="http://schemas.microsoft.com/office/powerpoint/2010/main" val="1134255420"/>
-      </p:ext>
-    </p:extLst>
-  </p:cSld>
-  <p:clrMapOvr>
-    <a:masterClrMapping/>
-  </p:clrMapOvr>
-  <mc:AlternateContent xmlns:mc="http://schemas.openxmlformats.org/markup-compatibility/2006" xmlns:p14="http://schemas.microsoft.com/office/powerpoint/2010/main">
-    <mc:Choice Requires="p14">
-      <p:transition p14:dur="0" advTm="0"/>
-    </mc:Choice>
-    <mc:Fallback xmlns="">
-      <p:transition advTm="0"/>
-    </mc:Fallback>
-  </mc:AlternateContent>
-  <p:timing>
-    <p:tnLst>
-      <p:par>
-        <p:cTn id="1" dur="indefinite" restart="never" nodeType="tmRoot"/>
-      </p:par>
-    </p:tnLst>
-  </p:timing>
-</p:sld>
-</file>
-
-<file path=ppt/slides/slide24.xml><?xml version="1.0" encoding="utf-8"?>
-<p:sld xmlns:a="http://schemas.openxmlformats.org/drawingml/2006/main" xmlns:r="http://schemas.openxmlformats.org/officeDocument/2006/relationships" xmlns:p="http://schemas.openxmlformats.org/presentationml/2006/main">
-  <p:cSld>
-    <p:spTree>
-      <p:nvGrpSpPr>
-        <p:cNvPr id="1" name=""/>
-        <p:cNvGrpSpPr/>
-        <p:nvPr/>
-      </p:nvGrpSpPr>
-      <p:grpSpPr>
-        <a:xfrm>
-          <a:off x="0" y="0"/>
-          <a:ext cx="0" cy="0"/>
-          <a:chOff x="0" y="0"/>
-          <a:chExt cx="0" cy="0"/>
-        </a:xfrm>
-      </p:grpSpPr>
-      <p:sp>
-        <p:nvSpPr>
-          <p:cNvPr id="96" name="矩形 95"/>
-          <p:cNvSpPr/>
-          <p:nvPr/>
-        </p:nvSpPr>
-        <p:spPr>
-          <a:xfrm>
-            <a:off x="92596" y="1048409"/>
-            <a:ext cx="9051403" cy="938719"/>
-          </a:xfrm>
-          <a:prstGeom prst="rect">
-            <a:avLst/>
-          </a:prstGeom>
-        </p:spPr>
-        <p:txBody>
-          <a:bodyPr wrap="square">
-            <a:spAutoFit/>
-          </a:bodyPr>
-          <a:lstStyle/>
-          <a:p>
-            <a:pPr>
-              <a:spcBef>
-                <a:spcPts val="1200"/>
-              </a:spcBef>
-              <a:spcAft>
-                <a:spcPts val="1200"/>
-              </a:spcAft>
-              <a:buClr>
-                <a:srgbClr val="071F65"/>
-              </a:buClr>
-            </a:pPr>
-            <a:r>
-              <a:rPr lang="zh-CN" altLang="en-US" sz="2000" b="1" dirty="0">
-                <a:latin typeface="微软雅黑" panose="020B0503020204020204" pitchFamily="34" charset="-122"/>
-                <a:ea typeface="微软雅黑" panose="020B0503020204020204" pitchFamily="34" charset="-122"/>
-                <a:cs typeface="Times New Roman" panose="02020603050405020304" pitchFamily="18" charset="0"/>
-              </a:rPr>
-              <a:t>（三）水稻、两熟小麦、两熟玉米和单一玉米的实证分析</a:t>
-            </a:r>
-            <a:endParaRPr lang="en-US" altLang="zh-CN" sz="2000" b="1" dirty="0">
-              <a:latin typeface="微软雅黑" panose="020B0503020204020204" pitchFamily="34" charset="-122"/>
-              <a:ea typeface="微软雅黑" panose="020B0503020204020204" pitchFamily="34" charset="-122"/>
-              <a:cs typeface="Times New Roman" panose="02020603050405020304" pitchFamily="18" charset="0"/>
-            </a:endParaRPr>
-          </a:p>
-          <a:p>
-            <a:pPr>
-              <a:spcBef>
-                <a:spcPts val="600"/>
-              </a:spcBef>
-              <a:spcAft>
-                <a:spcPts val="600"/>
-              </a:spcAft>
-              <a:buClr>
-                <a:srgbClr val="071F65"/>
-              </a:buClr>
-            </a:pPr>
-            <a:r>
-              <a:rPr lang="zh-CN" altLang="en-US" sz="2000" b="1" dirty="0" smtClean="0">
-                <a:latin typeface="华文楷体" panose="02010600040101010101" pitchFamily="2" charset="-122"/>
-                <a:ea typeface="华文楷体" panose="02010600040101010101" pitchFamily="2" charset="-122"/>
-                <a:cs typeface="Times New Roman" panose="02020603050405020304" pitchFamily="18" charset="0"/>
-              </a:rPr>
-              <a:t>（</a:t>
-            </a:r>
-            <a:r>
-              <a:rPr lang="en-US" altLang="zh-CN" sz="2000" b="1" dirty="0" smtClean="0">
-                <a:latin typeface="华文楷体" panose="02010600040101010101" pitchFamily="2" charset="-122"/>
-                <a:ea typeface="华文楷体" panose="02010600040101010101" pitchFamily="2" charset="-122"/>
-                <a:cs typeface="Times New Roman" panose="02020603050405020304" pitchFamily="18" charset="0"/>
-              </a:rPr>
-              <a:t>6</a:t>
-            </a:r>
-            <a:r>
-              <a:rPr lang="zh-CN" altLang="en-US" sz="2000" b="1" dirty="0" smtClean="0">
-                <a:latin typeface="华文楷体" panose="02010600040101010101" pitchFamily="2" charset="-122"/>
-                <a:ea typeface="华文楷体" panose="02010600040101010101" pitchFamily="2" charset="-122"/>
-                <a:cs typeface="Times New Roman" panose="02020603050405020304" pitchFamily="18" charset="0"/>
-              </a:rPr>
-              <a:t>）规模与生产要素亩均投入的回归分析</a:t>
-            </a:r>
-            <a:endParaRPr lang="en-US" altLang="zh-CN" sz="2000" b="1" dirty="0" smtClean="0">
-              <a:latin typeface="华文楷体" panose="02010600040101010101" pitchFamily="2" charset="-122"/>
-              <a:ea typeface="华文楷体" panose="02010600040101010101" pitchFamily="2" charset="-122"/>
-              <a:cs typeface="Times New Roman" panose="02020603050405020304" pitchFamily="18" charset="0"/>
-            </a:endParaRPr>
-          </a:p>
-        </p:txBody>
-      </p:sp>
-      <p:sp>
-        <p:nvSpPr>
-          <p:cNvPr id="14" name="文本框 13"/>
-          <p:cNvSpPr txBox="1"/>
-          <p:nvPr/>
-        </p:nvSpPr>
-        <p:spPr>
-          <a:xfrm>
-            <a:off x="3079471" y="6349917"/>
-            <a:ext cx="3416320" cy="426720"/>
-          </a:xfrm>
-          <a:prstGeom prst="rect">
-            <a:avLst/>
-          </a:prstGeom>
-          <a:noFill/>
-        </p:spPr>
-        <p:txBody>
-          <a:bodyPr wrap="none" rtlCol="0">
-            <a:spAutoFit/>
-          </a:bodyPr>
-          <a:lstStyle/>
-          <a:p>
-            <a:pPr>
-              <a:lnSpc>
-                <a:spcPct val="130000"/>
-              </a:lnSpc>
-            </a:pPr>
-            <a:r>
-              <a:rPr lang="zh-CN" altLang="en-US" sz="1800" b="1" dirty="0" smtClean="0">
-                <a:latin typeface="华文楷体" panose="02010600040101010101" pitchFamily="2" charset="-122"/>
-                <a:ea typeface="华文楷体" panose="02010600040101010101" pitchFamily="2" charset="-122"/>
-              </a:rPr>
-              <a:t>不同种植制度粮食</a:t>
-            </a:r>
-            <a:r>
-              <a:rPr lang="zh-CN" altLang="en-US" sz="1800" b="1" dirty="0" smtClean="0">
-                <a:solidFill>
-                  <a:srgbClr val="FF0000"/>
-                </a:solidFill>
-                <a:latin typeface="华文楷体" panose="02010600040101010101" pitchFamily="2" charset="-122"/>
-                <a:ea typeface="华文楷体" panose="02010600040101010101" pitchFamily="2" charset="-122"/>
-              </a:rPr>
-              <a:t>亩均化肥</a:t>
-            </a:r>
-            <a:r>
-              <a:rPr lang="zh-CN" altLang="en-US" sz="1800" b="1" dirty="0" smtClean="0">
-                <a:latin typeface="华文楷体" panose="02010600040101010101" pitchFamily="2" charset="-122"/>
-                <a:ea typeface="华文楷体" panose="02010600040101010101" pitchFamily="2" charset="-122"/>
-              </a:rPr>
-              <a:t>投入</a:t>
-            </a:r>
-          </a:p>
-        </p:txBody>
-      </p:sp>
-      <p:pic>
-        <p:nvPicPr>
-          <p:cNvPr id="12" name="图片 11"/>
-          <p:cNvPicPr>
-            <a:picLocks noChangeAspect="1"/>
-          </p:cNvPicPr>
-          <p:nvPr/>
-        </p:nvPicPr>
-        <p:blipFill>
-          <a:blip r:embed="rId3"/>
-          <a:stretch>
-            <a:fillRect/>
-          </a:stretch>
-        </p:blipFill>
-        <p:spPr>
-          <a:xfrm>
-            <a:off x="1169043" y="1974212"/>
-            <a:ext cx="3646421" cy="2187853"/>
-          </a:xfrm>
-          <a:prstGeom prst="rect">
-            <a:avLst/>
-          </a:prstGeom>
-        </p:spPr>
-      </p:pic>
-      <p:pic>
-        <p:nvPicPr>
-          <p:cNvPr id="13" name="图片 12"/>
-          <p:cNvPicPr>
-            <a:picLocks noChangeAspect="1"/>
-          </p:cNvPicPr>
-          <p:nvPr/>
-        </p:nvPicPr>
-        <p:blipFill>
-          <a:blip r:embed="rId4"/>
-          <a:stretch>
-            <a:fillRect/>
-          </a:stretch>
-        </p:blipFill>
-        <p:spPr>
-          <a:xfrm>
-            <a:off x="4815463" y="1974212"/>
-            <a:ext cx="3646421" cy="2187853"/>
-          </a:xfrm>
-          <a:prstGeom prst="rect">
-            <a:avLst/>
-          </a:prstGeom>
-        </p:spPr>
-      </p:pic>
-      <p:pic>
-        <p:nvPicPr>
-          <p:cNvPr id="19" name="图片 18"/>
-          <p:cNvPicPr>
-            <a:picLocks noChangeAspect="1"/>
-          </p:cNvPicPr>
-          <p:nvPr/>
-        </p:nvPicPr>
-        <p:blipFill>
-          <a:blip r:embed="rId5"/>
-          <a:stretch>
-            <a:fillRect/>
-          </a:stretch>
-        </p:blipFill>
-        <p:spPr>
-          <a:xfrm>
-            <a:off x="1169043" y="4162065"/>
-            <a:ext cx="3646421" cy="2187853"/>
-          </a:xfrm>
-          <a:prstGeom prst="rect">
-            <a:avLst/>
-          </a:prstGeom>
-        </p:spPr>
-      </p:pic>
-      <p:pic>
-        <p:nvPicPr>
-          <p:cNvPr id="20" name="图片 19"/>
-          <p:cNvPicPr>
-            <a:picLocks noChangeAspect="1"/>
-          </p:cNvPicPr>
-          <p:nvPr/>
-        </p:nvPicPr>
-        <p:blipFill>
-          <a:blip r:embed="rId6"/>
-          <a:stretch>
-            <a:fillRect/>
-          </a:stretch>
-        </p:blipFill>
-        <p:spPr>
-          <a:xfrm>
-            <a:off x="4815464" y="4162064"/>
-            <a:ext cx="3646421" cy="2187853"/>
-          </a:xfrm>
-          <a:prstGeom prst="rect">
-            <a:avLst/>
-          </a:prstGeom>
-        </p:spPr>
-      </p:pic>
-      <p:sp>
-        <p:nvSpPr>
-          <p:cNvPr id="2" name="灯片编号占位符 1"/>
-          <p:cNvSpPr>
-            <a:spLocks noGrp="1"/>
-          </p:cNvSpPr>
-          <p:nvPr>
-            <p:ph type="sldNum" sz="quarter" idx="4"/>
-          </p:nvPr>
-        </p:nvSpPr>
-        <p:spPr/>
-        <p:txBody>
-          <a:bodyPr/>
-          <a:lstStyle/>
-          <a:p>
-            <a:r>
-              <a:rPr lang="en-US" altLang="zh-CN" dirty="0" smtClean="0"/>
-              <a:t>16/21</a:t>
-            </a:r>
-            <a:endParaRPr lang="zh-CN" altLang="en-US" dirty="0"/>
-          </a:p>
-        </p:txBody>
-      </p:sp>
-      <p:sp>
-        <p:nvSpPr>
-          <p:cNvPr id="15" name="矩形 14"/>
-          <p:cNvSpPr/>
-          <p:nvPr/>
-        </p:nvSpPr>
-        <p:spPr>
-          <a:xfrm>
-            <a:off x="0" y="0"/>
-            <a:ext cx="9144000" cy="772347"/>
-          </a:xfrm>
-          <a:prstGeom prst="rect">
-            <a:avLst/>
-          </a:prstGeom>
-          <a:solidFill>
-            <a:srgbClr val="071F65"/>
-          </a:solidFill>
-          <a:ln w="5" cap="flat">
-            <a:solidFill>
-              <a:srgbClr val="24211D"/>
-            </a:solidFill>
-            <a:prstDash val="solid"/>
-            <a:miter lim="800000"/>
-            <a:headEnd/>
-            <a:tailEnd/>
-          </a:ln>
-        </p:spPr>
-        <p:txBody>
-          <a:bodyPr vert="horz" wrap="square" lIns="91440" tIns="45720" rIns="91440" bIns="45720" numCol="1" anchor="t" anchorCtr="0" compatLnSpc="1">
-            <a:prstTxWarp prst="textNoShape">
-              <a:avLst/>
-            </a:prstTxWarp>
-          </a:bodyPr>
-          <a:lstStyle/>
-          <a:p>
-            <a:endParaRPr lang="zh-CN" altLang="en-US">
-              <a:solidFill>
-                <a:schemeClr val="tx1"/>
-              </a:solidFill>
-            </a:endParaRPr>
-          </a:p>
-        </p:txBody>
-      </p:sp>
-      <p:graphicFrame>
-        <p:nvGraphicFramePr>
-          <p:cNvPr id="16" name="表格 15"/>
-          <p:cNvGraphicFramePr>
-            <a:graphicFrameLocks noGrp="1"/>
-          </p:cNvGraphicFramePr>
-          <p:nvPr>
-            <p:extLst>
-              <p:ext uri="{D42A27DB-BD31-4B8C-83A1-F6EECF244321}">
-                <p14:modId xmlns:p14="http://schemas.microsoft.com/office/powerpoint/2010/main" val="399365204"/>
-              </p:ext>
-            </p:extLst>
-          </p:nvPr>
-        </p:nvGraphicFramePr>
-        <p:xfrm>
-          <a:off x="0" y="199598"/>
-          <a:ext cx="9144000" cy="458243"/>
-        </p:xfrm>
-        <a:graphic>
-          <a:graphicData uri="http://schemas.openxmlformats.org/drawingml/2006/table">
-            <a:tbl>
-              <a:tblPr firstRow="1" bandRow="1">
-                <a:tableStyleId>{5C22544A-7EE6-4342-B048-85BDC9FD1C3A}</a:tableStyleId>
-              </a:tblPr>
-              <a:tblGrid>
-                <a:gridCol w="1331089">
-                  <a:extLst>
-                    <a:ext uri="{9D8B030D-6E8A-4147-A177-3AD203B41FA5}">
-                      <a16:colId xmlns:a16="http://schemas.microsoft.com/office/drawing/2014/main" val="2316111577"/>
-                    </a:ext>
-                  </a:extLst>
-                </a:gridCol>
-                <a:gridCol w="1099595">
-                  <a:extLst>
-                    <a:ext uri="{9D8B030D-6E8A-4147-A177-3AD203B41FA5}">
-                      <a16:colId xmlns:a16="http://schemas.microsoft.com/office/drawing/2014/main" val="204147406"/>
-                    </a:ext>
-                  </a:extLst>
-                </a:gridCol>
-                <a:gridCol w="2152891">
-                  <a:extLst>
-                    <a:ext uri="{9D8B030D-6E8A-4147-A177-3AD203B41FA5}">
-                      <a16:colId xmlns:a16="http://schemas.microsoft.com/office/drawing/2014/main" val="2603586595"/>
-                    </a:ext>
-                  </a:extLst>
-                </a:gridCol>
-                <a:gridCol w="1898248">
-                  <a:extLst>
-                    <a:ext uri="{9D8B030D-6E8A-4147-A177-3AD203B41FA5}">
-                      <a16:colId xmlns:a16="http://schemas.microsoft.com/office/drawing/2014/main" val="2745346112"/>
-                    </a:ext>
-                  </a:extLst>
-                </a:gridCol>
-                <a:gridCol w="1342663">
-                  <a:extLst>
-                    <a:ext uri="{9D8B030D-6E8A-4147-A177-3AD203B41FA5}">
-                      <a16:colId xmlns:a16="http://schemas.microsoft.com/office/drawing/2014/main" val="2906165216"/>
-                    </a:ext>
-                  </a:extLst>
-                </a:gridCol>
-                <a:gridCol w="1319514">
-                  <a:extLst>
-                    <a:ext uri="{9D8B030D-6E8A-4147-A177-3AD203B41FA5}">
-                      <a16:colId xmlns:a16="http://schemas.microsoft.com/office/drawing/2014/main" val="2785191733"/>
-                    </a:ext>
-                  </a:extLst>
-                </a:gridCol>
-              </a:tblGrid>
-              <a:tr h="458243">
-                <a:tc>
-                  <a:txBody>
-                    <a:bodyPr/>
-                    <a:lstStyle/>
-                    <a:p>
-                      <a:pPr algn="ctr"/>
-                      <a:r>
-                        <a:rPr lang="zh-CN" altLang="en-US" sz="1700" dirty="0" smtClean="0">
-                          <a:solidFill>
-                            <a:schemeClr val="bg1">
-                              <a:lumMod val="75000"/>
-                            </a:schemeClr>
-                          </a:solidFill>
-                        </a:rPr>
-                        <a:t>问题的提出</a:t>
-                      </a:r>
-                      <a:endParaRPr lang="zh-CN" altLang="en-US" sz="1700" dirty="0">
-                        <a:solidFill>
-                          <a:schemeClr val="bg1">
-                            <a:lumMod val="75000"/>
-                          </a:schemeClr>
-                        </a:solidFill>
-                      </a:endParaRPr>
-                    </a:p>
-                  </a:txBody>
-                  <a:tcPr anchor="ctr">
-                    <a:lnL w="12700" cmpd="sng">
-                      <a:noFill/>
-                    </a:lnL>
-                    <a:lnR w="12700" cmpd="sng">
-                      <a:noFill/>
-                    </a:lnR>
-                    <a:lnT w="12700" cmpd="sng">
-                      <a:noFill/>
-                    </a:lnT>
-                    <a:lnB w="38100" cmpd="sng">
-                      <a:noFill/>
-                    </a:lnB>
-                    <a:lnTlToBr w="12700" cmpd="sng">
-                      <a:noFill/>
-                      <a:prstDash val="solid"/>
-                    </a:lnTlToBr>
-                    <a:lnBlToTr w="12700" cmpd="sng">
-                      <a:noFill/>
-                      <a:prstDash val="solid"/>
-                    </a:lnBlToTr>
-                  </a:tcPr>
-                </a:tc>
-                <a:tc>
-                  <a:txBody>
-                    <a:bodyPr/>
-                    <a:lstStyle/>
-                    <a:p>
-                      <a:pPr algn="ctr"/>
-                      <a:r>
-                        <a:rPr lang="zh-CN" altLang="en-US" sz="1700" dirty="0" smtClean="0">
-                          <a:solidFill>
-                            <a:schemeClr val="bg1">
-                              <a:lumMod val="75000"/>
-                            </a:schemeClr>
-                          </a:solidFill>
-                        </a:rPr>
-                        <a:t>文献评述</a:t>
-                      </a:r>
-                      <a:endParaRPr lang="zh-CN" altLang="en-US" sz="1700" dirty="0">
-                        <a:solidFill>
-                          <a:schemeClr val="bg1">
-                            <a:lumMod val="75000"/>
-                          </a:schemeClr>
-                        </a:solidFill>
-                      </a:endParaRPr>
-                    </a:p>
-                  </a:txBody>
-                  <a:tcPr anchor="ctr">
-                    <a:lnL w="12700" cmpd="sng">
-                      <a:noFill/>
-                    </a:lnL>
-                    <a:lnR w="12700" cmpd="sng">
-                      <a:noFill/>
-                    </a:lnR>
-                    <a:lnT w="12700" cmpd="sng">
-                      <a:noFill/>
-                    </a:lnT>
-                    <a:lnB w="38100" cmpd="sng">
-                      <a:noFill/>
-                    </a:lnB>
-                    <a:lnTlToBr w="12700" cmpd="sng">
-                      <a:noFill/>
-                      <a:prstDash val="solid"/>
-                    </a:lnTlToBr>
-                    <a:lnBlToTr w="12700" cmpd="sng">
-                      <a:noFill/>
-                      <a:prstDash val="solid"/>
-                    </a:lnBlToTr>
-                  </a:tcPr>
-                </a:tc>
-                <a:tc>
-                  <a:txBody>
-                    <a:bodyPr/>
-                    <a:lstStyle/>
-                    <a:p>
-                      <a:pPr algn="ctr"/>
-                      <a:r>
-                        <a:rPr lang="zh-CN" altLang="en-US" sz="1700" dirty="0" smtClean="0">
-                          <a:solidFill>
-                            <a:schemeClr val="bg1">
-                              <a:lumMod val="75000"/>
-                            </a:schemeClr>
-                          </a:solidFill>
-                        </a:rPr>
-                        <a:t>研究目标与技术路线</a:t>
-                      </a:r>
-                      <a:endParaRPr lang="zh-CN" altLang="en-US" sz="1700" dirty="0">
-                        <a:solidFill>
-                          <a:schemeClr val="bg1">
-                            <a:lumMod val="75000"/>
-                          </a:schemeClr>
-                        </a:solidFill>
-                      </a:endParaRPr>
-                    </a:p>
-                  </a:txBody>
-                  <a:tcPr anchor="ctr">
-                    <a:lnL w="12700" cmpd="sng">
-                      <a:noFill/>
-                    </a:lnL>
-                    <a:lnR w="12700" cmpd="sng">
-                      <a:noFill/>
-                    </a:lnR>
-                    <a:lnT w="12700" cmpd="sng">
-                      <a:noFill/>
-                    </a:lnT>
-                    <a:lnB w="38100" cmpd="sng">
-                      <a:noFill/>
-                    </a:lnB>
-                    <a:lnTlToBr w="12700" cmpd="sng">
-                      <a:noFill/>
-                      <a:prstDash val="solid"/>
-                    </a:lnTlToBr>
-                    <a:lnBlToTr w="12700" cmpd="sng">
-                      <a:noFill/>
-                      <a:prstDash val="solid"/>
-                    </a:lnBlToTr>
-                  </a:tcPr>
-                </a:tc>
-                <a:tc>
-                  <a:txBody>
-                    <a:bodyPr/>
-                    <a:lstStyle/>
-                    <a:p>
-                      <a:pPr algn="ctr"/>
-                      <a:r>
-                        <a:rPr lang="zh-CN" altLang="en-US" sz="1800" dirty="0" smtClean="0">
-                          <a:solidFill>
-                            <a:schemeClr val="bg1"/>
-                          </a:solidFill>
-                        </a:rPr>
-                        <a:t>研究内容与结果</a:t>
-                      </a:r>
-                      <a:endParaRPr lang="zh-CN" altLang="en-US" sz="1800" dirty="0">
-                        <a:solidFill>
-                          <a:schemeClr val="bg1"/>
-                        </a:solidFill>
-                      </a:endParaRPr>
-                    </a:p>
-                  </a:txBody>
-                  <a:tcPr anchor="ctr">
-                    <a:lnL w="12700" cmpd="sng">
-                      <a:noFill/>
-                    </a:lnL>
-                    <a:lnR w="12700" cmpd="sng">
-                      <a:noFill/>
-                    </a:lnR>
-                    <a:lnT w="12700" cmpd="sng">
-                      <a:noFill/>
-                    </a:lnT>
-                    <a:lnB w="38100" cmpd="sng">
-                      <a:noFill/>
-                    </a:lnB>
-                    <a:lnTlToBr w="12700" cmpd="sng">
-                      <a:noFill/>
-                      <a:prstDash val="solid"/>
-                    </a:lnTlToBr>
-                    <a:lnBlToTr w="12700" cmpd="sng">
-                      <a:noFill/>
-                      <a:prstDash val="solid"/>
-                    </a:lnBlToTr>
-                  </a:tcPr>
-                </a:tc>
-                <a:tc>
-                  <a:txBody>
-                    <a:bodyPr/>
-                    <a:lstStyle/>
-                    <a:p>
-                      <a:pPr algn="ctr"/>
-                      <a:r>
-                        <a:rPr lang="zh-CN" altLang="en-US" sz="1700" dirty="0" smtClean="0">
-                          <a:solidFill>
-                            <a:schemeClr val="bg1">
-                              <a:lumMod val="75000"/>
-                            </a:schemeClr>
-                          </a:solidFill>
-                        </a:rPr>
-                        <a:t>结论与建议</a:t>
-                      </a:r>
-                      <a:endParaRPr lang="zh-CN" altLang="en-US" sz="1700" dirty="0">
-                        <a:solidFill>
-                          <a:schemeClr val="bg1">
-                            <a:lumMod val="75000"/>
-                          </a:schemeClr>
-                        </a:solidFill>
-                      </a:endParaRPr>
-                    </a:p>
-                  </a:txBody>
-                  <a:tcPr anchor="ctr">
-                    <a:lnL w="12700" cmpd="sng">
-                      <a:noFill/>
-                    </a:lnL>
-                    <a:lnR w="12700" cmpd="sng">
-                      <a:noFill/>
-                    </a:lnR>
-                    <a:lnT w="12700" cmpd="sng">
-                      <a:noFill/>
-                    </a:lnT>
-                    <a:lnB w="38100" cmpd="sng">
-                      <a:noFill/>
-                    </a:lnB>
-                    <a:lnTlToBr w="12700" cmpd="sng">
-                      <a:noFill/>
-                      <a:prstDash val="solid"/>
-                    </a:lnTlToBr>
-                    <a:lnBlToTr w="12700" cmpd="sng">
-                      <a:noFill/>
-                      <a:prstDash val="solid"/>
-                    </a:lnBlToTr>
-                  </a:tcPr>
-                </a:tc>
-                <a:tc>
-                  <a:txBody>
-                    <a:bodyPr/>
-                    <a:lstStyle/>
-                    <a:p>
-                      <a:pPr algn="ctr"/>
-                      <a:r>
-                        <a:rPr lang="zh-CN" altLang="en-US" sz="1700" dirty="0" smtClean="0">
-                          <a:solidFill>
-                            <a:schemeClr val="bg1">
-                              <a:lumMod val="75000"/>
-                            </a:schemeClr>
-                          </a:solidFill>
-                        </a:rPr>
-                        <a:t>可能的不足</a:t>
-                      </a:r>
-                      <a:endParaRPr lang="zh-CN" altLang="en-US" sz="1700" dirty="0">
-                        <a:solidFill>
-                          <a:schemeClr val="bg1">
-                            <a:lumMod val="75000"/>
-                          </a:schemeClr>
-                        </a:solidFill>
-                      </a:endParaRPr>
-                    </a:p>
-                  </a:txBody>
-                  <a:tcPr anchor="ctr">
-                    <a:lnL w="12700" cmpd="sng">
-                      <a:noFill/>
-                    </a:lnL>
-                    <a:lnR w="12700" cmpd="sng">
-                      <a:noFill/>
-                    </a:lnR>
-                    <a:lnT w="12700" cmpd="sng">
-                      <a:noFill/>
-                    </a:lnT>
-                    <a:lnB w="38100" cmpd="sng">
-                      <a:noFill/>
-                    </a:lnB>
-                    <a:lnTlToBr w="12700" cmpd="sng">
-                      <a:noFill/>
-                      <a:prstDash val="solid"/>
-                    </a:lnTlToBr>
-                    <a:lnBlToTr w="12700" cmpd="sng">
-                      <a:noFill/>
-                      <a:prstDash val="solid"/>
-                    </a:lnBlToTr>
-                  </a:tcPr>
-                </a:tc>
-                <a:extLst>
-                  <a:ext uri="{0D108BD9-81ED-4DB2-BD59-A6C34878D82A}">
-                    <a16:rowId xmlns:a16="http://schemas.microsoft.com/office/drawing/2014/main" val="3362077269"/>
-                  </a:ext>
-                </a:extLst>
-              </a:tr>
-            </a:tbl>
-          </a:graphicData>
-        </a:graphic>
-      </p:graphicFrame>
-      <p:sp>
-        <p:nvSpPr>
-          <p:cNvPr id="17" name="流程图: 合并 16"/>
-          <p:cNvSpPr/>
-          <p:nvPr/>
-        </p:nvSpPr>
-        <p:spPr>
-          <a:xfrm>
-            <a:off x="5294936" y="760772"/>
-            <a:ext cx="380588" cy="176777"/>
-          </a:xfrm>
-          <a:prstGeom prst="flowChartMerge">
-            <a:avLst/>
-          </a:prstGeom>
-          <a:ln>
-            <a:noFill/>
-          </a:ln>
-        </p:spPr>
-        <p:style>
-          <a:lnRef idx="2">
-            <a:schemeClr val="accent1">
-              <a:shade val="50000"/>
-            </a:schemeClr>
-          </a:lnRef>
-          <a:fillRef idx="1">
-            <a:schemeClr val="accent1"/>
-          </a:fillRef>
-          <a:effectRef idx="0">
-            <a:schemeClr val="accent1"/>
-          </a:effectRef>
-          <a:fontRef idx="minor">
-            <a:schemeClr val="lt1"/>
-          </a:fontRef>
-        </p:style>
-        <p:txBody>
-          <a:bodyPr rtlCol="0" anchor="ctr"/>
-          <a:lstStyle/>
-          <a:p>
-            <a:pPr algn="ctr"/>
-            <a:endParaRPr lang="zh-CN" altLang="en-US"/>
-          </a:p>
-        </p:txBody>
-      </p:sp>
-    </p:spTree>
-    <p:extLst>
-      <p:ext uri="{BB962C8B-B14F-4D97-AF65-F5344CB8AC3E}">
-        <p14:creationId xmlns:p14="http://schemas.microsoft.com/office/powerpoint/2010/main" val="2362904434"/>
-      </p:ext>
-    </p:extLst>
-  </p:cSld>
-  <p:clrMapOvr>
-    <a:masterClrMapping/>
-  </p:clrMapOvr>
-  <mc:AlternateContent xmlns:mc="http://schemas.openxmlformats.org/markup-compatibility/2006" xmlns:p14="http://schemas.microsoft.com/office/powerpoint/2010/main">
-    <mc:Choice Requires="p14">
-      <p:transition p14:dur="0" advTm="0"/>
-    </mc:Choice>
-    <mc:Fallback xmlns="">
-      <p:transition advTm="0"/>
+      <p:transition/>
     </mc:Fallback>
   </mc:AlternateContent>
   <p:timing>
@@ -30910,7 +31135,7 @@
         <p:spPr>
           <a:xfrm>
             <a:off x="92596" y="1048409"/>
-            <a:ext cx="9051403" cy="4785926"/>
+            <a:ext cx="9051403" cy="4478149"/>
           </a:xfrm>
           <a:prstGeom prst="rect">
             <a:avLst/>
@@ -30948,7 +31173,7 @@
             </a:endParaRPr>
           </a:p>
           <a:p>
-            <a:pPr>
+            <a:pPr algn="just">
               <a:spcBef>
                 <a:spcPts val="600"/>
               </a:spcBef>
@@ -31022,7 +31247,7 @@
             </a:endParaRPr>
           </a:p>
           <a:p>
-            <a:pPr>
+            <a:pPr algn="just">
               <a:spcBef>
                 <a:spcPts val="600"/>
               </a:spcBef>
@@ -31095,7 +31320,31 @@
                 <a:ea typeface="华文楷体" panose="02010600040101010101" pitchFamily="2" charset="-122"/>
                 <a:cs typeface="Times New Roman" panose="02020603050405020304" pitchFamily="18" charset="0"/>
               </a:rPr>
-              <a:t>产出弹性为正。在机械产出弹性方面，按机械弹性由大到小排序为两熟玉米、一熟玉米、两熟小麦和一熟水稻，机械弹性均大于</a:t>
+              <a:t>产出弹性为正</a:t>
+            </a:r>
+            <a:r>
+              <a:rPr lang="zh-CN" altLang="en-US" sz="2000" dirty="0" smtClean="0">
+                <a:latin typeface="华文楷体" panose="02010600040101010101" pitchFamily="2" charset="-122"/>
+                <a:ea typeface="华文楷体" panose="02010600040101010101" pitchFamily="2" charset="-122"/>
+                <a:cs typeface="Times New Roman" panose="02020603050405020304" pitchFamily="18" charset="0"/>
+              </a:rPr>
+              <a:t>。机械</a:t>
+            </a:r>
+            <a:r>
+              <a:rPr lang="zh-CN" altLang="en-US" sz="2000" dirty="0">
+                <a:latin typeface="华文楷体" panose="02010600040101010101" pitchFamily="2" charset="-122"/>
+                <a:ea typeface="华文楷体" panose="02010600040101010101" pitchFamily="2" charset="-122"/>
+                <a:cs typeface="Times New Roman" panose="02020603050405020304" pitchFamily="18" charset="0"/>
+              </a:rPr>
+              <a:t>产出</a:t>
+            </a:r>
+            <a:r>
+              <a:rPr lang="zh-CN" altLang="en-US" sz="2000" dirty="0" smtClean="0">
+                <a:latin typeface="华文楷体" panose="02010600040101010101" pitchFamily="2" charset="-122"/>
+                <a:ea typeface="华文楷体" panose="02010600040101010101" pitchFamily="2" charset="-122"/>
+                <a:cs typeface="Times New Roman" panose="02020603050405020304" pitchFamily="18" charset="0"/>
+              </a:rPr>
+              <a:t>弹性均大于</a:t>
             </a:r>
             <a:r>
               <a:rPr lang="en-US" altLang="zh-CN" sz="2000" dirty="0" smtClean="0">
@@ -31111,16 +31360,35 @@
                 <a:ea typeface="华文楷体" panose="02010600040101010101" pitchFamily="2" charset="-122"/>
                 <a:cs typeface="Times New Roman" panose="02020603050405020304" pitchFamily="18" charset="0"/>
               </a:rPr>
+              <a:t>，</a:t>
+            </a:r>
+            <a:r>
+              <a:rPr lang="zh-CN" altLang="en-US" sz="2000" dirty="0">
+                <a:latin typeface="华文楷体" panose="02010600040101010101" pitchFamily="2" charset="-122"/>
+                <a:ea typeface="华文楷体" panose="02010600040101010101" pitchFamily="2" charset="-122"/>
+                <a:cs typeface="Times New Roman" panose="02020603050405020304" pitchFamily="18" charset="0"/>
+              </a:rPr>
+              <a:t>按机械弹性由大到小排序为两熟玉米、一熟玉米、两熟小麦和一熟</a:t>
+            </a:r>
+            <a:r>
+              <a:rPr lang="zh-CN" altLang="en-US" sz="2000" dirty="0" smtClean="0">
+                <a:latin typeface="华文楷体" panose="02010600040101010101" pitchFamily="2" charset="-122"/>
+                <a:ea typeface="华文楷体" panose="02010600040101010101" pitchFamily="2" charset="-122"/>
+                <a:cs typeface="Times New Roman" panose="02020603050405020304" pitchFamily="18" charset="0"/>
+              </a:rPr>
+              <a:t>水稻</a:t>
+            </a:r>
+            <a:r>
+              <a:rPr lang="zh-CN" altLang="en-US" sz="2000" dirty="0">
+                <a:latin typeface="华文楷体" panose="02010600040101010101" pitchFamily="2" charset="-122"/>
+                <a:ea typeface="华文楷体" panose="02010600040101010101" pitchFamily="2" charset="-122"/>
+                <a:cs typeface="Times New Roman" panose="02020603050405020304" pitchFamily="18" charset="0"/>
+              </a:rPr>
               <a:t>。</a:t>
             </a:r>
-            <a:endParaRPr lang="zh-CN" altLang="en-US" sz="2000" dirty="0">
-              <a:latin typeface="华文楷体" panose="02010600040101010101" pitchFamily="2" charset="-122"/>
-              <a:ea typeface="华文楷体" panose="02010600040101010101" pitchFamily="2" charset="-122"/>
-              <a:cs typeface="Times New Roman" panose="02020603050405020304" pitchFamily="18" charset="0"/>
-            </a:endParaRPr>
           </a:p>
           <a:p>
-            <a:pPr>
+            <a:pPr algn="just">
               <a:spcBef>
                 <a:spcPts val="600"/>
               </a:spcBef>
@@ -31194,7 +31462,7 @@
             </a:endParaRPr>
           </a:p>
           <a:p>
-            <a:pPr>
+            <a:pPr algn="just">
               <a:spcBef>
                 <a:spcPts val="600"/>
               </a:spcBef>
@@ -31801,10 +32069,10 @@
   </p:clrMapOvr>
   <mc:AlternateContent xmlns:mc="http://schemas.openxmlformats.org/markup-compatibility/2006" xmlns:p14="http://schemas.microsoft.com/office/powerpoint/2010/main">
     <mc:Choice Requires="p14">
-      <p:transition p14:dur="0" advTm="0"/>
+      <p:transition p14:dur="0"/>
     </mc:Choice>
     <mc:Fallback xmlns="">
-      <p:transition advTm="0"/>
+      <p:transition/>
     </mc:Fallback>
   </mc:AlternateContent>
   <p:timing>
@@ -32218,12 +32486,12 @@
   </p:clrMapOvr>
   <mc:AlternateContent xmlns:mc="http://schemas.openxmlformats.org/markup-compatibility/2006" xmlns:p14="http://schemas.microsoft.com/office/powerpoint/2010/main">
     <mc:Choice Requires="p14">
-      <p:transition spd="med" p14:dur="700" advTm="0">
+      <p:transition spd="med" p14:dur="700">
         <p:fade/>
       </p:transition>
     </mc:Choice>
     <mc:Fallback xmlns="">
-      <p:transition spd="med" advTm="0">
+      <p:transition spd="med">
         <p:fade/>
       </p:transition>
     </mc:Fallback>
@@ -32725,7 +32993,7 @@
           </a:bodyPr>
           <a:lstStyle/>
           <a:p>
-            <a:pPr>
+            <a:pPr algn="just">
               <a:spcBef>
                 <a:spcPts val="1200"/>
               </a:spcBef>
@@ -32751,7 +33019,7 @@
             </a:endParaRPr>
           </a:p>
           <a:p>
-            <a:pPr>
+            <a:pPr algn="just">
               <a:spcBef>
                 <a:spcPts val="600"/>
               </a:spcBef>
@@ -32784,16 +33052,35 @@
                 <a:ea typeface="华文楷体" panose="02010600040101010101" pitchFamily="2" charset="-122"/>
                 <a:cs typeface="Times New Roman" panose="02020603050405020304" pitchFamily="18" charset="0"/>
               </a:rPr>
-              <a:t>）不同种植制度和粮食作物农户总体的家庭禀赋条件类似，性别、文化程度、农业技能培训、家庭背景和家庭人口结构等并不存在非常显著的差异。劳动力和化肥投入差距也不明显，而机械投入水平存在显著的区别。</a:t>
-            </a:r>
-            <a:endParaRPr lang="en-US" altLang="zh-CN" sz="2000" dirty="0" smtClean="0">
-              <a:latin typeface="华文楷体" panose="02010600040101010101" pitchFamily="2" charset="-122"/>
-              <a:ea typeface="华文楷体" panose="02010600040101010101" pitchFamily="2" charset="-122"/>
-              <a:cs typeface="Times New Roman" panose="02020603050405020304" pitchFamily="18" charset="0"/>
-            </a:endParaRPr>
+              <a:t>）稻谷</a:t>
+            </a:r>
+            <a:r>
+              <a:rPr lang="zh-CN" altLang="en-US" sz="2000" dirty="0">
+                <a:latin typeface="华文楷体" panose="02010600040101010101" pitchFamily="2" charset="-122"/>
+                <a:ea typeface="华文楷体" panose="02010600040101010101" pitchFamily="2" charset="-122"/>
+                <a:cs typeface="Times New Roman" panose="02020603050405020304" pitchFamily="18" charset="0"/>
+              </a:rPr>
+              <a:t>、小麦和玉米最大的不同点不在于农户家庭禀赋、劳动投入和化肥投入，而在于机械投入水平</a:t>
+            </a:r>
+            <a:r>
+              <a:rPr lang="zh-CN" altLang="en-US" sz="2000" dirty="0" smtClean="0">
+                <a:latin typeface="华文楷体" panose="02010600040101010101" pitchFamily="2" charset="-122"/>
+                <a:ea typeface="华文楷体" panose="02010600040101010101" pitchFamily="2" charset="-122"/>
+                <a:cs typeface="Times New Roman" panose="02020603050405020304" pitchFamily="18" charset="0"/>
+              </a:rPr>
+              <a:t>。机械化</a:t>
+            </a:r>
+            <a:r>
+              <a:rPr lang="zh-CN" altLang="en-US" sz="2000" dirty="0">
+                <a:latin typeface="华文楷体" panose="02010600040101010101" pitchFamily="2" charset="-122"/>
+                <a:ea typeface="华文楷体" panose="02010600040101010101" pitchFamily="2" charset="-122"/>
+                <a:cs typeface="Times New Roman" panose="02020603050405020304" pitchFamily="18" charset="0"/>
+              </a:rPr>
+              <a:t>水平高的区域，如小麦和水稻种植区，农机服务或者是针对不同规模的机械都发展的更好，大农户相对于小农户在使用机械上没有更多的优势，导致机械效应小于劳动效应，最终单产下降。</a:t>
+            </a:r>
           </a:p>
           <a:p>
-            <a:pPr>
+            <a:pPr algn="just">
               <a:spcBef>
                 <a:spcPts val="600"/>
               </a:spcBef>
@@ -32805,20 +33092,36 @@
               </a:buClr>
             </a:pPr>
             <a:r>
+              <a:rPr lang="zh-CN" altLang="en-US" sz="2000" dirty="0" smtClean="0">
+                <a:latin typeface="华文楷体" panose="02010600040101010101" pitchFamily="2" charset="-122"/>
+                <a:ea typeface="华文楷体" panose="02010600040101010101" pitchFamily="2" charset="-122"/>
+                <a:cs typeface="Times New Roman" panose="02020603050405020304" pitchFamily="18" charset="0"/>
+              </a:rPr>
+              <a:t>（</a:t>
+            </a:r>
+            <a:r>
+              <a:rPr lang="en-US" altLang="zh-CN" sz="2000" dirty="0" smtClean="0">
+                <a:latin typeface="华文楷体" panose="02010600040101010101" pitchFamily="2" charset="-122"/>
+                <a:ea typeface="华文楷体" panose="02010600040101010101" pitchFamily="2" charset="-122"/>
+                <a:cs typeface="Times New Roman" panose="02020603050405020304" pitchFamily="18" charset="0"/>
+              </a:rPr>
+              <a:t>2</a:t>
+            </a:r>
+            <a:r>
+              <a:rPr lang="zh-CN" altLang="en-US" sz="2000" dirty="0" smtClean="0">
+                <a:latin typeface="华文楷体" panose="02010600040101010101" pitchFamily="2" charset="-122"/>
+                <a:ea typeface="华文楷体" panose="02010600040101010101" pitchFamily="2" charset="-122"/>
+                <a:cs typeface="Times New Roman" panose="02020603050405020304" pitchFamily="18" charset="0"/>
+              </a:rPr>
+              <a:t>）小麦</a:t>
+            </a:r>
+            <a:r>
               <a:rPr lang="zh-CN" altLang="en-US" sz="2000" dirty="0">
                 <a:latin typeface="华文楷体" panose="02010600040101010101" pitchFamily="2" charset="-122"/>
                 <a:ea typeface="华文楷体" panose="02010600040101010101" pitchFamily="2" charset="-122"/>
                 <a:cs typeface="Times New Roman" panose="02020603050405020304" pitchFamily="18" charset="0"/>
               </a:rPr>
-              <a:t>（</a:t>
-            </a:r>
-            <a:r>
-              <a:rPr lang="en-US" altLang="zh-CN" sz="2000" dirty="0">
-                <a:latin typeface="华文楷体" panose="02010600040101010101" pitchFamily="2" charset="-122"/>
-                <a:ea typeface="华文楷体" panose="02010600040101010101" pitchFamily="2" charset="-122"/>
-                <a:cs typeface="Times New Roman" panose="02020603050405020304" pitchFamily="18" charset="0"/>
-              </a:rPr>
-              <a:t>2</a:t>
+              <a:t>种植过程中存在冗余劳动，农民照顾农作物时非常精细，对单产的贡献高，导致种植规模扩大时小麦的劳动效应大于水稻，所以形成了比水稻更为严重的负向关系</a:t>
             </a:r>
             <a:r>
               <a:rPr lang="zh-CN" altLang="en-US" sz="2000" dirty="0" smtClean="0">
@@ -32826,40 +33129,16 @@
                 <a:ea typeface="华文楷体" panose="02010600040101010101" pitchFamily="2" charset="-122"/>
                 <a:cs typeface="Times New Roman" panose="02020603050405020304" pitchFamily="18" charset="0"/>
               </a:rPr>
-              <a:t>）同一种植规模下粮食作物农户投入产出特征发现，不同</a:t>
-            </a:r>
-            <a:r>
-              <a:rPr lang="zh-CN" altLang="en-US" sz="2000" dirty="0">
-                <a:latin typeface="华文楷体" panose="02010600040101010101" pitchFamily="2" charset="-122"/>
-                <a:ea typeface="华文楷体" panose="02010600040101010101" pitchFamily="2" charset="-122"/>
-                <a:cs typeface="Times New Roman" panose="02020603050405020304" pitchFamily="18" charset="0"/>
-              </a:rPr>
-              <a:t>规模农户耕地细碎化和兼业化</a:t>
-            </a:r>
-            <a:r>
-              <a:rPr lang="zh-CN" altLang="en-US" sz="2000" dirty="0" smtClean="0">
-                <a:latin typeface="华文楷体" panose="02010600040101010101" pitchFamily="2" charset="-122"/>
-                <a:ea typeface="华文楷体" panose="02010600040101010101" pitchFamily="2" charset="-122"/>
-                <a:cs typeface="Times New Roman" panose="02020603050405020304" pitchFamily="18" charset="0"/>
-              </a:rPr>
-              <a:t>水平，劳动、肥料和机械投入存在</a:t>
-            </a:r>
-            <a:r>
-              <a:rPr lang="zh-CN" altLang="en-US" sz="2000" dirty="0">
-                <a:latin typeface="华文楷体" panose="02010600040101010101" pitchFamily="2" charset="-122"/>
-                <a:ea typeface="华文楷体" panose="02010600040101010101" pitchFamily="2" charset="-122"/>
-                <a:cs typeface="Times New Roman" panose="02020603050405020304" pitchFamily="18" charset="0"/>
-              </a:rPr>
-              <a:t>显著差异。</a:t>
-            </a:r>
-            <a:endParaRPr lang="en-US" altLang="zh-CN" sz="2000" dirty="0">
+              <a:t>。</a:t>
+            </a:r>
+            <a:endParaRPr lang="en-US" altLang="zh-CN" sz="2000" dirty="0" smtClean="0">
               <a:latin typeface="华文楷体" panose="02010600040101010101" pitchFamily="2" charset="-122"/>
               <a:ea typeface="华文楷体" panose="02010600040101010101" pitchFamily="2" charset="-122"/>
               <a:cs typeface="Times New Roman" panose="02020603050405020304" pitchFamily="18" charset="0"/>
             </a:endParaRPr>
           </a:p>
           <a:p>
-            <a:pPr>
+            <a:pPr algn="just">
               <a:spcBef>
                 <a:spcPts val="600"/>
               </a:spcBef>
@@ -32892,7 +33171,7 @@
                 <a:ea typeface="华文楷体" panose="02010600040101010101" pitchFamily="2" charset="-122"/>
                 <a:cs typeface="Times New Roman" panose="02020603050405020304" pitchFamily="18" charset="0"/>
               </a:rPr>
-              <a:t>）结合农户投入产出的基本情况和规模</a:t>
+              <a:t>）综上所述</a:t>
             </a:r>
             <a:r>
               <a:rPr lang="zh-CN" altLang="en-US" sz="2000" dirty="0">
@@ -32900,40 +33179,11 @@
                 <a:ea typeface="华文楷体" panose="02010600040101010101" pitchFamily="2" charset="-122"/>
                 <a:cs typeface="Times New Roman" panose="02020603050405020304" pitchFamily="18" charset="0"/>
               </a:rPr>
-              <a:t>对单产的作用机制</a:t>
-            </a:r>
-            <a:r>
-              <a:rPr lang="zh-CN" altLang="en-US" sz="2000" dirty="0" smtClean="0">
-                <a:latin typeface="华文楷体" panose="02010600040101010101" pitchFamily="2" charset="-122"/>
-                <a:ea typeface="华文楷体" panose="02010600040101010101" pitchFamily="2" charset="-122"/>
-                <a:cs typeface="Times New Roman" panose="02020603050405020304" pitchFamily="18" charset="0"/>
-              </a:rPr>
-              <a:t>，分析认为，单产</a:t>
-            </a:r>
-            <a:r>
-              <a:rPr lang="zh-CN" altLang="en-US" sz="2000" dirty="0">
-                <a:latin typeface="华文楷体" panose="02010600040101010101" pitchFamily="2" charset="-122"/>
-                <a:ea typeface="华文楷体" panose="02010600040101010101" pitchFamily="2" charset="-122"/>
-                <a:cs typeface="Times New Roman" panose="02020603050405020304" pitchFamily="18" charset="0"/>
-              </a:rPr>
-              <a:t>如何随着农户耕地面积的变化而变化，取决于当地的机械化水平</a:t>
-            </a:r>
-            <a:r>
-              <a:rPr lang="zh-CN" altLang="en-US" sz="2000" dirty="0" smtClean="0">
-                <a:latin typeface="华文楷体" panose="02010600040101010101" pitchFamily="2" charset="-122"/>
-                <a:ea typeface="华文楷体" panose="02010600040101010101" pitchFamily="2" charset="-122"/>
-                <a:cs typeface="Times New Roman" panose="02020603050405020304" pitchFamily="18" charset="0"/>
-              </a:rPr>
-              <a:t>。当地区机械化水平较高时，扩大耕地规模很大概率上导致单产降低，单产降低的幅度取决于当地劳动力的冗余程度，反之亦反。</a:t>
-            </a:r>
-            <a:endParaRPr lang="en-US" altLang="zh-CN" sz="2000" dirty="0" smtClean="0">
-              <a:latin typeface="华文楷体" panose="02010600040101010101" pitchFamily="2" charset="-122"/>
-              <a:ea typeface="华文楷体" panose="02010600040101010101" pitchFamily="2" charset="-122"/>
-              <a:cs typeface="Times New Roman" panose="02020603050405020304" pitchFamily="18" charset="0"/>
-            </a:endParaRPr>
+              <a:t>，当地区机械化水平较高时，扩大耕地规模很大概率上导致单产降低，单产降低的幅度取决于当地劳动力的冗余程度，反之亦反。</a:t>
+            </a:r>
           </a:p>
           <a:p>
-            <a:pPr>
+            <a:pPr algn="just">
               <a:spcBef>
                 <a:spcPts val="600"/>
               </a:spcBef>
@@ -32966,16 +33216,51 @@
                 <a:ea typeface="华文楷体" panose="02010600040101010101" pitchFamily="2" charset="-122"/>
                 <a:cs typeface="Times New Roman" panose="02020603050405020304" pitchFamily="18" charset="0"/>
               </a:rPr>
-              <a:t>）结合我国农业机械化的进程不断推进，农业劳动力持续流出的现状，推测粮食单产随着规模的扩大略微下降，但幅度会越来越小。虽然如此，但同时我们也清楚，增加机械投入能带来的显著的增产效应，所以未来仍要不遗余力的坚持农机补贴政策，提高机械化水平，推进农业机械的技术变革。</a:t>
-            </a:r>
-            <a:endParaRPr lang="en-US" altLang="zh-CN" sz="2000" dirty="0" smtClean="0">
-              <a:latin typeface="华文楷体" panose="02010600040101010101" pitchFamily="2" charset="-122"/>
-              <a:ea typeface="华文楷体" panose="02010600040101010101" pitchFamily="2" charset="-122"/>
-              <a:cs typeface="Times New Roman" panose="02020603050405020304" pitchFamily="18" charset="0"/>
-            </a:endParaRPr>
+              <a:t>）结合我国</a:t>
+            </a:r>
+            <a:r>
+              <a:rPr lang="zh-CN" altLang="en-US" sz="2000" dirty="0">
+                <a:latin typeface="华文楷体" panose="02010600040101010101" pitchFamily="2" charset="-122"/>
+                <a:ea typeface="华文楷体" panose="02010600040101010101" pitchFamily="2" charset="-122"/>
+                <a:cs typeface="Times New Roman" panose="02020603050405020304" pitchFamily="18" charset="0"/>
+              </a:rPr>
+              <a:t>农业生产的现状</a:t>
+            </a:r>
+            <a:r>
+              <a:rPr lang="zh-CN" altLang="en-US" sz="2000" dirty="0" smtClean="0">
+                <a:latin typeface="华文楷体" panose="02010600040101010101" pitchFamily="2" charset="-122"/>
+                <a:ea typeface="华文楷体" panose="02010600040101010101" pitchFamily="2" charset="-122"/>
+                <a:cs typeface="Times New Roman" panose="02020603050405020304" pitchFamily="18" charset="0"/>
+              </a:rPr>
+              <a:t>，推测</a:t>
+            </a:r>
+            <a:r>
+              <a:rPr lang="zh-CN" altLang="en-US" sz="2000" dirty="0">
+                <a:latin typeface="华文楷体" panose="02010600040101010101" pitchFamily="2" charset="-122"/>
+                <a:ea typeface="华文楷体" panose="02010600040101010101" pitchFamily="2" charset="-122"/>
+                <a:cs typeface="Times New Roman" panose="02020603050405020304" pitchFamily="18" charset="0"/>
+              </a:rPr>
+              <a:t>未来粮食单产随着规模的扩大略微下降，但下降幅度小。尽管如此</a:t>
+            </a:r>
+            <a:r>
+              <a:rPr lang="zh-CN" altLang="en-US" sz="2000" dirty="0" smtClean="0">
+                <a:latin typeface="华文楷体" panose="02010600040101010101" pitchFamily="2" charset="-122"/>
+                <a:ea typeface="华文楷体" panose="02010600040101010101" pitchFamily="2" charset="-122"/>
+                <a:cs typeface="Times New Roman" panose="02020603050405020304" pitchFamily="18" charset="0"/>
+              </a:rPr>
+              <a:t>，增加</a:t>
+            </a:r>
+            <a:r>
+              <a:rPr lang="zh-CN" altLang="en-US" sz="2000" dirty="0">
+                <a:latin typeface="华文楷体" panose="02010600040101010101" pitchFamily="2" charset="-122"/>
+                <a:ea typeface="华文楷体" panose="02010600040101010101" pitchFamily="2" charset="-122"/>
+                <a:cs typeface="Times New Roman" panose="02020603050405020304" pitchFamily="18" charset="0"/>
+              </a:rPr>
+              <a:t>机械投入能带来的显著的增产效应，所以未来仍要不遗余力的坚持农机补贴政策，提高机械化水平，推进农业机械的技术变革。</a:t>
+            </a:r>
           </a:p>
           <a:p>
-            <a:pPr>
+            <a:pPr algn="just">
               <a:spcBef>
                 <a:spcPts val="600"/>
               </a:spcBef>
@@ -33029,10 +33314,10 @@
   </p:clrMapOvr>
   <mc:AlternateContent xmlns:mc="http://schemas.openxmlformats.org/markup-compatibility/2006" xmlns:p14="http://schemas.microsoft.com/office/powerpoint/2010/main">
     <mc:Choice Requires="p14">
-      <p:transition p14:dur="0" advTm="0"/>
+      <p:transition p14:dur="0"/>
     </mc:Choice>
     <mc:Fallback xmlns="">
-      <p:transition advTm="0"/>
+      <p:transition/>
     </mc:Fallback>
   </mc:AlternateContent>
   <p:timing>
@@ -33520,7 +33805,7 @@
         <p:spPr>
           <a:xfrm>
             <a:off x="92596" y="1048409"/>
-            <a:ext cx="9051403" cy="5401479"/>
+            <a:ext cx="9051403" cy="5093702"/>
           </a:xfrm>
           <a:prstGeom prst="rect">
             <a:avLst/>
@@ -33532,7 +33817,7 @@
           </a:bodyPr>
           <a:lstStyle/>
           <a:p>
-            <a:pPr>
+            <a:pPr algn="just">
               <a:spcBef>
                 <a:spcPts val="1200"/>
               </a:spcBef>
@@ -33558,7 +33843,7 @@
             </a:endParaRPr>
           </a:p>
           <a:p>
-            <a:pPr>
+            <a:pPr algn="just">
               <a:spcBef>
                 <a:spcPts val="600"/>
               </a:spcBef>
@@ -33596,7 +33881,7 @@
             </a:r>
           </a:p>
           <a:p>
-            <a:pPr>
+            <a:pPr algn="just">
               <a:spcBef>
                 <a:spcPts val="600"/>
               </a:spcBef>
@@ -33673,7 +33958,7 @@
             </a:endParaRPr>
           </a:p>
           <a:p>
-            <a:pPr>
+            <a:pPr algn="just">
               <a:spcBef>
                 <a:spcPts val="600"/>
               </a:spcBef>
@@ -33696,15 +33981,75 @@
               <a:t>3</a:t>
             </a:r>
             <a:r>
-              <a:rPr lang="zh-CN" altLang="zh-CN" sz="2000" dirty="0" smtClean="0">
+              <a:rPr lang="zh-CN" altLang="en-US" sz="2000" dirty="0" smtClean="0">
                 <a:latin typeface="华文楷体" panose="02010600040101010101" pitchFamily="2" charset="-122"/>
                 <a:ea typeface="华文楷体" panose="02010600040101010101" pitchFamily="2" charset="-122"/>
               </a:rPr>
-              <a:t>）两熟小麦和水稻土地生产率与规模变量呈显著负向关系，结果符合预期。两熟玉米土地生产率与规模变量呈显著的正向关系，一熟玉米土地生产率与规模变量关系不显著。可能的解释是，种植玉米地区的农户处于农村劳动力不那么丰富和机械化发展水平较低的地区，规模变化导致的劳动效应低，机械效应高，最终呈现出规模与单产关系不显著或者正向的结果。</a:t>
-            </a:r>
+              <a:t>）两</a:t>
+            </a:r>
+            <a:r>
+              <a:rPr lang="zh-CN" altLang="en-US" sz="2000" dirty="0">
+                <a:latin typeface="华文楷体" panose="02010600040101010101" pitchFamily="2" charset="-122"/>
+                <a:ea typeface="华文楷体" panose="02010600040101010101" pitchFamily="2" charset="-122"/>
+              </a:rPr>
+              <a:t>熟小麦和稻谷土地生产率与规模变量呈显著负向关系</a:t>
+            </a:r>
+            <a:r>
+              <a:rPr lang="zh-CN" altLang="en-US" sz="2000" dirty="0" smtClean="0">
+                <a:latin typeface="华文楷体" panose="02010600040101010101" pitchFamily="2" charset="-122"/>
+                <a:ea typeface="华文楷体" panose="02010600040101010101" pitchFamily="2" charset="-122"/>
+              </a:rPr>
+              <a:t>，两</a:t>
+            </a:r>
+            <a:r>
+              <a:rPr lang="zh-CN" altLang="en-US" sz="2000" dirty="0">
+                <a:latin typeface="华文楷体" panose="02010600040101010101" pitchFamily="2" charset="-122"/>
+                <a:ea typeface="华文楷体" panose="02010600040101010101" pitchFamily="2" charset="-122"/>
+              </a:rPr>
+              <a:t>熟玉米土地生产率与规模变量呈显著的正向关系，一熟玉米土地生产率与规模变量关系不显著</a:t>
+            </a:r>
+            <a:r>
+              <a:rPr lang="zh-CN" altLang="en-US" sz="2000" dirty="0" smtClean="0">
+                <a:latin typeface="华文楷体" panose="02010600040101010101" pitchFamily="2" charset="-122"/>
+                <a:ea typeface="华文楷体" panose="02010600040101010101" pitchFamily="2" charset="-122"/>
+              </a:rPr>
+              <a:t>。单产如何变化受</a:t>
+            </a:r>
+            <a:r>
+              <a:rPr lang="zh-CN" altLang="en-US" sz="2000" dirty="0">
+                <a:latin typeface="华文楷体" panose="02010600040101010101" pitchFamily="2" charset="-122"/>
+                <a:ea typeface="华文楷体" panose="02010600040101010101" pitchFamily="2" charset="-122"/>
+              </a:rPr>
+              <a:t>农户所处的要素市场</a:t>
+            </a:r>
+            <a:r>
+              <a:rPr lang="zh-CN" altLang="en-US" sz="2000" dirty="0" smtClean="0">
+                <a:latin typeface="华文楷体" panose="02010600040101010101" pitchFamily="2" charset="-122"/>
+                <a:ea typeface="华文楷体" panose="02010600040101010101" pitchFamily="2" charset="-122"/>
+              </a:rPr>
+              <a:t>环境影响，</a:t>
+            </a:r>
+            <a:r>
+              <a:rPr lang="zh-CN" altLang="en-US" sz="2000" dirty="0">
+                <a:latin typeface="华文楷体" panose="02010600040101010101" pitchFamily="2" charset="-122"/>
+                <a:ea typeface="华文楷体" panose="02010600040101010101" pitchFamily="2" charset="-122"/>
+              </a:rPr>
+              <a:t>劳动产出弹性和机械产出弹性的联合作用决定了规模与单产最终的</a:t>
+            </a:r>
+            <a:r>
+              <a:rPr lang="zh-CN" altLang="en-US" sz="2000" dirty="0" smtClean="0">
+                <a:latin typeface="华文楷体" panose="02010600040101010101" pitchFamily="2" charset="-122"/>
+                <a:ea typeface="华文楷体" panose="02010600040101010101" pitchFamily="2" charset="-122"/>
+              </a:rPr>
+              <a:t>关系。</a:t>
+            </a:r>
+            <a:endParaRPr lang="en-US" altLang="zh-CN" sz="2000" dirty="0" smtClean="0">
+              <a:latin typeface="华文楷体" panose="02010600040101010101" pitchFamily="2" charset="-122"/>
+              <a:ea typeface="华文楷体" panose="02010600040101010101" pitchFamily="2" charset="-122"/>
+            </a:endParaRPr>
           </a:p>
           <a:p>
-            <a:pPr>
+            <a:pPr algn="just">
               <a:spcBef>
                 <a:spcPts val="600"/>
               </a:spcBef>
@@ -33790,10 +34135,10 @@
   </p:clrMapOvr>
   <mc:AlternateContent xmlns:mc="http://schemas.openxmlformats.org/markup-compatibility/2006" xmlns:p14="http://schemas.microsoft.com/office/powerpoint/2010/main">
     <mc:Choice Requires="p14">
-      <p:transition p14:dur="0" advTm="0"/>
+      <p:transition p14:dur="0"/>
     </mc:Choice>
     <mc:Fallback xmlns="">
-      <p:transition advTm="0"/>
+      <p:transition/>
     </mc:Fallback>
   </mc:AlternateContent>
   <p:timing>
@@ -34293,7 +34638,7 @@
           </a:bodyPr>
           <a:lstStyle/>
           <a:p>
-            <a:pPr>
+            <a:pPr algn="just">
               <a:spcBef>
                 <a:spcPts val="1200"/>
               </a:spcBef>
@@ -34319,7 +34664,7 @@
             </a:endParaRPr>
           </a:p>
           <a:p>
-            <a:pPr>
+            <a:pPr algn="just">
               <a:spcBef>
                 <a:spcPts val="600"/>
               </a:spcBef>
@@ -34350,7 +34695,7 @@
             </a:r>
           </a:p>
           <a:p>
-            <a:pPr>
+            <a:pPr algn="just">
               <a:spcBef>
                 <a:spcPts val="600"/>
               </a:spcBef>
@@ -34381,7 +34726,7 @@
             </a:r>
           </a:p>
           <a:p>
-            <a:pPr>
+            <a:pPr algn="just">
               <a:spcBef>
                 <a:spcPts val="600"/>
               </a:spcBef>
@@ -34465,7 +34810,7 @@
             </a:endParaRPr>
           </a:p>
           <a:p>
-            <a:pPr>
+            <a:pPr algn="just">
               <a:spcBef>
                 <a:spcPts val="600"/>
               </a:spcBef>
@@ -34519,10 +34864,10 @@
   </p:clrMapOvr>
   <mc:AlternateContent xmlns:mc="http://schemas.openxmlformats.org/markup-compatibility/2006" xmlns:p14="http://schemas.microsoft.com/office/powerpoint/2010/main">
     <mc:Choice Requires="p14">
-      <p:transition p14:dur="0" advTm="0"/>
+      <p:transition p14:dur="0"/>
     </mc:Choice>
     <mc:Fallback xmlns="">
-      <p:transition advTm="0"/>
+      <p:transition/>
     </mc:Fallback>
   </mc:AlternateContent>
   <p:timing>
@@ -34935,12 +35280,12 @@
   </p:clrMapOvr>
   <mc:AlternateContent xmlns:mc="http://schemas.openxmlformats.org/markup-compatibility/2006" xmlns:p14="http://schemas.microsoft.com/office/powerpoint/2010/main">
     <mc:Choice Requires="p14">
-      <p:transition spd="med" p14:dur="700" advTm="0">
+      <p:transition spd="med" p14:dur="700">
         <p:fade/>
       </p:transition>
     </mc:Choice>
     <mc:Fallback xmlns="">
-      <p:transition spd="med" advTm="0">
+      <p:transition spd="med">
         <p:fade/>
       </p:transition>
     </mc:Fallback>
@@ -35346,12 +35691,12 @@
   </p:clrMapOvr>
   <mc:AlternateContent xmlns:mc="http://schemas.openxmlformats.org/markup-compatibility/2006" xmlns:p14="http://schemas.microsoft.com/office/powerpoint/2010/main">
     <mc:Choice Requires="p14">
-      <p:transition spd="med" p14:dur="700" advTm="0">
+      <p:transition spd="med" p14:dur="700">
         <p:fade/>
       </p:transition>
     </mc:Choice>
     <mc:Fallback xmlns="">
-      <p:transition spd="med" advTm="0">
+      <p:transition spd="med">
         <p:fade/>
       </p:transition>
     </mc:Fallback>
@@ -35841,7 +36186,7 @@
         <p:spPr>
           <a:xfrm>
             <a:off x="92596" y="1048409"/>
-            <a:ext cx="9051403" cy="3862596"/>
+            <a:ext cx="9051403" cy="5401479"/>
           </a:xfrm>
           <a:prstGeom prst="rect">
             <a:avLst/>
@@ -35853,7 +36198,7 @@
           </a:bodyPr>
           <a:lstStyle/>
           <a:p>
-            <a:pPr>
+            <a:pPr algn="just">
               <a:spcBef>
                 <a:spcPts val="1200"/>
               </a:spcBef>
@@ -35879,7 +36224,7 @@
             </a:endParaRPr>
           </a:p>
           <a:p>
-            <a:pPr>
+            <a:pPr algn="just">
               <a:spcBef>
                 <a:spcPts val="600"/>
               </a:spcBef>
@@ -35891,20 +36236,36 @@
               </a:buClr>
             </a:pPr>
             <a:r>
+              <a:rPr lang="zh-CN" altLang="en-US" sz="2000" dirty="0">
+                <a:latin typeface="华文楷体" panose="02010600040101010101" pitchFamily="2" charset="-122"/>
+                <a:ea typeface="华文楷体" panose="02010600040101010101" pitchFamily="2" charset="-122"/>
+                <a:cs typeface="Times New Roman" panose="02020603050405020304" pitchFamily="18" charset="0"/>
+              </a:rPr>
+              <a:t>（</a:t>
+            </a:r>
+            <a:r>
+              <a:rPr lang="en-US" altLang="zh-CN" sz="2000" dirty="0">
+                <a:latin typeface="华文楷体" panose="02010600040101010101" pitchFamily="2" charset="-122"/>
+                <a:ea typeface="华文楷体" panose="02010600040101010101" pitchFamily="2" charset="-122"/>
+                <a:cs typeface="Times New Roman" panose="02020603050405020304" pitchFamily="18" charset="0"/>
+              </a:rPr>
+              <a:t>1</a:t>
+            </a:r>
+            <a:r>
+              <a:rPr lang="zh-CN" altLang="en-US" sz="2000" dirty="0">
+                <a:latin typeface="华文楷体" panose="02010600040101010101" pitchFamily="2" charset="-122"/>
+                <a:ea typeface="华文楷体" panose="02010600040101010101" pitchFamily="2" charset="-122"/>
+                <a:cs typeface="Times New Roman" panose="02020603050405020304" pitchFamily="18" charset="0"/>
+              </a:rPr>
+              <a:t>）中国幅员辽阔，气候差异大，农业种植在不同区域有着各自的</a:t>
+            </a:r>
+            <a:r>
               <a:rPr lang="zh-CN" altLang="en-US" sz="2000" dirty="0" smtClean="0">
                 <a:latin typeface="华文楷体" panose="02010600040101010101" pitchFamily="2" charset="-122"/>
                 <a:ea typeface="华文楷体" panose="02010600040101010101" pitchFamily="2" charset="-122"/>
                 <a:cs typeface="Times New Roman" panose="02020603050405020304" pitchFamily="18" charset="0"/>
               </a:rPr>
-              <a:t>（</a:t>
-            </a:r>
-            <a:r>
-              <a:rPr lang="en-US" altLang="zh-CN" sz="2000" dirty="0">
-                <a:latin typeface="华文楷体" panose="02010600040101010101" pitchFamily="2" charset="-122"/>
-                <a:ea typeface="华文楷体" panose="02010600040101010101" pitchFamily="2" charset="-122"/>
-                <a:cs typeface="Times New Roman" panose="02020603050405020304" pitchFamily="18" charset="0"/>
-              </a:rPr>
-              <a:t>1</a:t>
+              <a:t>特点</a:t>
             </a:r>
             <a:r>
               <a:rPr lang="zh-CN" altLang="en-US" sz="2000" dirty="0">
@@ -35912,7 +36273,7 @@
                 <a:ea typeface="华文楷体" panose="02010600040101010101" pitchFamily="2" charset="-122"/>
                 <a:cs typeface="Times New Roman" panose="02020603050405020304" pitchFamily="18" charset="0"/>
               </a:rPr>
-              <a:t>）从种植角度视角探究土地生产率与农地经营规模的关系</a:t>
+              <a:t>。</a:t>
             </a:r>
             <a:r>
               <a:rPr lang="zh-CN" altLang="en-US" sz="2000" dirty="0" smtClean="0">
@@ -35920,16 +36281,35 @@
                 <a:ea typeface="华文楷体" panose="02010600040101010101" pitchFamily="2" charset="-122"/>
                 <a:cs typeface="Times New Roman" panose="02020603050405020304" pitchFamily="18" charset="0"/>
               </a:rPr>
-              <a:t>。研究的对象更加丰富，包括水稻、两熟小麦、两熟玉米和一熟玉米。</a:t>
-            </a:r>
-            <a:endParaRPr lang="en-US" altLang="zh-CN" sz="2000" dirty="0" smtClean="0">
-              <a:latin typeface="华文楷体" panose="02010600040101010101" pitchFamily="2" charset="-122"/>
-              <a:ea typeface="华文楷体" panose="02010600040101010101" pitchFamily="2" charset="-122"/>
-              <a:cs typeface="Times New Roman" panose="02020603050405020304" pitchFamily="18" charset="0"/>
-            </a:endParaRPr>
+              <a:t>本文</a:t>
+            </a:r>
+            <a:r>
+              <a:rPr lang="zh-CN" altLang="en-US" sz="2000" dirty="0">
+                <a:latin typeface="华文楷体" panose="02010600040101010101" pitchFamily="2" charset="-122"/>
+                <a:ea typeface="华文楷体" panose="02010600040101010101" pitchFamily="2" charset="-122"/>
+                <a:cs typeface="Times New Roman" panose="02020603050405020304" pitchFamily="18" charset="0"/>
+              </a:rPr>
+              <a:t>从从种植角度视角探究粮食作物土地生产率与农地经营规模的关系，根据熟制筛选主产区，结合区域下播种面积最广的</a:t>
+            </a:r>
+            <a:r>
+              <a:rPr lang="zh-CN" altLang="en-US" sz="2000" dirty="0" smtClean="0">
+                <a:latin typeface="华文楷体" panose="02010600040101010101" pitchFamily="2" charset="-122"/>
+                <a:ea typeface="华文楷体" panose="02010600040101010101" pitchFamily="2" charset="-122"/>
+                <a:cs typeface="Times New Roman" panose="02020603050405020304" pitchFamily="18" charset="0"/>
+              </a:rPr>
+              <a:t>农作物为</a:t>
+            </a:r>
+            <a:r>
+              <a:rPr lang="zh-CN" altLang="en-US" sz="2000" dirty="0">
+                <a:latin typeface="华文楷体" panose="02010600040101010101" pitchFamily="2" charset="-122"/>
+                <a:ea typeface="华文楷体" panose="02010600040101010101" pitchFamily="2" charset="-122"/>
+                <a:cs typeface="Times New Roman" panose="02020603050405020304" pitchFamily="18" charset="0"/>
+              </a:rPr>
+              <a:t>研究对象，从源头上剔除了种植制度和种植结构对分析造成的影响。</a:t>
+            </a:r>
           </a:p>
           <a:p>
-            <a:pPr>
+            <a:pPr algn="just">
               <a:spcBef>
                 <a:spcPts val="600"/>
               </a:spcBef>
@@ -35941,12 +36321,52 @@
               </a:buClr>
             </a:pPr>
             <a:r>
+              <a:rPr lang="zh-CN" altLang="en-US" sz="2000" dirty="0">
+                <a:latin typeface="华文楷体" panose="02010600040101010101" pitchFamily="2" charset="-122"/>
+                <a:ea typeface="华文楷体" panose="02010600040101010101" pitchFamily="2" charset="-122"/>
+                <a:cs typeface="Times New Roman" panose="02020603050405020304" pitchFamily="18" charset="0"/>
+              </a:rPr>
+              <a:t>（</a:t>
+            </a:r>
+            <a:r>
+              <a:rPr lang="en-US" altLang="zh-CN" sz="2000" dirty="0">
+                <a:latin typeface="华文楷体" panose="02010600040101010101" pitchFamily="2" charset="-122"/>
+                <a:ea typeface="华文楷体" panose="02010600040101010101" pitchFamily="2" charset="-122"/>
+                <a:cs typeface="Times New Roman" panose="02020603050405020304" pitchFamily="18" charset="0"/>
+              </a:rPr>
+              <a:t>2</a:t>
+            </a:r>
+            <a:r>
+              <a:rPr lang="zh-CN" altLang="en-US" sz="2000" dirty="0">
+                <a:latin typeface="华文楷体" panose="02010600040101010101" pitchFamily="2" charset="-122"/>
+                <a:ea typeface="华文楷体" panose="02010600040101010101" pitchFamily="2" charset="-122"/>
+                <a:cs typeface="Times New Roman" panose="02020603050405020304" pitchFamily="18" charset="0"/>
+              </a:rPr>
+              <a:t>）规模变量以对数</a:t>
+            </a:r>
+            <a:r>
+              <a:rPr lang="en-US" altLang="zh-CN" sz="2000" dirty="0">
+                <a:latin typeface="华文楷体" panose="02010600040101010101" pitchFamily="2" charset="-122"/>
+                <a:ea typeface="华文楷体" panose="02010600040101010101" pitchFamily="2" charset="-122"/>
+                <a:cs typeface="Times New Roman" panose="02020603050405020304" pitchFamily="18" charset="0"/>
+              </a:rPr>
+              <a:t>-</a:t>
+            </a:r>
+            <a:r>
+              <a:rPr lang="zh-CN" altLang="en-US" sz="2000" dirty="0">
+                <a:latin typeface="华文楷体" panose="02010600040101010101" pitchFamily="2" charset="-122"/>
+                <a:ea typeface="华文楷体" panose="02010600040101010101" pitchFamily="2" charset="-122"/>
+                <a:cs typeface="Times New Roman" panose="02020603050405020304" pitchFamily="18" charset="0"/>
+              </a:rPr>
+              <a:t>线性组合的形式引入，规模弹性更为灵活，更好的拟合农业生产中的非对称关系</a:t>
+            </a:r>
+            <a:r>
               <a:rPr lang="zh-CN" altLang="en-US" sz="2000" dirty="0" smtClean="0">
                 <a:latin typeface="华文楷体" panose="02010600040101010101" pitchFamily="2" charset="-122"/>
                 <a:ea typeface="华文楷体" panose="02010600040101010101" pitchFamily="2" charset="-122"/>
                 <a:cs typeface="Times New Roman" panose="02020603050405020304" pitchFamily="18" charset="0"/>
               </a:rPr>
-              <a:t>（</a:t>
+              <a:t>。对数</a:t>
             </a:r>
             <a:r>
               <a:rPr lang="en-US" altLang="zh-CN" sz="2000" dirty="0" smtClean="0">
@@ -35954,7 +36374,7 @@
                 <a:ea typeface="华文楷体" panose="02010600040101010101" pitchFamily="2" charset="-122"/>
                 <a:cs typeface="Times New Roman" panose="02020603050405020304" pitchFamily="18" charset="0"/>
               </a:rPr>
-              <a:t>2</a:t>
+              <a:t>-</a:t>
             </a:r>
             <a:r>
               <a:rPr lang="zh-CN" altLang="en-US" sz="2000" dirty="0" smtClean="0">
@@ -35962,32 +36382,35 @@
                 <a:ea typeface="华文楷体" panose="02010600040101010101" pitchFamily="2" charset="-122"/>
                 <a:cs typeface="Times New Roman" panose="02020603050405020304" pitchFamily="18" charset="0"/>
               </a:rPr>
-              <a:t>）规模变量以对数</a:t>
-            </a:r>
-            <a:r>
-              <a:rPr lang="en-US" altLang="zh-CN" sz="2000" dirty="0" smtClean="0">
+              <a:t>线性组合相比</a:t>
+            </a:r>
+            <a:r>
+              <a:rPr lang="zh-CN" altLang="en-US" sz="2000" dirty="0">
                 <a:latin typeface="华文楷体" panose="02010600040101010101" pitchFamily="2" charset="-122"/>
                 <a:ea typeface="华文楷体" panose="02010600040101010101" pitchFamily="2" charset="-122"/>
                 <a:cs typeface="Times New Roman" panose="02020603050405020304" pitchFamily="18" charset="0"/>
               </a:rPr>
-              <a:t>-</a:t>
-            </a:r>
-            <a:r>
-              <a:rPr lang="zh-CN" altLang="en-US" sz="2000" dirty="0" smtClean="0">
+              <a:t>于对数形式，计算得出的规模弹性更为灵活，相比于二次项形式，对数</a:t>
+            </a:r>
+            <a:r>
+              <a:rPr lang="en-US" altLang="zh-CN" sz="2000" dirty="0">
                 <a:latin typeface="华文楷体" panose="02010600040101010101" pitchFamily="2" charset="-122"/>
                 <a:ea typeface="华文楷体" panose="02010600040101010101" pitchFamily="2" charset="-122"/>
                 <a:cs typeface="Times New Roman" panose="02020603050405020304" pitchFamily="18" charset="0"/>
               </a:rPr>
-              <a:t>线性组合的形式引入。</a:t>
-            </a:r>
-            <a:endParaRPr lang="en-US" altLang="zh-CN" sz="2000" dirty="0" smtClean="0">
-              <a:latin typeface="华文楷体" panose="02010600040101010101" pitchFamily="2" charset="-122"/>
-              <a:ea typeface="华文楷体" panose="02010600040101010101" pitchFamily="2" charset="-122"/>
-              <a:cs typeface="Times New Roman" panose="02020603050405020304" pitchFamily="18" charset="0"/>
-            </a:endParaRPr>
+              <a:t>-</a:t>
+            </a:r>
+            <a:r>
+              <a:rPr lang="zh-CN" altLang="en-US" sz="2000" dirty="0">
+                <a:latin typeface="华文楷体" panose="02010600040101010101" pitchFamily="2" charset="-122"/>
+                <a:ea typeface="华文楷体" panose="02010600040101010101" pitchFamily="2" charset="-122"/>
+                <a:cs typeface="Times New Roman" panose="02020603050405020304" pitchFamily="18" charset="0"/>
+              </a:rPr>
+              <a:t>线性组合更包容。</a:t>
+            </a:r>
           </a:p>
           <a:p>
-            <a:pPr>
+            <a:pPr algn="just">
               <a:spcBef>
                 <a:spcPts val="1200"/>
               </a:spcBef>
@@ -36011,7 +36434,7 @@
             </a:endParaRPr>
           </a:p>
           <a:p>
-            <a:pPr>
+            <a:pPr algn="just">
               <a:spcBef>
                 <a:spcPts val="600"/>
               </a:spcBef>
@@ -36023,20 +36446,44 @@
               </a:buClr>
             </a:pPr>
             <a:r>
+              <a:rPr lang="zh-CN" altLang="en-US" sz="2000" dirty="0">
+                <a:latin typeface="华文楷体" panose="02010600040101010101" pitchFamily="2" charset="-122"/>
+                <a:ea typeface="华文楷体" panose="02010600040101010101" pitchFamily="2" charset="-122"/>
+                <a:cs typeface="Times New Roman" panose="02020603050405020304" pitchFamily="18" charset="0"/>
+              </a:rPr>
+              <a:t>（</a:t>
+            </a:r>
+            <a:r>
+              <a:rPr lang="en-US" altLang="zh-CN" sz="2000" dirty="0">
+                <a:latin typeface="华文楷体" panose="02010600040101010101" pitchFamily="2" charset="-122"/>
+                <a:ea typeface="华文楷体" panose="02010600040101010101" pitchFamily="2" charset="-122"/>
+                <a:cs typeface="Times New Roman" panose="02020603050405020304" pitchFamily="18" charset="0"/>
+              </a:rPr>
+              <a:t>1</a:t>
+            </a:r>
+            <a:r>
+              <a:rPr lang="zh-CN" altLang="en-US" sz="2000" dirty="0">
+                <a:latin typeface="华文楷体" panose="02010600040101010101" pitchFamily="2" charset="-122"/>
+                <a:ea typeface="华文楷体" panose="02010600040101010101" pitchFamily="2" charset="-122"/>
+                <a:cs typeface="Times New Roman" panose="02020603050405020304" pitchFamily="18" charset="0"/>
+              </a:rPr>
+              <a:t>）筛选稻谷农户样本时，</a:t>
+            </a:r>
+            <a:r>
               <a:rPr lang="zh-CN" altLang="en-US" sz="2000" dirty="0" smtClean="0">
                 <a:latin typeface="华文楷体" panose="02010600040101010101" pitchFamily="2" charset="-122"/>
                 <a:ea typeface="华文楷体" panose="02010600040101010101" pitchFamily="2" charset="-122"/>
                 <a:cs typeface="Times New Roman" panose="02020603050405020304" pitchFamily="18" charset="0"/>
               </a:rPr>
-              <a:t>（</a:t>
-            </a:r>
-            <a:r>
-              <a:rPr lang="en-US" altLang="zh-CN" sz="2000" dirty="0" smtClean="0">
+              <a:t>由于不同熟区无法</a:t>
+            </a:r>
+            <a:r>
+              <a:rPr lang="zh-CN" altLang="en-US" sz="2000" dirty="0">
                 <a:latin typeface="华文楷体" panose="02010600040101010101" pitchFamily="2" charset="-122"/>
                 <a:ea typeface="华文楷体" panose="02010600040101010101" pitchFamily="2" charset="-122"/>
                 <a:cs typeface="Times New Roman" panose="02020603050405020304" pitchFamily="18" charset="0"/>
               </a:rPr>
-              <a:t>3</a:t>
+              <a:t>进一步区分</a:t>
             </a:r>
             <a:r>
               <a:rPr lang="zh-CN" altLang="en-US" sz="2000" dirty="0" smtClean="0">
@@ -36044,16 +36491,59 @@
                 <a:ea typeface="华文楷体" panose="02010600040101010101" pitchFamily="2" charset="-122"/>
                 <a:cs typeface="Times New Roman" panose="02020603050405020304" pitchFamily="18" charset="0"/>
               </a:rPr>
-              <a:t>）单季稻和双季稻种植区域无法进一步区分，样本筛选时只能筛选出水稻主产区的农户数据进行研究。</a:t>
-            </a:r>
-            <a:endParaRPr lang="en-US" altLang="zh-CN" sz="2000" dirty="0" smtClean="0">
-              <a:latin typeface="华文楷体" panose="02010600040101010101" pitchFamily="2" charset="-122"/>
-              <a:ea typeface="华文楷体" panose="02010600040101010101" pitchFamily="2" charset="-122"/>
-              <a:cs typeface="Times New Roman" panose="02020603050405020304" pitchFamily="18" charset="0"/>
-            </a:endParaRPr>
+              <a:t>，只能</a:t>
+            </a:r>
+            <a:r>
+              <a:rPr lang="zh-CN" altLang="en-US" sz="2000" dirty="0">
+                <a:latin typeface="华文楷体" panose="02010600040101010101" pitchFamily="2" charset="-122"/>
+                <a:ea typeface="华文楷体" panose="02010600040101010101" pitchFamily="2" charset="-122"/>
+                <a:cs typeface="Times New Roman" panose="02020603050405020304" pitchFamily="18" charset="0"/>
+              </a:rPr>
+              <a:t>筛选出稻谷主产省份的农户数据进行研究。</a:t>
+            </a:r>
+            <a:r>
+              <a:rPr lang="zh-CN" altLang="en-US" sz="2000">
+                <a:latin typeface="华文楷体" panose="02010600040101010101" pitchFamily="2" charset="-122"/>
+                <a:ea typeface="华文楷体" panose="02010600040101010101" pitchFamily="2" charset="-122"/>
+                <a:cs typeface="Times New Roman" panose="02020603050405020304" pitchFamily="18" charset="0"/>
+              </a:rPr>
+              <a:t>所以</a:t>
+            </a:r>
+            <a:r>
+              <a:rPr lang="zh-CN" altLang="en-US" sz="2000" smtClean="0">
+                <a:latin typeface="华文楷体" panose="02010600040101010101" pitchFamily="2" charset="-122"/>
+                <a:ea typeface="华文楷体" panose="02010600040101010101" pitchFamily="2" charset="-122"/>
+                <a:cs typeface="Times New Roman" panose="02020603050405020304" pitchFamily="18" charset="0"/>
+              </a:rPr>
+              <a:t>，研究</a:t>
+            </a:r>
+            <a:r>
+              <a:rPr lang="zh-CN" altLang="en-US" sz="2000" dirty="0">
+                <a:latin typeface="华文楷体" panose="02010600040101010101" pitchFamily="2" charset="-122"/>
+                <a:ea typeface="华文楷体" panose="02010600040101010101" pitchFamily="2" charset="-122"/>
+                <a:cs typeface="Times New Roman" panose="02020603050405020304" pitchFamily="18" charset="0"/>
+              </a:rPr>
+              <a:t>中关于稻谷的估计结果可能</a:t>
+            </a:r>
+            <a:r>
+              <a:rPr lang="zh-CN" altLang="en-US" sz="2000" dirty="0" smtClean="0">
+                <a:latin typeface="华文楷体" panose="02010600040101010101" pitchFamily="2" charset="-122"/>
+                <a:ea typeface="华文楷体" panose="02010600040101010101" pitchFamily="2" charset="-122"/>
+                <a:cs typeface="Times New Roman" panose="02020603050405020304" pitchFamily="18" charset="0"/>
+              </a:rPr>
+              <a:t>存在偏差</a:t>
+            </a:r>
+            <a:r>
+              <a:rPr lang="zh-CN" altLang="en-US" sz="2000" dirty="0">
+                <a:latin typeface="华文楷体" panose="02010600040101010101" pitchFamily="2" charset="-122"/>
+                <a:ea typeface="华文楷体" panose="02010600040101010101" pitchFamily="2" charset="-122"/>
+                <a:cs typeface="Times New Roman" panose="02020603050405020304" pitchFamily="18" charset="0"/>
+              </a:rPr>
+              <a:t>。</a:t>
+            </a:r>
           </a:p>
           <a:p>
-            <a:pPr>
+            <a:pPr algn="just">
               <a:spcBef>
                 <a:spcPts val="600"/>
               </a:spcBef>
@@ -36065,7 +36555,7 @@
               </a:buClr>
             </a:pPr>
             <a:r>
-              <a:rPr lang="zh-CN" altLang="en-US" sz="2000" dirty="0" smtClean="0">
+              <a:rPr lang="zh-CN" altLang="en-US" sz="2000" dirty="0">
                 <a:latin typeface="华文楷体" panose="02010600040101010101" pitchFamily="2" charset="-122"/>
                 <a:ea typeface="华文楷体" panose="02010600040101010101" pitchFamily="2" charset="-122"/>
                 <a:cs typeface="Times New Roman" panose="02020603050405020304" pitchFamily="18" charset="0"/>
@@ -36073,42 +36563,85 @@
               <a:t>（</a:t>
             </a:r>
             <a:r>
-              <a:rPr lang="en-US" altLang="zh-CN" sz="2000" dirty="0" smtClean="0">
+              <a:rPr lang="en-US" altLang="zh-CN" sz="2000" dirty="0">
                 <a:latin typeface="华文楷体" panose="02010600040101010101" pitchFamily="2" charset="-122"/>
                 <a:ea typeface="华文楷体" panose="02010600040101010101" pitchFamily="2" charset="-122"/>
                 <a:cs typeface="Times New Roman" panose="02020603050405020304" pitchFamily="18" charset="0"/>
               </a:rPr>
-              <a:t>4</a:t>
-            </a:r>
-            <a:r>
-              <a:rPr lang="zh-CN" altLang="en-US" sz="2000" dirty="0" smtClean="0">
+              <a:t>2</a:t>
+            </a:r>
+            <a:r>
+              <a:rPr lang="zh-CN" altLang="en-US" sz="2000" dirty="0">
                 <a:latin typeface="华文楷体" panose="02010600040101010101" pitchFamily="2" charset="-122"/>
                 <a:ea typeface="华文楷体" panose="02010600040101010101" pitchFamily="2" charset="-122"/>
                 <a:cs typeface="Times New Roman" panose="02020603050405020304" pitchFamily="18" charset="0"/>
               </a:rPr>
-              <a:t>）一年两熟粮食作物样本中，大农户非常少，导致目前的研究结果可能对于</a:t>
-            </a:r>
-            <a:r>
-              <a:rPr lang="en-US" altLang="zh-CN" sz="2000" dirty="0" smtClean="0">
+              <a:t>）本文所使用的样本中，只有稻谷和一熟玉米大于</a:t>
+            </a:r>
+            <a:r>
+              <a:rPr lang="en-US" altLang="zh-CN" sz="2000" dirty="0">
                 <a:latin typeface="华文楷体" panose="02010600040101010101" pitchFamily="2" charset="-122"/>
                 <a:ea typeface="华文楷体" panose="02010600040101010101" pitchFamily="2" charset="-122"/>
                 <a:cs typeface="Times New Roman" panose="02020603050405020304" pitchFamily="18" charset="0"/>
               </a:rPr>
-              <a:t>10</a:t>
-            </a:r>
-            <a:r>
-              <a:rPr lang="zh-CN" altLang="en-US" sz="2000" dirty="0" smtClean="0">
+              <a:t>50</a:t>
+            </a:r>
+            <a:r>
+              <a:rPr lang="zh-CN" altLang="en-US" sz="2000" dirty="0">
                 <a:latin typeface="华文楷体" panose="02010600040101010101" pitchFamily="2" charset="-122"/>
                 <a:ea typeface="华文楷体" panose="02010600040101010101" pitchFamily="2" charset="-122"/>
                 <a:cs typeface="Times New Roman" panose="02020603050405020304" pitchFamily="18" charset="0"/>
               </a:rPr>
-              <a:t>亩以下农户经营更有意义。</a:t>
-            </a:r>
-            <a:endParaRPr lang="en-US" altLang="zh-CN" sz="2000" dirty="0" smtClean="0">
-              <a:latin typeface="华文楷体" panose="02010600040101010101" pitchFamily="2" charset="-122"/>
-              <a:ea typeface="华文楷体" panose="02010600040101010101" pitchFamily="2" charset="-122"/>
-              <a:cs typeface="Times New Roman" panose="02020603050405020304" pitchFamily="18" charset="0"/>
-            </a:endParaRPr>
+              <a:t>亩的样本超过</a:t>
+            </a:r>
+            <a:r>
+              <a:rPr lang="en-US" altLang="zh-CN" sz="2000" dirty="0">
+                <a:latin typeface="华文楷体" panose="02010600040101010101" pitchFamily="2" charset="-122"/>
+                <a:ea typeface="华文楷体" panose="02010600040101010101" pitchFamily="2" charset="-122"/>
+                <a:cs typeface="Times New Roman" panose="02020603050405020304" pitchFamily="18" charset="0"/>
+              </a:rPr>
+              <a:t>500</a:t>
+            </a:r>
+            <a:r>
+              <a:rPr lang="zh-CN" altLang="en-US" sz="2000" dirty="0">
+                <a:latin typeface="华文楷体" panose="02010600040101010101" pitchFamily="2" charset="-122"/>
+                <a:ea typeface="华文楷体" panose="02010600040101010101" pitchFamily="2" charset="-122"/>
+                <a:cs typeface="Times New Roman" panose="02020603050405020304" pitchFamily="18" charset="0"/>
+              </a:rPr>
+              <a:t>户，冬小麦</a:t>
+            </a:r>
+            <a:r>
+              <a:rPr lang="en-US" altLang="zh-CN" sz="2000" dirty="0">
+                <a:latin typeface="华文楷体" panose="02010600040101010101" pitchFamily="2" charset="-122"/>
+                <a:ea typeface="华文楷体" panose="02010600040101010101" pitchFamily="2" charset="-122"/>
+                <a:cs typeface="Times New Roman" panose="02020603050405020304" pitchFamily="18" charset="0"/>
+              </a:rPr>
+              <a:t>-</a:t>
+            </a:r>
+            <a:r>
+              <a:rPr lang="zh-CN" altLang="en-US" sz="2000" dirty="0">
+                <a:latin typeface="华文楷体" panose="02010600040101010101" pitchFamily="2" charset="-122"/>
+                <a:ea typeface="华文楷体" panose="02010600040101010101" pitchFamily="2" charset="-122"/>
+                <a:cs typeface="Times New Roman" panose="02020603050405020304" pitchFamily="18" charset="0"/>
+              </a:rPr>
+              <a:t>夏玉米种植区的农户样本中，大农户非常少，导致目前的研究结果可能对于</a:t>
+            </a:r>
+            <a:r>
+              <a:rPr lang="en-US" altLang="zh-CN" sz="2000" dirty="0">
+                <a:latin typeface="华文楷体" panose="02010600040101010101" pitchFamily="2" charset="-122"/>
+                <a:ea typeface="华文楷体" panose="02010600040101010101" pitchFamily="2" charset="-122"/>
+                <a:cs typeface="Times New Roman" panose="02020603050405020304" pitchFamily="18" charset="0"/>
+              </a:rPr>
+              <a:t>10</a:t>
+            </a:r>
+            <a:r>
+              <a:rPr lang="zh-CN" altLang="en-US" sz="2000" dirty="0">
+                <a:latin typeface="华文楷体" panose="02010600040101010101" pitchFamily="2" charset="-122"/>
+                <a:ea typeface="华文楷体" panose="02010600040101010101" pitchFamily="2" charset="-122"/>
+                <a:cs typeface="Times New Roman" panose="02020603050405020304" pitchFamily="18" charset="0"/>
+              </a:rPr>
+              <a:t>亩以下农户经营更有参考意义。</a:t>
+            </a:r>
           </a:p>
         </p:txBody>
       </p:sp>
@@ -36147,10 +36680,10 @@
   </p:clrMapOvr>
   <mc:AlternateContent xmlns:mc="http://schemas.openxmlformats.org/markup-compatibility/2006" xmlns:p14="http://schemas.microsoft.com/office/powerpoint/2010/main">
     <mc:Choice Requires="p14">
-      <p:transition p14:dur="0" advTm="0"/>
+      <p:transition p14:dur="0"/>
     </mc:Choice>
     <mc:Fallback xmlns="">
-      <p:transition advTm="0"/>
+      <p:transition/>
     </mc:Fallback>
   </mc:AlternateContent>
   <p:timing>
@@ -36932,10 +37465,10 @@
   </p:clrMapOvr>
   <mc:AlternateContent xmlns:mc="http://schemas.openxmlformats.org/markup-compatibility/2006" xmlns:p14="http://schemas.microsoft.com/office/powerpoint/2010/main">
     <mc:Choice Requires="p14">
-      <p:transition p14:dur="0" advTm="0"/>
+      <p:transition p14:dur="0"/>
     </mc:Choice>
     <mc:Fallback xmlns="">
-      <p:transition advTm="0"/>
+      <p:transition/>
     </mc:Fallback>
   </mc:AlternateContent>
   <p:timing>
@@ -37069,7 +37602,7 @@
         </p:nvSpPr>
         <p:spPr bwMode="auto">
           <a:xfrm>
-            <a:off x="126109" y="5046518"/>
+            <a:off x="141364" y="4945807"/>
             <a:ext cx="9017890" cy="784830"/>
           </a:xfrm>
           <a:prstGeom prst="rect">
@@ -37142,7 +37675,7 @@
         </p:nvSpPr>
         <p:spPr>
           <a:xfrm>
-            <a:off x="479038" y="4661893"/>
+            <a:off x="417801" y="4466834"/>
             <a:ext cx="8664961" cy="400110"/>
           </a:xfrm>
           <a:prstGeom prst="rect">
@@ -37194,7 +37727,7 @@
         </p:nvSpPr>
         <p:spPr>
           <a:xfrm>
-            <a:off x="252218" y="4757435"/>
+            <a:off x="190981" y="4562376"/>
             <a:ext cx="242076" cy="193541"/>
           </a:xfrm>
           <a:prstGeom prst="rightArrow">
@@ -37304,7 +37837,7 @@
         <p:spPr>
           <a:xfrm>
             <a:off x="126109" y="3203599"/>
-            <a:ext cx="9017891" cy="1323439"/>
+            <a:ext cx="9017891" cy="1015663"/>
           </a:xfrm>
           <a:prstGeom prst="rect">
             <a:avLst/>
@@ -37335,7 +37868,21 @@
                 <a:latin typeface="华文楷体" panose="02010600040101010101" pitchFamily="2" charset="-122"/>
                 <a:ea typeface="华文楷体" panose="02010600040101010101" pitchFamily="2" charset="-122"/>
               </a:rPr>
-              <a:t>土地生产率与农地经营规模的关系在农经学界的争议由来已久，但多年来始终没有一个令人共同信服的结果，现有研究结果丰富多彩，认为两者呈正向、负向以及复合型关系的皆有之。</a:t>
+              <a:t>土地生产率与农地经营规模的关系在农经学界的争议由来已久，但多年来始终没有一个令人共同信服的结果，现有研究结果丰富多彩，</a:t>
+            </a:r>
+            <a:r>
+              <a:rPr lang="zh-CN" altLang="en-US" sz="2000" dirty="0" smtClean="0">
+                <a:latin typeface="华文楷体" panose="02010600040101010101" pitchFamily="2" charset="-122"/>
+                <a:ea typeface="华文楷体" panose="02010600040101010101" pitchFamily="2" charset="-122"/>
+              </a:rPr>
+              <a:t>认为呈正</a:t>
+            </a:r>
+            <a:r>
+              <a:rPr lang="zh-CN" altLang="en-US" sz="2000" dirty="0">
+                <a:latin typeface="华文楷体" panose="02010600040101010101" pitchFamily="2" charset="-122"/>
+                <a:ea typeface="华文楷体" panose="02010600040101010101" pitchFamily="2" charset="-122"/>
+              </a:rPr>
+              <a:t>向、负向以及复合型关系的皆有之。</a:t>
             </a:r>
           </a:p>
         </p:txBody>
@@ -37816,10 +38363,10 @@
   </p:clrMapOvr>
   <mc:AlternateContent xmlns:mc="http://schemas.openxmlformats.org/markup-compatibility/2006" xmlns:p14="http://schemas.microsoft.com/office/powerpoint/2010/main">
     <mc:Choice Requires="p14">
-      <p:transition p14:dur="10" advTm="0"/>
+      <p:transition p14:dur="10"/>
     </mc:Choice>
     <mc:Fallback xmlns="">
-      <p:transition advTm="0"/>
+      <p:transition/>
     </mc:Fallback>
   </mc:AlternateContent>
   <p:timing>
@@ -38223,12 +38770,12 @@
   </p:clrMapOvr>
   <mc:AlternateContent xmlns:mc="http://schemas.openxmlformats.org/markup-compatibility/2006" xmlns:p14="http://schemas.microsoft.com/office/powerpoint/2010/main">
     <mc:Choice Requires="p14">
-      <p:transition spd="med" p14:dur="700" advTm="0">
+      <p:transition spd="med" p14:dur="700">
         <p:fade/>
       </p:transition>
     </mc:Choice>
     <mc:Fallback xmlns="">
-      <p:transition spd="med" advTm="0">
+      <p:transition spd="med">
         <p:fade/>
       </p:transition>
     </mc:Fallback>
@@ -38349,7 +38896,7 @@
             </a:endParaRPr>
           </a:p>
           <a:p>
-            <a:pPr marL="285750" indent="285750">
+            <a:pPr marL="285750" indent="285750" algn="just">
               <a:spcAft>
                 <a:spcPts val="600"/>
               </a:spcAft>
@@ -38374,7 +38921,7 @@
             </a:endParaRPr>
           </a:p>
           <a:p>
-            <a:pPr marL="285750" indent="285750">
+            <a:pPr marL="285750" indent="285750" algn="just">
               <a:spcAft>
                 <a:spcPts val="600"/>
               </a:spcAft>
@@ -38399,7 +38946,7 @@
             </a:endParaRPr>
           </a:p>
           <a:p>
-            <a:pPr>
+            <a:pPr algn="just">
               <a:spcAft>
                 <a:spcPts val="600"/>
               </a:spcAft>
@@ -38526,7 +39073,7 @@
             </a:endParaRPr>
           </a:p>
           <a:p>
-            <a:pPr>
+            <a:pPr algn="just">
               <a:spcBef>
                 <a:spcPts val="600"/>
               </a:spcBef>
@@ -38568,7 +39115,7 @@
             </a:endParaRPr>
           </a:p>
           <a:p>
-            <a:pPr marL="285750" indent="285750">
+            <a:pPr marL="285750" indent="285750" algn="just">
               <a:spcAft>
                 <a:spcPts val="600"/>
               </a:spcAft>
@@ -38609,7 +39156,7 @@
             </a:endParaRPr>
           </a:p>
           <a:p>
-            <a:pPr marL="285750" indent="285750">
+            <a:pPr marL="285750" indent="285750" algn="just">
               <a:spcAft>
                 <a:spcPts val="600"/>
               </a:spcAft>
@@ -38634,7 +39181,7 @@
             </a:endParaRPr>
           </a:p>
           <a:p>
-            <a:pPr marL="285750" indent="285750">
+            <a:pPr marL="285750" indent="285750" algn="just">
               <a:spcAft>
                 <a:spcPts val="600"/>
               </a:spcAft>
@@ -38675,7 +39222,7 @@
             </a:endParaRPr>
           </a:p>
           <a:p>
-            <a:pPr>
+            <a:pPr algn="just">
               <a:spcAft>
                 <a:spcPts val="600"/>
               </a:spcAft>
@@ -39356,10 +39903,10 @@
   </p:clrMapOvr>
   <mc:AlternateContent xmlns:mc="http://schemas.openxmlformats.org/markup-compatibility/2006" xmlns:p14="http://schemas.microsoft.com/office/powerpoint/2010/main">
     <mc:Choice Requires="p14">
-      <p:transition p14:dur="0" advTm="0"/>
+      <p:transition p14:dur="0"/>
     </mc:Choice>
     <mc:Fallback xmlns="">
-      <p:transition advTm="0"/>
+      <p:transition/>
     </mc:Fallback>
   </mc:AlternateContent>
   <p:timing>
@@ -39398,7 +39945,7 @@
         <p:spPr>
           <a:xfrm>
             <a:off x="92596" y="1048409"/>
-            <a:ext cx="9051403" cy="5632311"/>
+            <a:ext cx="9051403" cy="5355312"/>
           </a:xfrm>
           <a:prstGeom prst="rect">
             <a:avLst/>
@@ -39427,7 +39974,31 @@
                 <a:ea typeface="微软雅黑" panose="020B0503020204020204" pitchFamily="34" charset="-122"/>
                 <a:cs typeface="Times New Roman" panose="02020603050405020304" pitchFamily="18" charset="0"/>
               </a:rPr>
-              <a:t>（二）农地经营规模对土地生产率的影响</a:t>
+              <a:t>（二</a:t>
+            </a:r>
+            <a:r>
+              <a:rPr lang="zh-CN" altLang="en-US" sz="2000" b="1" dirty="0" smtClean="0">
+                <a:latin typeface="Times New Roman" panose="02020603050405020304" pitchFamily="18" charset="0"/>
+                <a:ea typeface="微软雅黑" panose="020B0503020204020204" pitchFamily="34" charset="-122"/>
+                <a:cs typeface="Times New Roman" panose="02020603050405020304" pitchFamily="18" charset="0"/>
+              </a:rPr>
+              <a:t>）</a:t>
+            </a:r>
+            <a:r>
+              <a:rPr lang="zh-CN" altLang="en-US" sz="2000" b="1" dirty="0">
+                <a:latin typeface="Times New Roman" panose="02020603050405020304" pitchFamily="18" charset="0"/>
+                <a:ea typeface="微软雅黑" panose="020B0503020204020204" pitchFamily="34" charset="-122"/>
+                <a:cs typeface="Times New Roman" panose="02020603050405020304" pitchFamily="18" charset="0"/>
+              </a:rPr>
+              <a:t>规模</a:t>
+            </a:r>
+            <a:r>
+              <a:rPr lang="zh-CN" altLang="en-US" sz="2000" b="1" dirty="0" smtClean="0">
+                <a:latin typeface="Times New Roman" panose="02020603050405020304" pitchFamily="18" charset="0"/>
+                <a:ea typeface="微软雅黑" panose="020B0503020204020204" pitchFamily="34" charset="-122"/>
+                <a:cs typeface="Times New Roman" panose="02020603050405020304" pitchFamily="18" charset="0"/>
+              </a:rPr>
+              <a:t>对土地生产率影响的比较</a:t>
             </a:r>
             <a:endParaRPr lang="en-US" altLang="zh-CN" sz="2000" b="1" dirty="0">
               <a:latin typeface="Times New Roman" panose="02020603050405020304" pitchFamily="18" charset="0"/>
@@ -39602,7 +40173,7 @@
             </a:endParaRPr>
           </a:p>
           <a:p>
-            <a:pPr>
+            <a:pPr algn="just">
               <a:buClr>
                 <a:srgbClr val="071F65"/>
               </a:buClr>
@@ -39768,7 +40339,7 @@
               <a:t>；李谷成等，</a:t>
             </a:r>
             <a:r>
-              <a:rPr lang="en-US" altLang="zh-CN" sz="1800" dirty="0">
+              <a:rPr lang="en-US" altLang="zh-CN" sz="1800" dirty="0" smtClean="0">
                 <a:latin typeface="华文楷体" panose="02010600040101010101" pitchFamily="2" charset="-122"/>
                 <a:ea typeface="华文楷体" panose="02010600040101010101" pitchFamily="2" charset="-122"/>
                 <a:cs typeface="Times New Roman" panose="02020603050405020304" pitchFamily="18" charset="0"/>
@@ -39776,55 +40347,7 @@
               <a:t>2009</a:t>
             </a:r>
             <a:r>
-              <a:rPr lang="zh-CN" altLang="en-US" sz="1800" dirty="0">
-                <a:latin typeface="华文楷体" panose="02010600040101010101" pitchFamily="2" charset="-122"/>
-                <a:ea typeface="华文楷体" panose="02010600040101010101" pitchFamily="2" charset="-122"/>
-                <a:cs typeface="Times New Roman" panose="02020603050405020304" pitchFamily="18" charset="0"/>
-              </a:rPr>
-              <a:t>；任治君，</a:t>
-            </a:r>
-            <a:r>
-              <a:rPr lang="en-US" altLang="zh-CN" sz="1800" dirty="0">
-                <a:latin typeface="华文楷体" panose="02010600040101010101" pitchFamily="2" charset="-122"/>
-                <a:ea typeface="华文楷体" panose="02010600040101010101" pitchFamily="2" charset="-122"/>
-                <a:cs typeface="Times New Roman" panose="02020603050405020304" pitchFamily="18" charset="0"/>
-              </a:rPr>
-              <a:t>1995</a:t>
-            </a:r>
-            <a:r>
-              <a:rPr lang="zh-CN" altLang="en-US" sz="1800" dirty="0">
-                <a:latin typeface="华文楷体" panose="02010600040101010101" pitchFamily="2" charset="-122"/>
-                <a:ea typeface="华文楷体" panose="02010600040101010101" pitchFamily="2" charset="-122"/>
-                <a:cs typeface="Times New Roman" panose="02020603050405020304" pitchFamily="18" charset="0"/>
-              </a:rPr>
-              <a:t>；</a:t>
-            </a:r>
-            <a:r>
-              <a:rPr lang="en-US" altLang="zh-CN" sz="1800" dirty="0" err="1">
-                <a:latin typeface="华文楷体" panose="02010600040101010101" pitchFamily="2" charset="-122"/>
-                <a:ea typeface="华文楷体" panose="02010600040101010101" pitchFamily="2" charset="-122"/>
-                <a:cs typeface="Times New Roman" panose="02020603050405020304" pitchFamily="18" charset="0"/>
-              </a:rPr>
-              <a:t>Helberg</a:t>
-            </a:r>
-            <a:r>
-              <a:rPr lang="zh-CN" altLang="en-US" sz="1800" dirty="0">
-                <a:latin typeface="华文楷体" panose="02010600040101010101" pitchFamily="2" charset="-122"/>
-                <a:ea typeface="华文楷体" panose="02010600040101010101" pitchFamily="2" charset="-122"/>
-                <a:cs typeface="Times New Roman" panose="02020603050405020304" pitchFamily="18" charset="0"/>
-              </a:rPr>
-              <a:t>，</a:t>
-            </a:r>
-            <a:r>
-              <a:rPr lang="en-US" altLang="zh-CN" sz="1800" dirty="0">
-                <a:latin typeface="华文楷体" panose="02010600040101010101" pitchFamily="2" charset="-122"/>
-                <a:ea typeface="华文楷体" panose="02010600040101010101" pitchFamily="2" charset="-122"/>
-                <a:cs typeface="Times New Roman" panose="02020603050405020304" pitchFamily="18" charset="0"/>
-              </a:rPr>
-              <a:t>1998</a:t>
-            </a:r>
-            <a:r>
-              <a:rPr lang="zh-CN" altLang="en-US" sz="1800" dirty="0">
+              <a:rPr lang="zh-CN" altLang="en-US" sz="1800" dirty="0" smtClean="0">
                 <a:latin typeface="华文楷体" panose="02010600040101010101" pitchFamily="2" charset="-122"/>
                 <a:ea typeface="华文楷体" panose="02010600040101010101" pitchFamily="2" charset="-122"/>
                 <a:cs typeface="Times New Roman" panose="02020603050405020304" pitchFamily="18" charset="0"/>
@@ -39838,7 +40361,7 @@
             </a:endParaRPr>
           </a:p>
           <a:p>
-            <a:pPr>
+            <a:pPr algn="just">
               <a:spcBef>
                 <a:spcPts val="1200"/>
               </a:spcBef>
@@ -39864,7 +40387,7 @@
             </a:endParaRPr>
           </a:p>
           <a:p>
-            <a:pPr>
+            <a:pPr algn="just">
               <a:spcBef>
                 <a:spcPts val="600"/>
               </a:spcBef>
@@ -39914,7 +40437,7 @@
             </a:endParaRPr>
           </a:p>
           <a:p>
-            <a:pPr>
+            <a:pPr algn="just">
               <a:spcBef>
                 <a:spcPts val="600"/>
               </a:spcBef>
@@ -39964,7 +40487,7 @@
             </a:endParaRPr>
           </a:p>
           <a:p>
-            <a:pPr>
+            <a:pPr algn="just">
               <a:spcBef>
                 <a:spcPts val="600"/>
               </a:spcBef>
@@ -40014,7 +40537,7 @@
             </a:endParaRPr>
           </a:p>
           <a:p>
-            <a:pPr>
+            <a:pPr algn="just">
               <a:buClr>
                 <a:srgbClr val="071F65"/>
               </a:buClr>
@@ -40734,10 +41257,10 @@
   </p:clrMapOvr>
   <mc:AlternateContent xmlns:mc="http://schemas.openxmlformats.org/markup-compatibility/2006" xmlns:p14="http://schemas.microsoft.com/office/powerpoint/2010/main">
     <mc:Choice Requires="p14">
-      <p:transition p14:dur="0" advTm="0"/>
+      <p:transition p14:dur="0"/>
     </mc:Choice>
     <mc:Fallback xmlns="">
-      <p:transition advTm="0"/>
+      <p:transition/>
     </mc:Fallback>
   </mc:AlternateContent>
   <p:timing>
@@ -40776,7 +41299,7 @@
         <p:spPr>
           <a:xfrm>
             <a:off x="104172" y="1048409"/>
-            <a:ext cx="9039828" cy="5247590"/>
+            <a:ext cx="9039828" cy="4939814"/>
           </a:xfrm>
           <a:prstGeom prst="rect">
             <a:avLst/>
@@ -40788,7 +41311,7 @@
           </a:bodyPr>
           <a:lstStyle/>
           <a:p>
-            <a:pPr>
+            <a:pPr algn="just">
               <a:spcBef>
                 <a:spcPts val="1200"/>
               </a:spcBef>
@@ -40814,7 +41337,7 @@
             </a:endParaRPr>
           </a:p>
           <a:p>
-            <a:pPr>
+            <a:pPr algn="just">
               <a:spcBef>
                 <a:spcPts val="600"/>
               </a:spcBef>
@@ -40864,7 +41387,7 @@
             </a:endParaRPr>
           </a:p>
           <a:p>
-            <a:pPr marL="285750" indent="285750">
+            <a:pPr marL="285750" indent="285750" algn="just">
               <a:spcBef>
                 <a:spcPts val="600"/>
               </a:spcBef>
@@ -40878,12 +41401,20 @@
               <a:buChar char="•"/>
             </a:pPr>
             <a:r>
+              <a:rPr lang="zh-CN" altLang="en-US" sz="2000" dirty="0" smtClean="0">
+                <a:latin typeface="华文楷体" panose="02010600040101010101" pitchFamily="2" charset="-122"/>
+                <a:ea typeface="华文楷体" panose="02010600040101010101" pitchFamily="2" charset="-122"/>
+                <a:cs typeface="Times New Roman" panose="02020603050405020304" pitchFamily="18" charset="0"/>
+              </a:rPr>
+              <a:t>全方位</a:t>
+            </a:r>
+            <a:r>
               <a:rPr lang="zh-CN" altLang="en-US" sz="2000" dirty="0">
                 <a:latin typeface="华文楷体" panose="02010600040101010101" pitchFamily="2" charset="-122"/>
                 <a:ea typeface="华文楷体" panose="02010600040101010101" pitchFamily="2" charset="-122"/>
                 <a:cs typeface="Times New Roman" panose="02020603050405020304" pitchFamily="18" charset="0"/>
               </a:rPr>
-              <a:t>研究农户问题学者众多，全方位的研究了可能影响农业生产的因素，从自然环境、农户家庭特征、政策力量到市场环境等方面提供了稳定成熟的指标选择</a:t>
+              <a:t>的研究了可能影响农业生产的因素，从自然环境、农户家庭特征、政策力量到市场环境等方面提供了稳定成熟的指标选择</a:t>
             </a:r>
             <a:r>
               <a:rPr lang="zh-CN" altLang="en-US" sz="2000" dirty="0" smtClean="0">
@@ -40900,7 +41431,7 @@
             </a:endParaRPr>
           </a:p>
           <a:p>
-            <a:pPr marL="285750" indent="285750">
+            <a:pPr marL="285750" indent="285750" algn="just">
               <a:spcBef>
                 <a:spcPts val="600"/>
               </a:spcBef>
@@ -40919,7 +41450,23 @@
                 <a:ea typeface="华文楷体" panose="02010600040101010101" pitchFamily="2" charset="-122"/>
                 <a:cs typeface="Times New Roman" panose="02020603050405020304" pitchFamily="18" charset="0"/>
               </a:rPr>
-              <a:t>给出了一套解释方法，可以从要素市场不完善、土壤质量遗漏和测量误差</a:t>
+              <a:t>给出了一套解释方法</a:t>
+            </a:r>
+            <a:r>
+              <a:rPr lang="zh-CN" altLang="en-US" sz="2000" dirty="0" smtClean="0">
+                <a:latin typeface="华文楷体" panose="02010600040101010101" pitchFamily="2" charset="-122"/>
+                <a:ea typeface="华文楷体" panose="02010600040101010101" pitchFamily="2" charset="-122"/>
+                <a:cs typeface="Times New Roman" panose="02020603050405020304" pitchFamily="18" charset="0"/>
+              </a:rPr>
+              <a:t>，从</a:t>
+            </a:r>
+            <a:r>
+              <a:rPr lang="zh-CN" altLang="en-US" sz="2000" dirty="0">
+                <a:latin typeface="华文楷体" panose="02010600040101010101" pitchFamily="2" charset="-122"/>
+                <a:ea typeface="华文楷体" panose="02010600040101010101" pitchFamily="2" charset="-122"/>
+                <a:cs typeface="Times New Roman" panose="02020603050405020304" pitchFamily="18" charset="0"/>
+              </a:rPr>
+              <a:t>要素市场不完善、土壤质量遗漏和测量误差</a:t>
             </a:r>
             <a:r>
               <a:rPr lang="en-US" altLang="zh-CN" sz="2000" dirty="0">
@@ -40944,7 +41491,7 @@
             </a:endParaRPr>
           </a:p>
           <a:p>
-            <a:pPr marL="285750" indent="285750">
+            <a:pPr marL="285750" indent="285750" algn="just">
               <a:spcBef>
                 <a:spcPts val="600"/>
               </a:spcBef>
@@ -40972,7 +41519,7 @@
             </a:endParaRPr>
           </a:p>
           <a:p>
-            <a:pPr>
+            <a:pPr algn="just">
               <a:spcBef>
                 <a:spcPts val="600"/>
               </a:spcBef>
@@ -41030,7 +41577,7 @@
             </a:endParaRPr>
           </a:p>
           <a:p>
-            <a:pPr marL="285750" indent="285750">
+            <a:pPr marL="285750" indent="285750" algn="just">
               <a:spcBef>
                 <a:spcPts val="600"/>
               </a:spcBef>
@@ -41066,7 +41613,7 @@
             </a:endParaRPr>
           </a:p>
           <a:p>
-            <a:pPr marL="285750" indent="285750">
+            <a:pPr marL="285750" indent="285750" algn="just">
               <a:spcBef>
                 <a:spcPts val="600"/>
               </a:spcBef>
@@ -41579,10 +42126,10 @@
   </p:clrMapOvr>
   <mc:AlternateContent xmlns:mc="http://schemas.openxmlformats.org/markup-compatibility/2006" xmlns:p14="http://schemas.microsoft.com/office/powerpoint/2010/main">
     <mc:Choice Requires="p14">
-      <p:transition p14:dur="0" advTm="0"/>
+      <p:transition p14:dur="0"/>
     </mc:Choice>
     <mc:Fallback xmlns="">
-      <p:transition advTm="0"/>
+      <p:transition/>
     </mc:Fallback>
   </mc:AlternateContent>
   <p:timing>
@@ -41986,12 +42533,12 @@
   </p:clrMapOvr>
   <mc:AlternateContent xmlns:mc="http://schemas.openxmlformats.org/markup-compatibility/2006" xmlns:p14="http://schemas.microsoft.com/office/powerpoint/2010/main">
     <mc:Choice Requires="p14">
-      <p:transition spd="med" p14:dur="700" advTm="0">
+      <p:transition spd="med" p14:dur="700">
         <p:fade/>
       </p:transition>
     </mc:Choice>
     <mc:Fallback xmlns="">
-      <p:transition spd="med" advTm="0">
+      <p:transition spd="med">
         <p:fade/>
       </p:transition>
     </mc:Fallback>
